--- a/source/Security/images_SecureLoginDemo/materialSecureLoginDemo.pptx
+++ b/source/Security/images_SecureLoginDemo/materialSecureLoginDemo.pptx
@@ -5,22 +5,23 @@
     <p:sldMasterId id="2147483648" r:id="rId1"/>
   </p:sldMasterIdLst>
   <p:notesMasterIdLst>
-    <p:notesMasterId r:id="rId15"/>
+    <p:notesMasterId r:id="rId16"/>
   </p:notesMasterIdLst>
   <p:sldIdLst>
     <p:sldId id="260" r:id="rId2"/>
     <p:sldId id="261" r:id="rId3"/>
     <p:sldId id="257" r:id="rId4"/>
-    <p:sldId id="258" r:id="rId5"/>
-    <p:sldId id="262" r:id="rId6"/>
-    <p:sldId id="263" r:id="rId7"/>
-    <p:sldId id="264" r:id="rId8"/>
-    <p:sldId id="265" r:id="rId9"/>
-    <p:sldId id="266" r:id="rId10"/>
-    <p:sldId id="267" r:id="rId11"/>
-    <p:sldId id="268" r:id="rId12"/>
-    <p:sldId id="269" r:id="rId13"/>
-    <p:sldId id="270" r:id="rId14"/>
+    <p:sldId id="271" r:id="rId5"/>
+    <p:sldId id="258" r:id="rId6"/>
+    <p:sldId id="262" r:id="rId7"/>
+    <p:sldId id="263" r:id="rId8"/>
+    <p:sldId id="264" r:id="rId9"/>
+    <p:sldId id="265" r:id="rId10"/>
+    <p:sldId id="266" r:id="rId11"/>
+    <p:sldId id="267" r:id="rId12"/>
+    <p:sldId id="268" r:id="rId13"/>
+    <p:sldId id="269" r:id="rId14"/>
+    <p:sldId id="270" r:id="rId15"/>
   </p:sldIdLst>
   <p:sldSz cx="9144000" cy="6858000" type="screen4x3"/>
   <p:notesSz cx="6858000" cy="9144000"/>
@@ -127,6 +128,7 @@
             <p14:sldId id="260"/>
             <p14:sldId id="261"/>
             <p14:sldId id="257"/>
+            <p14:sldId id="271"/>
             <p14:sldId id="258"/>
             <p14:sldId id="262"/>
             <p14:sldId id="263"/>
@@ -227,7 +229,7 @@
           <a:p>
             <a:fld id="{A9A68E77-2A2E-4FA8-B0E0-268D9A1D7CFA}" type="datetimeFigureOut">
               <a:rPr kumimoji="1" lang="ja-JP" altLang="en-US" smtClean="0"/>
-              <a:t>2016/2/17</a:t>
+              <a:t>2016/2/19</a:t>
             </a:fld>
             <a:endParaRPr kumimoji="1" lang="ja-JP" altLang="en-US"/>
           </a:p>
@@ -592,7 +594,7 @@
           <a:p>
             <a:fld id="{3A7CB27F-7D8C-4CF8-8DC0-988472F0A705}" type="slidenum">
               <a:rPr kumimoji="1" lang="ja-JP" altLang="en-US" smtClean="0"/>
-              <a:t>4</a:t>
+              <a:t>5</a:t>
             </a:fld>
             <a:endParaRPr kumimoji="1" lang="ja-JP" altLang="en-US"/>
           </a:p>
@@ -792,7 +794,7 @@
           <a:p>
             <a:fld id="{582D171D-F42A-48A6-A355-A2482FAD1CE4}" type="datetimeFigureOut">
               <a:rPr kumimoji="1" lang="ja-JP" altLang="en-US" smtClean="0"/>
-              <a:t>2016/2/17</a:t>
+              <a:t>2016/2/19</a:t>
             </a:fld>
             <a:endParaRPr kumimoji="1" lang="ja-JP" altLang="en-US"/>
           </a:p>
@@ -994,7 +996,7 @@
           <a:p>
             <a:fld id="{582D171D-F42A-48A6-A355-A2482FAD1CE4}" type="datetimeFigureOut">
               <a:rPr kumimoji="1" lang="ja-JP" altLang="en-US" smtClean="0"/>
-              <a:t>2016/2/17</a:t>
+              <a:t>2016/2/19</a:t>
             </a:fld>
             <a:endParaRPr kumimoji="1" lang="ja-JP" altLang="en-US"/>
           </a:p>
@@ -1206,7 +1208,7 @@
           <a:p>
             <a:fld id="{582D171D-F42A-48A6-A355-A2482FAD1CE4}" type="datetimeFigureOut">
               <a:rPr kumimoji="1" lang="ja-JP" altLang="en-US" smtClean="0"/>
-              <a:t>2016/2/17</a:t>
+              <a:t>2016/2/19</a:t>
             </a:fld>
             <a:endParaRPr kumimoji="1" lang="ja-JP" altLang="en-US"/>
           </a:p>
@@ -1408,7 +1410,7 @@
           <a:p>
             <a:fld id="{582D171D-F42A-48A6-A355-A2482FAD1CE4}" type="datetimeFigureOut">
               <a:rPr kumimoji="1" lang="ja-JP" altLang="en-US" smtClean="0"/>
-              <a:t>2016/2/17</a:t>
+              <a:t>2016/2/19</a:t>
             </a:fld>
             <a:endParaRPr kumimoji="1" lang="ja-JP" altLang="en-US"/>
           </a:p>
@@ -1654,7 +1656,7 @@
           <a:p>
             <a:fld id="{582D171D-F42A-48A6-A355-A2482FAD1CE4}" type="datetimeFigureOut">
               <a:rPr kumimoji="1" lang="ja-JP" altLang="en-US" smtClean="0"/>
-              <a:t>2016/2/17</a:t>
+              <a:t>2016/2/19</a:t>
             </a:fld>
             <a:endParaRPr kumimoji="1" lang="ja-JP" altLang="en-US"/>
           </a:p>
@@ -2006,7 +2008,7 @@
           <a:p>
             <a:fld id="{582D171D-F42A-48A6-A355-A2482FAD1CE4}" type="datetimeFigureOut">
               <a:rPr kumimoji="1" lang="ja-JP" altLang="en-US" smtClean="0"/>
-              <a:t>2016/2/17</a:t>
+              <a:t>2016/2/19</a:t>
             </a:fld>
             <a:endParaRPr kumimoji="1" lang="ja-JP" altLang="en-US"/>
           </a:p>
@@ -2492,7 +2494,7 @@
           <a:p>
             <a:fld id="{582D171D-F42A-48A6-A355-A2482FAD1CE4}" type="datetimeFigureOut">
               <a:rPr kumimoji="1" lang="ja-JP" altLang="en-US" smtClean="0"/>
-              <a:t>2016/2/17</a:t>
+              <a:t>2016/2/19</a:t>
             </a:fld>
             <a:endParaRPr kumimoji="1" lang="ja-JP" altLang="en-US"/>
           </a:p>
@@ -2610,7 +2612,7 @@
           <a:p>
             <a:fld id="{582D171D-F42A-48A6-A355-A2482FAD1CE4}" type="datetimeFigureOut">
               <a:rPr kumimoji="1" lang="ja-JP" altLang="en-US" smtClean="0"/>
-              <a:t>2016/2/17</a:t>
+              <a:t>2016/2/19</a:t>
             </a:fld>
             <a:endParaRPr kumimoji="1" lang="ja-JP" altLang="en-US"/>
           </a:p>
@@ -2705,7 +2707,7 @@
           <a:p>
             <a:fld id="{582D171D-F42A-48A6-A355-A2482FAD1CE4}" type="datetimeFigureOut">
               <a:rPr kumimoji="1" lang="ja-JP" altLang="en-US" smtClean="0"/>
-              <a:t>2016/2/17</a:t>
+              <a:t>2016/2/19</a:t>
             </a:fld>
             <a:endParaRPr kumimoji="1" lang="ja-JP" altLang="en-US"/>
           </a:p>
@@ -3014,7 +3016,7 @@
           <a:p>
             <a:fld id="{582D171D-F42A-48A6-A355-A2482FAD1CE4}" type="datetimeFigureOut">
               <a:rPr kumimoji="1" lang="ja-JP" altLang="en-US" smtClean="0"/>
-              <a:t>2016/2/17</a:t>
+              <a:t>2016/2/19</a:t>
             </a:fld>
             <a:endParaRPr kumimoji="1" lang="ja-JP" altLang="en-US"/>
           </a:p>
@@ -3267,7 +3269,7 @@
           <a:p>
             <a:fld id="{582D171D-F42A-48A6-A355-A2482FAD1CE4}" type="datetimeFigureOut">
               <a:rPr kumimoji="1" lang="ja-JP" altLang="en-US" smtClean="0"/>
-              <a:t>2016/2/17</a:t>
+              <a:t>2016/2/19</a:t>
             </a:fld>
             <a:endParaRPr kumimoji="1" lang="ja-JP" altLang="en-US"/>
           </a:p>
@@ -3512,7 +3514,7 @@
           <a:p>
             <a:fld id="{582D171D-F42A-48A6-A355-A2482FAD1CE4}" type="datetimeFigureOut">
               <a:rPr kumimoji="1" lang="ja-JP" altLang="en-US" smtClean="0"/>
-              <a:t>2016/2/17</a:t>
+              <a:t>2016/2/19</a:t>
             </a:fld>
             <a:endParaRPr kumimoji="1" lang="ja-JP" altLang="en-US"/>
           </a:p>
@@ -5314,7 +5316,7 @@
       </p:grpSpPr>
       <p:pic>
         <p:nvPicPr>
-          <p:cNvPr id="6146" name="Picture 2"/>
+          <p:cNvPr id="5122" name="Picture 2"/>
           <p:cNvPicPr>
             <a:picLocks noChangeAspect="1" noChangeArrowheads="1"/>
           </p:cNvPicPr>
@@ -5335,8 +5337,8 @@
         </p:blipFill>
         <p:spPr bwMode="auto">
           <a:xfrm>
-            <a:off x="2672035" y="1916832"/>
-            <a:ext cx="6076429" cy="1368152"/>
+            <a:off x="2014538" y="2366963"/>
+            <a:ext cx="5114925" cy="2124075"/>
           </a:xfrm>
           <a:prstGeom prst="rect">
             <a:avLst/>
@@ -5366,271 +5368,21 @@
           </a:extLst>
         </p:spPr>
       </p:pic>
-      <p:pic>
-        <p:nvPicPr>
-          <p:cNvPr id="6147" name="Picture 3"/>
-          <p:cNvPicPr>
-            <a:picLocks noChangeAspect="1" noChangeArrowheads="1"/>
-          </p:cNvPicPr>
-          <p:nvPr/>
-        </p:nvPicPr>
-        <p:blipFill>
-          <a:blip r:embed="rId3">
-            <a:extLst>
-              <a:ext uri="{28A0092B-C50C-407E-A947-70E740481C1C}">
-                <a14:useLocalDpi xmlns:a14="http://schemas.microsoft.com/office/drawing/2010/main" val="0"/>
-              </a:ext>
-            </a:extLst>
-          </a:blip>
-          <a:srcRect/>
-          <a:stretch>
-            <a:fillRect/>
-          </a:stretch>
-        </p:blipFill>
-        <p:spPr bwMode="auto">
-          <a:xfrm>
-            <a:off x="552723" y="260648"/>
-            <a:ext cx="3731245" cy="1668579"/>
-          </a:xfrm>
-          <a:prstGeom prst="rect">
-            <a:avLst/>
-          </a:prstGeom>
-          <a:noFill/>
-          <a:ln>
-            <a:noFill/>
-          </a:ln>
-          <a:extLst>
-            <a:ext uri="{909E8E84-426E-40DD-AFC4-6F175D3DCCD1}">
-              <a14:hiddenFill xmlns:a14="http://schemas.microsoft.com/office/drawing/2010/main">
-                <a:solidFill>
-                  <a:schemeClr val="accent1"/>
-                </a:solidFill>
-              </a14:hiddenFill>
-            </a:ext>
-            <a:ext uri="{91240B29-F687-4F45-9708-019B960494DF}">
-              <a14:hiddenLine xmlns:a14="http://schemas.microsoft.com/office/drawing/2010/main" w="9525">
-                <a:solidFill>
-                  <a:schemeClr val="tx1"/>
-                </a:solidFill>
-                <a:miter lim="800000"/>
-                <a:headEnd/>
-                <a:tailEnd/>
-              </a14:hiddenLine>
-            </a:ext>
-          </a:extLst>
-        </p:spPr>
-      </p:pic>
-      <p:sp>
-        <p:nvSpPr>
-          <p:cNvPr id="4" name="曲折矢印 3"/>
+      <p:sp>
+        <p:nvSpPr>
+          <p:cNvPr id="6" name="角丸四角形吹き出し 5"/>
           <p:cNvSpPr/>
           <p:nvPr/>
         </p:nvSpPr>
         <p:spPr>
-          <a:xfrm rot="10800000" flipH="1">
-            <a:off x="1416819" y="1946660"/>
-            <a:ext cx="792089" cy="906275"/>
-          </a:xfrm>
-          <a:prstGeom prst="bentArrow">
-            <a:avLst>
-              <a:gd name="adj1" fmla="val 25000"/>
-              <a:gd name="adj2" fmla="val 26089"/>
-              <a:gd name="adj3" fmla="val 25000"/>
-              <a:gd name="adj4" fmla="val 43750"/>
-            </a:avLst>
-          </a:prstGeom>
-        </p:spPr>
-        <p:style>
-          <a:lnRef idx="2">
-            <a:schemeClr val="accent1">
-              <a:shade val="50000"/>
-            </a:schemeClr>
-          </a:lnRef>
-          <a:fillRef idx="1">
-            <a:schemeClr val="accent1"/>
-          </a:fillRef>
-          <a:effectRef idx="0">
-            <a:schemeClr val="accent1"/>
-          </a:effectRef>
-          <a:fontRef idx="minor">
-            <a:schemeClr val="lt1"/>
-          </a:fontRef>
-        </p:style>
-        <p:txBody>
-          <a:bodyPr rtlCol="0" anchor="ctr"/>
-          <a:lstStyle/>
-          <a:p>
-            <a:pPr algn="ctr"/>
-            <a:endParaRPr kumimoji="1" lang="ja-JP" altLang="en-US">
-              <a:solidFill>
-                <a:schemeClr val="tx1"/>
-              </a:solidFill>
-            </a:endParaRPr>
-          </a:p>
-        </p:txBody>
-      </p:sp>
-      <p:sp>
-        <p:nvSpPr>
-          <p:cNvPr id="5" name="正方形/長方形 4"/>
-          <p:cNvSpPr/>
-          <p:nvPr/>
-        </p:nvSpPr>
-        <p:spPr>
-          <a:xfrm>
-            <a:off x="2856978" y="3501008"/>
-            <a:ext cx="864096" cy="504056"/>
-          </a:xfrm>
-          <a:prstGeom prst="rect">
-            <a:avLst/>
-          </a:prstGeom>
-        </p:spPr>
-        <p:style>
-          <a:lnRef idx="2">
-            <a:schemeClr val="dk1"/>
-          </a:lnRef>
-          <a:fillRef idx="1">
-            <a:schemeClr val="lt1"/>
-          </a:fillRef>
-          <a:effectRef idx="0">
-            <a:schemeClr val="dk1"/>
-          </a:effectRef>
-          <a:fontRef idx="minor">
-            <a:schemeClr val="dk1"/>
-          </a:fontRef>
-        </p:style>
-        <p:txBody>
-          <a:bodyPr rtlCol="0" anchor="ctr"/>
-          <a:lstStyle/>
-          <a:p>
-            <a:pPr algn="ctr"/>
-            <a:endParaRPr kumimoji="1" lang="ja-JP" altLang="en-US"/>
-          </a:p>
-        </p:txBody>
-      </p:sp>
-      <p:cxnSp>
-        <p:nvCxnSpPr>
-          <p:cNvPr id="7" name="直線コネクタ 6"/>
-          <p:cNvCxnSpPr/>
-          <p:nvPr/>
-        </p:nvCxnSpPr>
-        <p:spPr>
-          <a:xfrm>
-            <a:off x="2856978" y="3501008"/>
-            <a:ext cx="432048" cy="252028"/>
-          </a:xfrm>
-          <a:prstGeom prst="line">
-            <a:avLst/>
-          </a:prstGeom>
-        </p:spPr>
-        <p:style>
-          <a:lnRef idx="2">
-            <a:schemeClr val="dk1"/>
-          </a:lnRef>
-          <a:fillRef idx="0">
-            <a:schemeClr val="dk1"/>
-          </a:fillRef>
-          <a:effectRef idx="1">
-            <a:schemeClr val="dk1"/>
-          </a:effectRef>
-          <a:fontRef idx="minor">
-            <a:schemeClr val="tx1"/>
-          </a:fontRef>
-        </p:style>
-      </p:cxnSp>
-      <p:cxnSp>
-        <p:nvCxnSpPr>
-          <p:cNvPr id="10" name="直線コネクタ 9"/>
-          <p:cNvCxnSpPr/>
-          <p:nvPr/>
-        </p:nvCxnSpPr>
-        <p:spPr>
-          <a:xfrm flipV="1">
-            <a:off x="3289026" y="3501008"/>
-            <a:ext cx="432048" cy="252028"/>
-          </a:xfrm>
-          <a:prstGeom prst="line">
-            <a:avLst/>
-          </a:prstGeom>
-        </p:spPr>
-        <p:style>
-          <a:lnRef idx="2">
-            <a:schemeClr val="dk1"/>
-          </a:lnRef>
-          <a:fillRef idx="0">
-            <a:schemeClr val="dk1"/>
-          </a:fillRef>
-          <a:effectRef idx="1">
-            <a:schemeClr val="dk1"/>
-          </a:effectRef>
-          <a:fontRef idx="minor">
-            <a:schemeClr val="tx1"/>
-          </a:fontRef>
-        </p:style>
-      </p:cxnSp>
-      <p:sp>
-        <p:nvSpPr>
-          <p:cNvPr id="13" name="曲折矢印 12"/>
-          <p:cNvSpPr/>
-          <p:nvPr/>
-        </p:nvSpPr>
-        <p:spPr>
-          <a:xfrm rot="10800000" flipH="1">
-            <a:off x="1416818" y="1946658"/>
-            <a:ext cx="792090" cy="1986398"/>
-          </a:xfrm>
-          <a:prstGeom prst="bentArrow">
-            <a:avLst>
-              <a:gd name="adj1" fmla="val 25000"/>
-              <a:gd name="adj2" fmla="val 26089"/>
-              <a:gd name="adj3" fmla="val 25000"/>
-              <a:gd name="adj4" fmla="val 40483"/>
-            </a:avLst>
-          </a:prstGeom>
-        </p:spPr>
-        <p:style>
-          <a:lnRef idx="2">
-            <a:schemeClr val="accent1">
-              <a:shade val="50000"/>
-            </a:schemeClr>
-          </a:lnRef>
-          <a:fillRef idx="1">
-            <a:schemeClr val="accent1"/>
-          </a:fillRef>
-          <a:effectRef idx="0">
-            <a:schemeClr val="accent1"/>
-          </a:effectRef>
-          <a:fontRef idx="minor">
-            <a:schemeClr val="lt1"/>
-          </a:fontRef>
-        </p:style>
-        <p:txBody>
-          <a:bodyPr rtlCol="0" anchor="ctr"/>
-          <a:lstStyle/>
-          <a:p>
-            <a:pPr algn="ctr"/>
-            <a:endParaRPr kumimoji="1" lang="ja-JP" altLang="en-US">
-              <a:solidFill>
-                <a:schemeClr val="tx1"/>
-              </a:solidFill>
-            </a:endParaRPr>
-          </a:p>
-        </p:txBody>
-      </p:sp>
-      <p:sp>
-        <p:nvSpPr>
-          <p:cNvPr id="11" name="角丸四角形吹き出し 10"/>
-          <p:cNvSpPr/>
-          <p:nvPr/>
-        </p:nvSpPr>
-        <p:spPr>
-          <a:xfrm>
-            <a:off x="3923928" y="344289"/>
-            <a:ext cx="2016224" cy="864096"/>
+          <a:xfrm>
+            <a:off x="4788024" y="3067643"/>
+            <a:ext cx="2520280" cy="360040"/>
           </a:xfrm>
           <a:prstGeom prst="wedgeRoundRectCallout">
             <a:avLst>
-              <a:gd name="adj1" fmla="val -70891"/>
-              <a:gd name="adj2" fmla="val 14581"/>
+              <a:gd name="adj1" fmla="val -60167"/>
+              <a:gd name="adj2" fmla="val 16684"/>
               <a:gd name="adj3" fmla="val 16667"/>
             </a:avLst>
           </a:prstGeom>
@@ -5657,466 +5409,9 @@
           <a:p>
             <a:pPr algn="ctr"/>
             <a:r>
-              <a:rPr kumimoji="1" lang="en-US" altLang="ja-JP" smtClean="0"/>
-              <a:t>generate token and secret</a:t>
-            </a:r>
-            <a:endParaRPr kumimoji="1" lang="ja-JP" altLang="en-US"/>
-          </a:p>
-        </p:txBody>
-      </p:sp>
-      <p:sp>
-        <p:nvSpPr>
-          <p:cNvPr id="15" name="角丸四角形吹き出し 14"/>
-          <p:cNvSpPr/>
-          <p:nvPr/>
-        </p:nvSpPr>
-        <p:spPr>
-          <a:xfrm>
-            <a:off x="6012160" y="2399798"/>
-            <a:ext cx="1834053" cy="558062"/>
-          </a:xfrm>
-          <a:prstGeom prst="wedgeRoundRectCallout">
-            <a:avLst>
-              <a:gd name="adj1" fmla="val -70891"/>
-              <a:gd name="adj2" fmla="val 14581"/>
-              <a:gd name="adj3" fmla="val 16667"/>
-            </a:avLst>
-          </a:prstGeom>
-        </p:spPr>
-        <p:style>
-          <a:lnRef idx="2">
-            <a:schemeClr val="accent6">
-              <a:shade val="50000"/>
-            </a:schemeClr>
-          </a:lnRef>
-          <a:fillRef idx="1">
-            <a:schemeClr val="accent6"/>
-          </a:fillRef>
-          <a:effectRef idx="0">
-            <a:schemeClr val="accent6"/>
-          </a:effectRef>
-          <a:fontRef idx="minor">
-            <a:schemeClr val="lt1"/>
-          </a:fontRef>
-        </p:style>
-        <p:txBody>
-          <a:bodyPr rtlCol="0" anchor="ctr"/>
-          <a:lstStyle/>
-          <a:p>
-            <a:pPr algn="ctr"/>
-            <a:r>
-              <a:rPr kumimoji="1" lang="en-US" altLang="ja-JP" smtClean="0"/>
-              <a:t>show the secret</a:t>
-            </a:r>
-            <a:endParaRPr kumimoji="1" lang="ja-JP" altLang="en-US"/>
-          </a:p>
-        </p:txBody>
-      </p:sp>
-      <p:sp>
-        <p:nvSpPr>
-          <p:cNvPr id="16" name="角丸四角形吹き出し 15"/>
-          <p:cNvSpPr/>
-          <p:nvPr/>
-        </p:nvSpPr>
-        <p:spPr>
-          <a:xfrm>
-            <a:off x="4139951" y="3573016"/>
-            <a:ext cx="2952329" cy="432048"/>
-          </a:xfrm>
-          <a:prstGeom prst="wedgeRoundRectCallout">
-            <a:avLst>
-              <a:gd name="adj1" fmla="val -60080"/>
-              <a:gd name="adj2" fmla="val 10588"/>
-              <a:gd name="adj3" fmla="val 16667"/>
-            </a:avLst>
-          </a:prstGeom>
-        </p:spPr>
-        <p:style>
-          <a:lnRef idx="2">
-            <a:schemeClr val="accent6">
-              <a:shade val="50000"/>
-            </a:schemeClr>
-          </a:lnRef>
-          <a:fillRef idx="1">
-            <a:schemeClr val="accent6"/>
-          </a:fillRef>
-          <a:effectRef idx="0">
-            <a:schemeClr val="accent6"/>
-          </a:effectRef>
-          <a:fontRef idx="minor">
-            <a:schemeClr val="lt1"/>
-          </a:fontRef>
-        </p:style>
-        <p:txBody>
-          <a:bodyPr rtlCol="0" anchor="ctr"/>
-          <a:lstStyle/>
-          <a:p>
-            <a:pPr algn="ctr"/>
-            <a:r>
-              <a:rPr kumimoji="1" lang="en-US" altLang="ja-JP" smtClean="0"/>
-              <a:t>send URL (token is included)</a:t>
-            </a:r>
-            <a:endParaRPr kumimoji="1" lang="ja-JP" altLang="en-US"/>
-          </a:p>
-        </p:txBody>
-      </p:sp>
-      <p:pic>
-        <p:nvPicPr>
-          <p:cNvPr id="17" name="Picture 3"/>
-          <p:cNvPicPr>
-            <a:picLocks noChangeAspect="1" noChangeArrowheads="1"/>
-          </p:cNvPicPr>
-          <p:nvPr/>
-        </p:nvPicPr>
-        <p:blipFill>
-          <a:blip r:embed="rId4">
-            <a:extLst>
-              <a:ext uri="{28A0092B-C50C-407E-A947-70E740481C1C}">
-                <a14:useLocalDpi xmlns:a14="http://schemas.microsoft.com/office/drawing/2010/main" val="0"/>
-              </a:ext>
-            </a:extLst>
-          </a:blip>
-          <a:srcRect/>
-          <a:stretch>
-            <a:fillRect/>
-          </a:stretch>
-        </p:blipFill>
-        <p:spPr bwMode="auto">
-          <a:xfrm>
-            <a:off x="434674" y="4581128"/>
-            <a:ext cx="3456384" cy="2143260"/>
-          </a:xfrm>
-          <a:prstGeom prst="rect">
-            <a:avLst/>
-          </a:prstGeom>
-          <a:noFill/>
-          <a:ln>
-            <a:noFill/>
-          </a:ln>
-          <a:extLst>
-            <a:ext uri="{909E8E84-426E-40DD-AFC4-6F175D3DCCD1}">
-              <a14:hiddenFill xmlns:a14="http://schemas.microsoft.com/office/drawing/2010/main">
-                <a:solidFill>
-                  <a:schemeClr val="accent1"/>
-                </a:solidFill>
-              </a14:hiddenFill>
-            </a:ext>
-            <a:ext uri="{91240B29-F687-4F45-9708-019B960494DF}">
-              <a14:hiddenLine xmlns:a14="http://schemas.microsoft.com/office/drawing/2010/main" w="9525">
-                <a:solidFill>
-                  <a:schemeClr val="tx1"/>
-                </a:solidFill>
-                <a:miter lim="800000"/>
-                <a:headEnd/>
-                <a:tailEnd/>
-              </a14:hiddenLine>
-            </a:ext>
-          </a:extLst>
-        </p:spPr>
-      </p:pic>
-      <p:pic>
-        <p:nvPicPr>
-          <p:cNvPr id="18" name="Picture 2"/>
-          <p:cNvPicPr>
-            <a:picLocks noChangeAspect="1" noChangeArrowheads="1"/>
-          </p:cNvPicPr>
-          <p:nvPr/>
-        </p:nvPicPr>
-        <p:blipFill>
-          <a:blip r:embed="rId5">
-            <a:extLst>
-              <a:ext uri="{28A0092B-C50C-407E-A947-70E740481C1C}">
-                <a14:useLocalDpi xmlns:a14="http://schemas.microsoft.com/office/drawing/2010/main" val="0"/>
-              </a:ext>
-            </a:extLst>
-          </a:blip>
-          <a:srcRect/>
-          <a:stretch>
-            <a:fillRect/>
-          </a:stretch>
-        </p:blipFill>
-        <p:spPr bwMode="auto">
-          <a:xfrm>
-            <a:off x="4283968" y="4725144"/>
-            <a:ext cx="3810000" cy="1266825"/>
-          </a:xfrm>
-          <a:prstGeom prst="rect">
-            <a:avLst/>
-          </a:prstGeom>
-          <a:noFill/>
-          <a:ln>
-            <a:noFill/>
-          </a:ln>
-          <a:extLst>
-            <a:ext uri="{909E8E84-426E-40DD-AFC4-6F175D3DCCD1}">
-              <a14:hiddenFill xmlns:a14="http://schemas.microsoft.com/office/drawing/2010/main">
-                <a:solidFill>
-                  <a:schemeClr val="accent1"/>
-                </a:solidFill>
-              </a14:hiddenFill>
-            </a:ext>
-            <a:ext uri="{91240B29-F687-4F45-9708-019B960494DF}">
-              <a14:hiddenLine xmlns:a14="http://schemas.microsoft.com/office/drawing/2010/main" w="9525">
-                <a:solidFill>
-                  <a:schemeClr val="tx1"/>
-                </a:solidFill>
-                <a:miter lim="800000"/>
-                <a:headEnd/>
-                <a:tailEnd/>
-              </a14:hiddenLine>
-            </a:ext>
-          </a:extLst>
-        </p:spPr>
-      </p:pic>
-      <p:cxnSp>
-        <p:nvCxnSpPr>
-          <p:cNvPr id="14" name="直線矢印コネクタ 13"/>
-          <p:cNvCxnSpPr/>
-          <p:nvPr/>
-        </p:nvCxnSpPr>
-        <p:spPr>
-          <a:xfrm flipH="1">
-            <a:off x="2418347" y="4149080"/>
-            <a:ext cx="750996" cy="421644"/>
-          </a:xfrm>
-          <a:prstGeom prst="straightConnector1">
-            <a:avLst/>
-          </a:prstGeom>
-          <a:ln w="57150">
-            <a:prstDash val="sysDash"/>
-            <a:tailEnd type="arrow"/>
-          </a:ln>
-        </p:spPr>
-        <p:style>
-          <a:lnRef idx="3">
-            <a:schemeClr val="accent1"/>
-          </a:lnRef>
-          <a:fillRef idx="0">
-            <a:schemeClr val="accent1"/>
-          </a:fillRef>
-          <a:effectRef idx="2">
-            <a:schemeClr val="accent1"/>
-          </a:effectRef>
-          <a:fontRef idx="minor">
-            <a:schemeClr val="tx1"/>
-          </a:fontRef>
-        </p:style>
-      </p:cxnSp>
-      <p:cxnSp>
-        <p:nvCxnSpPr>
-          <p:cNvPr id="23" name="直線矢印コネクタ 22"/>
-          <p:cNvCxnSpPr/>
-          <p:nvPr/>
-        </p:nvCxnSpPr>
-        <p:spPr>
-          <a:xfrm>
-            <a:off x="3419872" y="4149080"/>
-            <a:ext cx="864096" cy="421644"/>
-          </a:xfrm>
-          <a:prstGeom prst="straightConnector1">
-            <a:avLst/>
-          </a:prstGeom>
-          <a:ln w="57150">
-            <a:prstDash val="sysDash"/>
-            <a:tailEnd type="arrow"/>
-          </a:ln>
-        </p:spPr>
-        <p:style>
-          <a:lnRef idx="3">
-            <a:schemeClr val="accent1"/>
-          </a:lnRef>
-          <a:fillRef idx="0">
-            <a:schemeClr val="accent1"/>
-          </a:fillRef>
-          <a:effectRef idx="2">
-            <a:schemeClr val="accent1"/>
-          </a:effectRef>
-          <a:fontRef idx="minor">
-            <a:schemeClr val="tx1"/>
-          </a:fontRef>
-        </p:style>
-      </p:cxnSp>
-      <p:sp>
-        <p:nvSpPr>
-          <p:cNvPr id="25" name="円/楕円 24"/>
-          <p:cNvSpPr/>
-          <p:nvPr/>
-        </p:nvSpPr>
-        <p:spPr>
-          <a:xfrm>
-            <a:off x="3169343" y="3670152"/>
-            <a:ext cx="207398" cy="162018"/>
-          </a:xfrm>
-          <a:prstGeom prst="ellipse">
-            <a:avLst/>
-          </a:prstGeom>
-        </p:spPr>
-        <p:style>
-          <a:lnRef idx="2">
-            <a:schemeClr val="accent2">
-              <a:shade val="50000"/>
-            </a:schemeClr>
-          </a:lnRef>
-          <a:fillRef idx="1">
-            <a:schemeClr val="accent2"/>
-          </a:fillRef>
-          <a:effectRef idx="0">
-            <a:schemeClr val="accent2"/>
-          </a:effectRef>
-          <a:fontRef idx="minor">
-            <a:schemeClr val="lt1"/>
-          </a:fontRef>
-        </p:style>
-        <p:txBody>
-          <a:bodyPr rtlCol="0" anchor="ctr"/>
-          <a:lstStyle/>
-          <a:p>
-            <a:pPr algn="ctr"/>
-            <a:endParaRPr kumimoji="1" lang="ja-JP" altLang="en-US"/>
-          </a:p>
-        </p:txBody>
-      </p:sp>
-      <p:sp>
-        <p:nvSpPr>
-          <p:cNvPr id="30" name="角丸四角形吹き出し 29"/>
-          <p:cNvSpPr/>
-          <p:nvPr/>
-        </p:nvSpPr>
-        <p:spPr>
-          <a:xfrm>
-            <a:off x="4499992" y="4308718"/>
-            <a:ext cx="2678706" cy="405921"/>
-          </a:xfrm>
-          <a:prstGeom prst="wedgeRoundRectCallout">
-            <a:avLst>
-              <a:gd name="adj1" fmla="val -58379"/>
-              <a:gd name="adj2" fmla="val -8024"/>
-              <a:gd name="adj3" fmla="val 16667"/>
-            </a:avLst>
-          </a:prstGeom>
-        </p:spPr>
-        <p:style>
-          <a:lnRef idx="2">
-            <a:schemeClr val="accent6">
-              <a:shade val="50000"/>
-            </a:schemeClr>
-          </a:lnRef>
-          <a:fillRef idx="1">
-            <a:schemeClr val="accent6"/>
-          </a:fillRef>
-          <a:effectRef idx="0">
-            <a:schemeClr val="accent6"/>
-          </a:effectRef>
-          <a:fontRef idx="minor">
-            <a:schemeClr val="lt1"/>
-          </a:fontRef>
-        </p:style>
-        <p:txBody>
-          <a:bodyPr rtlCol="0" anchor="ctr"/>
-          <a:lstStyle/>
-          <a:p>
-            <a:pPr algn="ctr"/>
-            <a:r>
-              <a:rPr kumimoji="1" lang="en-US" altLang="ja-JP" smtClean="0"/>
-              <a:t>token has been expired</a:t>
-            </a:r>
-            <a:endParaRPr kumimoji="1" lang="ja-JP" altLang="en-US"/>
-          </a:p>
-        </p:txBody>
-      </p:sp>
-      <p:sp>
-        <p:nvSpPr>
-          <p:cNvPr id="32" name="角丸四角形吹き出し 31"/>
-          <p:cNvSpPr/>
-          <p:nvPr/>
-        </p:nvSpPr>
-        <p:spPr>
-          <a:xfrm>
-            <a:off x="552723" y="4117715"/>
-            <a:ext cx="1617045" cy="405921"/>
-          </a:xfrm>
-          <a:prstGeom prst="wedgeRoundRectCallout">
-            <a:avLst>
-              <a:gd name="adj1" fmla="val 62719"/>
-              <a:gd name="adj2" fmla="val 34479"/>
-              <a:gd name="adj3" fmla="val 16667"/>
-            </a:avLst>
-          </a:prstGeom>
-        </p:spPr>
-        <p:style>
-          <a:lnRef idx="2">
-            <a:schemeClr val="accent6">
-              <a:shade val="50000"/>
-            </a:schemeClr>
-          </a:lnRef>
-          <a:fillRef idx="1">
-            <a:schemeClr val="accent6"/>
-          </a:fillRef>
-          <a:effectRef idx="0">
-            <a:schemeClr val="accent6"/>
-          </a:effectRef>
-          <a:fontRef idx="minor">
-            <a:schemeClr val="lt1"/>
-          </a:fontRef>
-        </p:style>
-        <p:txBody>
-          <a:bodyPr rtlCol="0" anchor="ctr"/>
-          <a:lstStyle/>
-          <a:p>
-            <a:pPr algn="ctr"/>
-            <a:r>
-              <a:rPr kumimoji="1" lang="en-US" altLang="ja-JP" smtClean="0"/>
-              <a:t>token is valid</a:t>
-            </a:r>
-            <a:endParaRPr kumimoji="1" lang="ja-JP" altLang="en-US"/>
-          </a:p>
-        </p:txBody>
-      </p:sp>
-      <p:sp>
-        <p:nvSpPr>
-          <p:cNvPr id="2" name="フローチャート: 処理 1"/>
-          <p:cNvSpPr/>
-          <p:nvPr/>
-        </p:nvSpPr>
-        <p:spPr>
-          <a:xfrm>
-            <a:off x="434674" y="188640"/>
-            <a:ext cx="5865518" cy="1656184"/>
-          </a:xfrm>
-          <a:prstGeom prst="flowChartProcess">
-            <a:avLst/>
-          </a:prstGeom>
-          <a:noFill/>
-          <a:ln w="57150">
-            <a:prstDash val="dash"/>
-          </a:ln>
-          <a:effectLst>
-            <a:outerShdw blurRad="50800" dist="38100" dir="2700000" algn="tl" rotWithShape="0">
-              <a:prstClr val="black">
-                <a:alpha val="40000"/>
-              </a:prstClr>
-            </a:outerShdw>
-          </a:effectLst>
-        </p:spPr>
-        <p:style>
-          <a:lnRef idx="2">
-            <a:schemeClr val="accent2"/>
-          </a:lnRef>
-          <a:fillRef idx="1">
-            <a:schemeClr val="lt1"/>
-          </a:fillRef>
-          <a:effectRef idx="0">
-            <a:schemeClr val="accent2"/>
-          </a:effectRef>
-          <a:fontRef idx="minor">
-            <a:schemeClr val="dk1"/>
-          </a:fontRef>
-        </p:style>
-        <p:txBody>
-          <a:bodyPr rtlCol="0" anchor="ctr"/>
-          <a:lstStyle/>
-          <a:p>
-            <a:pPr algn="ctr"/>
+              <a:rPr lang="en-US" altLang="ja-JP" smtClean="0"/>
+              <a:t>show last login date</a:t>
+            </a:r>
             <a:endParaRPr kumimoji="1" lang="ja-JP" altLang="en-US"/>
           </a:p>
         </p:txBody>
@@ -6124,7 +5419,7 @@
     </p:spTree>
     <p:extLst>
       <p:ext uri="{BB962C8B-B14F-4D97-AF65-F5344CB8AC3E}">
-        <p14:creationId xmlns:p14="http://schemas.microsoft.com/office/powerpoint/2010/main" val="2618266508"/>
+        <p14:creationId xmlns:p14="http://schemas.microsoft.com/office/powerpoint/2010/main" val="3849552348"/>
       </p:ext>
     </p:extLst>
   </p:cSld>
@@ -6919,8 +6214,8 @@
         </p:nvSpPr>
         <p:spPr>
           <a:xfrm>
-            <a:off x="434674" y="1896580"/>
-            <a:ext cx="8601822" cy="2160240"/>
+            <a:off x="434674" y="188640"/>
+            <a:ext cx="5865518" cy="1656184"/>
           </a:xfrm>
           <a:prstGeom prst="flowChartProcess">
             <a:avLst/>
@@ -6963,7 +6258,7 @@
     </p:spTree>
     <p:extLst>
       <p:ext uri="{BB962C8B-B14F-4D97-AF65-F5344CB8AC3E}">
-        <p14:creationId xmlns:p14="http://schemas.microsoft.com/office/powerpoint/2010/main" val="1126174716"/>
+        <p14:creationId xmlns:p14="http://schemas.microsoft.com/office/powerpoint/2010/main" val="2618266508"/>
       </p:ext>
     </p:extLst>
   </p:cSld>
@@ -7758,6 +7053,845 @@
         </p:nvSpPr>
         <p:spPr>
           <a:xfrm>
+            <a:off x="434674" y="1896580"/>
+            <a:ext cx="8601822" cy="2160240"/>
+          </a:xfrm>
+          <a:prstGeom prst="flowChartProcess">
+            <a:avLst/>
+          </a:prstGeom>
+          <a:noFill/>
+          <a:ln w="57150">
+            <a:prstDash val="dash"/>
+          </a:ln>
+          <a:effectLst>
+            <a:outerShdw blurRad="50800" dist="38100" dir="2700000" algn="tl" rotWithShape="0">
+              <a:prstClr val="black">
+                <a:alpha val="40000"/>
+              </a:prstClr>
+            </a:outerShdw>
+          </a:effectLst>
+        </p:spPr>
+        <p:style>
+          <a:lnRef idx="2">
+            <a:schemeClr val="accent2"/>
+          </a:lnRef>
+          <a:fillRef idx="1">
+            <a:schemeClr val="lt1"/>
+          </a:fillRef>
+          <a:effectRef idx="0">
+            <a:schemeClr val="accent2"/>
+          </a:effectRef>
+          <a:fontRef idx="minor">
+            <a:schemeClr val="dk1"/>
+          </a:fontRef>
+        </p:style>
+        <p:txBody>
+          <a:bodyPr rtlCol="0" anchor="ctr"/>
+          <a:lstStyle/>
+          <a:p>
+            <a:pPr algn="ctr"/>
+            <a:endParaRPr kumimoji="1" lang="ja-JP" altLang="en-US"/>
+          </a:p>
+        </p:txBody>
+      </p:sp>
+    </p:spTree>
+    <p:extLst>
+      <p:ext uri="{BB962C8B-B14F-4D97-AF65-F5344CB8AC3E}">
+        <p14:creationId xmlns:p14="http://schemas.microsoft.com/office/powerpoint/2010/main" val="1126174716"/>
+      </p:ext>
+    </p:extLst>
+  </p:cSld>
+  <p:clrMapOvr>
+    <a:masterClrMapping/>
+  </p:clrMapOvr>
+</p:sld>
+</file>
+
+<file path=ppt/slides/slide13.xml><?xml version="1.0" encoding="utf-8"?>
+<p:sld xmlns:a="http://schemas.openxmlformats.org/drawingml/2006/main" xmlns:r="http://schemas.openxmlformats.org/officeDocument/2006/relationships" xmlns:p="http://schemas.openxmlformats.org/presentationml/2006/main">
+  <p:cSld>
+    <p:spTree>
+      <p:nvGrpSpPr>
+        <p:cNvPr id="1" name=""/>
+        <p:cNvGrpSpPr/>
+        <p:nvPr/>
+      </p:nvGrpSpPr>
+      <p:grpSpPr>
+        <a:xfrm>
+          <a:off x="0" y="0"/>
+          <a:ext cx="0" cy="0"/>
+          <a:chOff x="0" y="0"/>
+          <a:chExt cx="0" cy="0"/>
+        </a:xfrm>
+      </p:grpSpPr>
+      <p:pic>
+        <p:nvPicPr>
+          <p:cNvPr id="6146" name="Picture 2"/>
+          <p:cNvPicPr>
+            <a:picLocks noChangeAspect="1" noChangeArrowheads="1"/>
+          </p:cNvPicPr>
+          <p:nvPr/>
+        </p:nvPicPr>
+        <p:blipFill>
+          <a:blip r:embed="rId2">
+            <a:extLst>
+              <a:ext uri="{28A0092B-C50C-407E-A947-70E740481C1C}">
+                <a14:useLocalDpi xmlns:a14="http://schemas.microsoft.com/office/drawing/2010/main" val="0"/>
+              </a:ext>
+            </a:extLst>
+          </a:blip>
+          <a:srcRect/>
+          <a:stretch>
+            <a:fillRect/>
+          </a:stretch>
+        </p:blipFill>
+        <p:spPr bwMode="auto">
+          <a:xfrm>
+            <a:off x="2672035" y="1916832"/>
+            <a:ext cx="6076429" cy="1368152"/>
+          </a:xfrm>
+          <a:prstGeom prst="rect">
+            <a:avLst/>
+          </a:prstGeom>
+          <a:noFill/>
+          <a:ln>
+            <a:noFill/>
+          </a:ln>
+          <a:extLst>
+            <a:ext uri="{909E8E84-426E-40DD-AFC4-6F175D3DCCD1}">
+              <a14:hiddenFill xmlns:a14="http://schemas.microsoft.com/office/drawing/2010/main">
+                <a:solidFill>
+                  <a:schemeClr val="accent1"/>
+                </a:solidFill>
+              </a14:hiddenFill>
+            </a:ext>
+            <a:ext uri="{91240B29-F687-4F45-9708-019B960494DF}">
+              <a14:hiddenLine xmlns:a14="http://schemas.microsoft.com/office/drawing/2010/main" w="9525">
+                <a:solidFill>
+                  <a:schemeClr val="tx1"/>
+                </a:solidFill>
+                <a:miter lim="800000"/>
+                <a:headEnd/>
+                <a:tailEnd/>
+              </a14:hiddenLine>
+            </a:ext>
+          </a:extLst>
+        </p:spPr>
+      </p:pic>
+      <p:pic>
+        <p:nvPicPr>
+          <p:cNvPr id="6147" name="Picture 3"/>
+          <p:cNvPicPr>
+            <a:picLocks noChangeAspect="1" noChangeArrowheads="1"/>
+          </p:cNvPicPr>
+          <p:nvPr/>
+        </p:nvPicPr>
+        <p:blipFill>
+          <a:blip r:embed="rId3">
+            <a:extLst>
+              <a:ext uri="{28A0092B-C50C-407E-A947-70E740481C1C}">
+                <a14:useLocalDpi xmlns:a14="http://schemas.microsoft.com/office/drawing/2010/main" val="0"/>
+              </a:ext>
+            </a:extLst>
+          </a:blip>
+          <a:srcRect/>
+          <a:stretch>
+            <a:fillRect/>
+          </a:stretch>
+        </p:blipFill>
+        <p:spPr bwMode="auto">
+          <a:xfrm>
+            <a:off x="552723" y="260648"/>
+            <a:ext cx="3731245" cy="1668579"/>
+          </a:xfrm>
+          <a:prstGeom prst="rect">
+            <a:avLst/>
+          </a:prstGeom>
+          <a:noFill/>
+          <a:ln>
+            <a:noFill/>
+          </a:ln>
+          <a:extLst>
+            <a:ext uri="{909E8E84-426E-40DD-AFC4-6F175D3DCCD1}">
+              <a14:hiddenFill xmlns:a14="http://schemas.microsoft.com/office/drawing/2010/main">
+                <a:solidFill>
+                  <a:schemeClr val="accent1"/>
+                </a:solidFill>
+              </a14:hiddenFill>
+            </a:ext>
+            <a:ext uri="{91240B29-F687-4F45-9708-019B960494DF}">
+              <a14:hiddenLine xmlns:a14="http://schemas.microsoft.com/office/drawing/2010/main" w="9525">
+                <a:solidFill>
+                  <a:schemeClr val="tx1"/>
+                </a:solidFill>
+                <a:miter lim="800000"/>
+                <a:headEnd/>
+                <a:tailEnd/>
+              </a14:hiddenLine>
+            </a:ext>
+          </a:extLst>
+        </p:spPr>
+      </p:pic>
+      <p:sp>
+        <p:nvSpPr>
+          <p:cNvPr id="4" name="曲折矢印 3"/>
+          <p:cNvSpPr/>
+          <p:nvPr/>
+        </p:nvSpPr>
+        <p:spPr>
+          <a:xfrm rot="10800000" flipH="1">
+            <a:off x="1416819" y="1946660"/>
+            <a:ext cx="792089" cy="906275"/>
+          </a:xfrm>
+          <a:prstGeom prst="bentArrow">
+            <a:avLst>
+              <a:gd name="adj1" fmla="val 25000"/>
+              <a:gd name="adj2" fmla="val 26089"/>
+              <a:gd name="adj3" fmla="val 25000"/>
+              <a:gd name="adj4" fmla="val 43750"/>
+            </a:avLst>
+          </a:prstGeom>
+        </p:spPr>
+        <p:style>
+          <a:lnRef idx="2">
+            <a:schemeClr val="accent1">
+              <a:shade val="50000"/>
+            </a:schemeClr>
+          </a:lnRef>
+          <a:fillRef idx="1">
+            <a:schemeClr val="accent1"/>
+          </a:fillRef>
+          <a:effectRef idx="0">
+            <a:schemeClr val="accent1"/>
+          </a:effectRef>
+          <a:fontRef idx="minor">
+            <a:schemeClr val="lt1"/>
+          </a:fontRef>
+        </p:style>
+        <p:txBody>
+          <a:bodyPr rtlCol="0" anchor="ctr"/>
+          <a:lstStyle/>
+          <a:p>
+            <a:pPr algn="ctr"/>
+            <a:endParaRPr kumimoji="1" lang="ja-JP" altLang="en-US">
+              <a:solidFill>
+                <a:schemeClr val="tx1"/>
+              </a:solidFill>
+            </a:endParaRPr>
+          </a:p>
+        </p:txBody>
+      </p:sp>
+      <p:sp>
+        <p:nvSpPr>
+          <p:cNvPr id="5" name="正方形/長方形 4"/>
+          <p:cNvSpPr/>
+          <p:nvPr/>
+        </p:nvSpPr>
+        <p:spPr>
+          <a:xfrm>
+            <a:off x="2856978" y="3501008"/>
+            <a:ext cx="864096" cy="504056"/>
+          </a:xfrm>
+          <a:prstGeom prst="rect">
+            <a:avLst/>
+          </a:prstGeom>
+        </p:spPr>
+        <p:style>
+          <a:lnRef idx="2">
+            <a:schemeClr val="dk1"/>
+          </a:lnRef>
+          <a:fillRef idx="1">
+            <a:schemeClr val="lt1"/>
+          </a:fillRef>
+          <a:effectRef idx="0">
+            <a:schemeClr val="dk1"/>
+          </a:effectRef>
+          <a:fontRef idx="minor">
+            <a:schemeClr val="dk1"/>
+          </a:fontRef>
+        </p:style>
+        <p:txBody>
+          <a:bodyPr rtlCol="0" anchor="ctr"/>
+          <a:lstStyle/>
+          <a:p>
+            <a:pPr algn="ctr"/>
+            <a:endParaRPr kumimoji="1" lang="ja-JP" altLang="en-US"/>
+          </a:p>
+        </p:txBody>
+      </p:sp>
+      <p:cxnSp>
+        <p:nvCxnSpPr>
+          <p:cNvPr id="7" name="直線コネクタ 6"/>
+          <p:cNvCxnSpPr/>
+          <p:nvPr/>
+        </p:nvCxnSpPr>
+        <p:spPr>
+          <a:xfrm>
+            <a:off x="2856978" y="3501008"/>
+            <a:ext cx="432048" cy="252028"/>
+          </a:xfrm>
+          <a:prstGeom prst="line">
+            <a:avLst/>
+          </a:prstGeom>
+        </p:spPr>
+        <p:style>
+          <a:lnRef idx="2">
+            <a:schemeClr val="dk1"/>
+          </a:lnRef>
+          <a:fillRef idx="0">
+            <a:schemeClr val="dk1"/>
+          </a:fillRef>
+          <a:effectRef idx="1">
+            <a:schemeClr val="dk1"/>
+          </a:effectRef>
+          <a:fontRef idx="minor">
+            <a:schemeClr val="tx1"/>
+          </a:fontRef>
+        </p:style>
+      </p:cxnSp>
+      <p:cxnSp>
+        <p:nvCxnSpPr>
+          <p:cNvPr id="10" name="直線コネクタ 9"/>
+          <p:cNvCxnSpPr/>
+          <p:nvPr/>
+        </p:nvCxnSpPr>
+        <p:spPr>
+          <a:xfrm flipV="1">
+            <a:off x="3289026" y="3501008"/>
+            <a:ext cx="432048" cy="252028"/>
+          </a:xfrm>
+          <a:prstGeom prst="line">
+            <a:avLst/>
+          </a:prstGeom>
+        </p:spPr>
+        <p:style>
+          <a:lnRef idx="2">
+            <a:schemeClr val="dk1"/>
+          </a:lnRef>
+          <a:fillRef idx="0">
+            <a:schemeClr val="dk1"/>
+          </a:fillRef>
+          <a:effectRef idx="1">
+            <a:schemeClr val="dk1"/>
+          </a:effectRef>
+          <a:fontRef idx="minor">
+            <a:schemeClr val="tx1"/>
+          </a:fontRef>
+        </p:style>
+      </p:cxnSp>
+      <p:sp>
+        <p:nvSpPr>
+          <p:cNvPr id="13" name="曲折矢印 12"/>
+          <p:cNvSpPr/>
+          <p:nvPr/>
+        </p:nvSpPr>
+        <p:spPr>
+          <a:xfrm rot="10800000" flipH="1">
+            <a:off x="1416818" y="1946658"/>
+            <a:ext cx="792090" cy="1986398"/>
+          </a:xfrm>
+          <a:prstGeom prst="bentArrow">
+            <a:avLst>
+              <a:gd name="adj1" fmla="val 25000"/>
+              <a:gd name="adj2" fmla="val 26089"/>
+              <a:gd name="adj3" fmla="val 25000"/>
+              <a:gd name="adj4" fmla="val 40483"/>
+            </a:avLst>
+          </a:prstGeom>
+        </p:spPr>
+        <p:style>
+          <a:lnRef idx="2">
+            <a:schemeClr val="accent1">
+              <a:shade val="50000"/>
+            </a:schemeClr>
+          </a:lnRef>
+          <a:fillRef idx="1">
+            <a:schemeClr val="accent1"/>
+          </a:fillRef>
+          <a:effectRef idx="0">
+            <a:schemeClr val="accent1"/>
+          </a:effectRef>
+          <a:fontRef idx="minor">
+            <a:schemeClr val="lt1"/>
+          </a:fontRef>
+        </p:style>
+        <p:txBody>
+          <a:bodyPr rtlCol="0" anchor="ctr"/>
+          <a:lstStyle/>
+          <a:p>
+            <a:pPr algn="ctr"/>
+            <a:endParaRPr kumimoji="1" lang="ja-JP" altLang="en-US">
+              <a:solidFill>
+                <a:schemeClr val="tx1"/>
+              </a:solidFill>
+            </a:endParaRPr>
+          </a:p>
+        </p:txBody>
+      </p:sp>
+      <p:sp>
+        <p:nvSpPr>
+          <p:cNvPr id="11" name="角丸四角形吹き出し 10"/>
+          <p:cNvSpPr/>
+          <p:nvPr/>
+        </p:nvSpPr>
+        <p:spPr>
+          <a:xfrm>
+            <a:off x="3923928" y="344289"/>
+            <a:ext cx="2016224" cy="864096"/>
+          </a:xfrm>
+          <a:prstGeom prst="wedgeRoundRectCallout">
+            <a:avLst>
+              <a:gd name="adj1" fmla="val -70891"/>
+              <a:gd name="adj2" fmla="val 14581"/>
+              <a:gd name="adj3" fmla="val 16667"/>
+            </a:avLst>
+          </a:prstGeom>
+        </p:spPr>
+        <p:style>
+          <a:lnRef idx="2">
+            <a:schemeClr val="accent6">
+              <a:shade val="50000"/>
+            </a:schemeClr>
+          </a:lnRef>
+          <a:fillRef idx="1">
+            <a:schemeClr val="accent6"/>
+          </a:fillRef>
+          <a:effectRef idx="0">
+            <a:schemeClr val="accent6"/>
+          </a:effectRef>
+          <a:fontRef idx="minor">
+            <a:schemeClr val="lt1"/>
+          </a:fontRef>
+        </p:style>
+        <p:txBody>
+          <a:bodyPr rtlCol="0" anchor="ctr"/>
+          <a:lstStyle/>
+          <a:p>
+            <a:pPr algn="ctr"/>
+            <a:r>
+              <a:rPr kumimoji="1" lang="en-US" altLang="ja-JP" smtClean="0"/>
+              <a:t>generate token and secret</a:t>
+            </a:r>
+            <a:endParaRPr kumimoji="1" lang="ja-JP" altLang="en-US"/>
+          </a:p>
+        </p:txBody>
+      </p:sp>
+      <p:sp>
+        <p:nvSpPr>
+          <p:cNvPr id="15" name="角丸四角形吹き出し 14"/>
+          <p:cNvSpPr/>
+          <p:nvPr/>
+        </p:nvSpPr>
+        <p:spPr>
+          <a:xfrm>
+            <a:off x="6012160" y="2399798"/>
+            <a:ext cx="1834053" cy="558062"/>
+          </a:xfrm>
+          <a:prstGeom prst="wedgeRoundRectCallout">
+            <a:avLst>
+              <a:gd name="adj1" fmla="val -70891"/>
+              <a:gd name="adj2" fmla="val 14581"/>
+              <a:gd name="adj3" fmla="val 16667"/>
+            </a:avLst>
+          </a:prstGeom>
+        </p:spPr>
+        <p:style>
+          <a:lnRef idx="2">
+            <a:schemeClr val="accent6">
+              <a:shade val="50000"/>
+            </a:schemeClr>
+          </a:lnRef>
+          <a:fillRef idx="1">
+            <a:schemeClr val="accent6"/>
+          </a:fillRef>
+          <a:effectRef idx="0">
+            <a:schemeClr val="accent6"/>
+          </a:effectRef>
+          <a:fontRef idx="minor">
+            <a:schemeClr val="lt1"/>
+          </a:fontRef>
+        </p:style>
+        <p:txBody>
+          <a:bodyPr rtlCol="0" anchor="ctr"/>
+          <a:lstStyle/>
+          <a:p>
+            <a:pPr algn="ctr"/>
+            <a:r>
+              <a:rPr kumimoji="1" lang="en-US" altLang="ja-JP" smtClean="0"/>
+              <a:t>show the secret</a:t>
+            </a:r>
+            <a:endParaRPr kumimoji="1" lang="ja-JP" altLang="en-US"/>
+          </a:p>
+        </p:txBody>
+      </p:sp>
+      <p:sp>
+        <p:nvSpPr>
+          <p:cNvPr id="16" name="角丸四角形吹き出し 15"/>
+          <p:cNvSpPr/>
+          <p:nvPr/>
+        </p:nvSpPr>
+        <p:spPr>
+          <a:xfrm>
+            <a:off x="4139951" y="3573016"/>
+            <a:ext cx="2952329" cy="432048"/>
+          </a:xfrm>
+          <a:prstGeom prst="wedgeRoundRectCallout">
+            <a:avLst>
+              <a:gd name="adj1" fmla="val -60080"/>
+              <a:gd name="adj2" fmla="val 10588"/>
+              <a:gd name="adj3" fmla="val 16667"/>
+            </a:avLst>
+          </a:prstGeom>
+        </p:spPr>
+        <p:style>
+          <a:lnRef idx="2">
+            <a:schemeClr val="accent6">
+              <a:shade val="50000"/>
+            </a:schemeClr>
+          </a:lnRef>
+          <a:fillRef idx="1">
+            <a:schemeClr val="accent6"/>
+          </a:fillRef>
+          <a:effectRef idx="0">
+            <a:schemeClr val="accent6"/>
+          </a:effectRef>
+          <a:fontRef idx="minor">
+            <a:schemeClr val="lt1"/>
+          </a:fontRef>
+        </p:style>
+        <p:txBody>
+          <a:bodyPr rtlCol="0" anchor="ctr"/>
+          <a:lstStyle/>
+          <a:p>
+            <a:pPr algn="ctr"/>
+            <a:r>
+              <a:rPr kumimoji="1" lang="en-US" altLang="ja-JP" smtClean="0"/>
+              <a:t>send URL (token is included)</a:t>
+            </a:r>
+            <a:endParaRPr kumimoji="1" lang="ja-JP" altLang="en-US"/>
+          </a:p>
+        </p:txBody>
+      </p:sp>
+      <p:pic>
+        <p:nvPicPr>
+          <p:cNvPr id="17" name="Picture 3"/>
+          <p:cNvPicPr>
+            <a:picLocks noChangeAspect="1" noChangeArrowheads="1"/>
+          </p:cNvPicPr>
+          <p:nvPr/>
+        </p:nvPicPr>
+        <p:blipFill>
+          <a:blip r:embed="rId4">
+            <a:extLst>
+              <a:ext uri="{28A0092B-C50C-407E-A947-70E740481C1C}">
+                <a14:useLocalDpi xmlns:a14="http://schemas.microsoft.com/office/drawing/2010/main" val="0"/>
+              </a:ext>
+            </a:extLst>
+          </a:blip>
+          <a:srcRect/>
+          <a:stretch>
+            <a:fillRect/>
+          </a:stretch>
+        </p:blipFill>
+        <p:spPr bwMode="auto">
+          <a:xfrm>
+            <a:off x="434674" y="4581128"/>
+            <a:ext cx="3456384" cy="2143260"/>
+          </a:xfrm>
+          <a:prstGeom prst="rect">
+            <a:avLst/>
+          </a:prstGeom>
+          <a:noFill/>
+          <a:ln>
+            <a:noFill/>
+          </a:ln>
+          <a:extLst>
+            <a:ext uri="{909E8E84-426E-40DD-AFC4-6F175D3DCCD1}">
+              <a14:hiddenFill xmlns:a14="http://schemas.microsoft.com/office/drawing/2010/main">
+                <a:solidFill>
+                  <a:schemeClr val="accent1"/>
+                </a:solidFill>
+              </a14:hiddenFill>
+            </a:ext>
+            <a:ext uri="{91240B29-F687-4F45-9708-019B960494DF}">
+              <a14:hiddenLine xmlns:a14="http://schemas.microsoft.com/office/drawing/2010/main" w="9525">
+                <a:solidFill>
+                  <a:schemeClr val="tx1"/>
+                </a:solidFill>
+                <a:miter lim="800000"/>
+                <a:headEnd/>
+                <a:tailEnd/>
+              </a14:hiddenLine>
+            </a:ext>
+          </a:extLst>
+        </p:spPr>
+      </p:pic>
+      <p:pic>
+        <p:nvPicPr>
+          <p:cNvPr id="18" name="Picture 2"/>
+          <p:cNvPicPr>
+            <a:picLocks noChangeAspect="1" noChangeArrowheads="1"/>
+          </p:cNvPicPr>
+          <p:nvPr/>
+        </p:nvPicPr>
+        <p:blipFill>
+          <a:blip r:embed="rId5">
+            <a:extLst>
+              <a:ext uri="{28A0092B-C50C-407E-A947-70E740481C1C}">
+                <a14:useLocalDpi xmlns:a14="http://schemas.microsoft.com/office/drawing/2010/main" val="0"/>
+              </a:ext>
+            </a:extLst>
+          </a:blip>
+          <a:srcRect/>
+          <a:stretch>
+            <a:fillRect/>
+          </a:stretch>
+        </p:blipFill>
+        <p:spPr bwMode="auto">
+          <a:xfrm>
+            <a:off x="4283968" y="4725144"/>
+            <a:ext cx="3810000" cy="1266825"/>
+          </a:xfrm>
+          <a:prstGeom prst="rect">
+            <a:avLst/>
+          </a:prstGeom>
+          <a:noFill/>
+          <a:ln>
+            <a:noFill/>
+          </a:ln>
+          <a:extLst>
+            <a:ext uri="{909E8E84-426E-40DD-AFC4-6F175D3DCCD1}">
+              <a14:hiddenFill xmlns:a14="http://schemas.microsoft.com/office/drawing/2010/main">
+                <a:solidFill>
+                  <a:schemeClr val="accent1"/>
+                </a:solidFill>
+              </a14:hiddenFill>
+            </a:ext>
+            <a:ext uri="{91240B29-F687-4F45-9708-019B960494DF}">
+              <a14:hiddenLine xmlns:a14="http://schemas.microsoft.com/office/drawing/2010/main" w="9525">
+                <a:solidFill>
+                  <a:schemeClr val="tx1"/>
+                </a:solidFill>
+                <a:miter lim="800000"/>
+                <a:headEnd/>
+                <a:tailEnd/>
+              </a14:hiddenLine>
+            </a:ext>
+          </a:extLst>
+        </p:spPr>
+      </p:pic>
+      <p:cxnSp>
+        <p:nvCxnSpPr>
+          <p:cNvPr id="14" name="直線矢印コネクタ 13"/>
+          <p:cNvCxnSpPr/>
+          <p:nvPr/>
+        </p:nvCxnSpPr>
+        <p:spPr>
+          <a:xfrm flipH="1">
+            <a:off x="2418347" y="4149080"/>
+            <a:ext cx="750996" cy="421644"/>
+          </a:xfrm>
+          <a:prstGeom prst="straightConnector1">
+            <a:avLst/>
+          </a:prstGeom>
+          <a:ln w="57150">
+            <a:prstDash val="sysDash"/>
+            <a:tailEnd type="arrow"/>
+          </a:ln>
+        </p:spPr>
+        <p:style>
+          <a:lnRef idx="3">
+            <a:schemeClr val="accent1"/>
+          </a:lnRef>
+          <a:fillRef idx="0">
+            <a:schemeClr val="accent1"/>
+          </a:fillRef>
+          <a:effectRef idx="2">
+            <a:schemeClr val="accent1"/>
+          </a:effectRef>
+          <a:fontRef idx="minor">
+            <a:schemeClr val="tx1"/>
+          </a:fontRef>
+        </p:style>
+      </p:cxnSp>
+      <p:cxnSp>
+        <p:nvCxnSpPr>
+          <p:cNvPr id="23" name="直線矢印コネクタ 22"/>
+          <p:cNvCxnSpPr/>
+          <p:nvPr/>
+        </p:nvCxnSpPr>
+        <p:spPr>
+          <a:xfrm>
+            <a:off x="3419872" y="4149080"/>
+            <a:ext cx="864096" cy="421644"/>
+          </a:xfrm>
+          <a:prstGeom prst="straightConnector1">
+            <a:avLst/>
+          </a:prstGeom>
+          <a:ln w="57150">
+            <a:prstDash val="sysDash"/>
+            <a:tailEnd type="arrow"/>
+          </a:ln>
+        </p:spPr>
+        <p:style>
+          <a:lnRef idx="3">
+            <a:schemeClr val="accent1"/>
+          </a:lnRef>
+          <a:fillRef idx="0">
+            <a:schemeClr val="accent1"/>
+          </a:fillRef>
+          <a:effectRef idx="2">
+            <a:schemeClr val="accent1"/>
+          </a:effectRef>
+          <a:fontRef idx="minor">
+            <a:schemeClr val="tx1"/>
+          </a:fontRef>
+        </p:style>
+      </p:cxnSp>
+      <p:sp>
+        <p:nvSpPr>
+          <p:cNvPr id="25" name="円/楕円 24"/>
+          <p:cNvSpPr/>
+          <p:nvPr/>
+        </p:nvSpPr>
+        <p:spPr>
+          <a:xfrm>
+            <a:off x="3169343" y="3670152"/>
+            <a:ext cx="207398" cy="162018"/>
+          </a:xfrm>
+          <a:prstGeom prst="ellipse">
+            <a:avLst/>
+          </a:prstGeom>
+        </p:spPr>
+        <p:style>
+          <a:lnRef idx="2">
+            <a:schemeClr val="accent2">
+              <a:shade val="50000"/>
+            </a:schemeClr>
+          </a:lnRef>
+          <a:fillRef idx="1">
+            <a:schemeClr val="accent2"/>
+          </a:fillRef>
+          <a:effectRef idx="0">
+            <a:schemeClr val="accent2"/>
+          </a:effectRef>
+          <a:fontRef idx="minor">
+            <a:schemeClr val="lt1"/>
+          </a:fontRef>
+        </p:style>
+        <p:txBody>
+          <a:bodyPr rtlCol="0" anchor="ctr"/>
+          <a:lstStyle/>
+          <a:p>
+            <a:pPr algn="ctr"/>
+            <a:endParaRPr kumimoji="1" lang="ja-JP" altLang="en-US"/>
+          </a:p>
+        </p:txBody>
+      </p:sp>
+      <p:sp>
+        <p:nvSpPr>
+          <p:cNvPr id="30" name="角丸四角形吹き出し 29"/>
+          <p:cNvSpPr/>
+          <p:nvPr/>
+        </p:nvSpPr>
+        <p:spPr>
+          <a:xfrm>
+            <a:off x="4499992" y="4308718"/>
+            <a:ext cx="2678706" cy="405921"/>
+          </a:xfrm>
+          <a:prstGeom prst="wedgeRoundRectCallout">
+            <a:avLst>
+              <a:gd name="adj1" fmla="val -58379"/>
+              <a:gd name="adj2" fmla="val -8024"/>
+              <a:gd name="adj3" fmla="val 16667"/>
+            </a:avLst>
+          </a:prstGeom>
+        </p:spPr>
+        <p:style>
+          <a:lnRef idx="2">
+            <a:schemeClr val="accent6">
+              <a:shade val="50000"/>
+            </a:schemeClr>
+          </a:lnRef>
+          <a:fillRef idx="1">
+            <a:schemeClr val="accent6"/>
+          </a:fillRef>
+          <a:effectRef idx="0">
+            <a:schemeClr val="accent6"/>
+          </a:effectRef>
+          <a:fontRef idx="minor">
+            <a:schemeClr val="lt1"/>
+          </a:fontRef>
+        </p:style>
+        <p:txBody>
+          <a:bodyPr rtlCol="0" anchor="ctr"/>
+          <a:lstStyle/>
+          <a:p>
+            <a:pPr algn="ctr"/>
+            <a:r>
+              <a:rPr kumimoji="1" lang="en-US" altLang="ja-JP" smtClean="0"/>
+              <a:t>token has been expired</a:t>
+            </a:r>
+            <a:endParaRPr kumimoji="1" lang="ja-JP" altLang="en-US"/>
+          </a:p>
+        </p:txBody>
+      </p:sp>
+      <p:sp>
+        <p:nvSpPr>
+          <p:cNvPr id="32" name="角丸四角形吹き出し 31"/>
+          <p:cNvSpPr/>
+          <p:nvPr/>
+        </p:nvSpPr>
+        <p:spPr>
+          <a:xfrm>
+            <a:off x="552723" y="4117715"/>
+            <a:ext cx="1617045" cy="405921"/>
+          </a:xfrm>
+          <a:prstGeom prst="wedgeRoundRectCallout">
+            <a:avLst>
+              <a:gd name="adj1" fmla="val 62719"/>
+              <a:gd name="adj2" fmla="val 34479"/>
+              <a:gd name="adj3" fmla="val 16667"/>
+            </a:avLst>
+          </a:prstGeom>
+        </p:spPr>
+        <p:style>
+          <a:lnRef idx="2">
+            <a:schemeClr val="accent6">
+              <a:shade val="50000"/>
+            </a:schemeClr>
+          </a:lnRef>
+          <a:fillRef idx="1">
+            <a:schemeClr val="accent6"/>
+          </a:fillRef>
+          <a:effectRef idx="0">
+            <a:schemeClr val="accent6"/>
+          </a:effectRef>
+          <a:fontRef idx="minor">
+            <a:schemeClr val="lt1"/>
+          </a:fontRef>
+        </p:style>
+        <p:txBody>
+          <a:bodyPr rtlCol="0" anchor="ctr"/>
+          <a:lstStyle/>
+          <a:p>
+            <a:pPr algn="ctr"/>
+            <a:r>
+              <a:rPr kumimoji="1" lang="en-US" altLang="ja-JP" smtClean="0"/>
+              <a:t>token is valid</a:t>
+            </a:r>
+            <a:endParaRPr kumimoji="1" lang="ja-JP" altLang="en-US"/>
+          </a:p>
+        </p:txBody>
+      </p:sp>
+      <p:sp>
+        <p:nvSpPr>
+          <p:cNvPr id="2" name="フローチャート: 処理 1"/>
+          <p:cNvSpPr/>
+          <p:nvPr/>
+        </p:nvSpPr>
+        <p:spPr>
+          <a:xfrm>
             <a:off x="434674" y="4077072"/>
             <a:ext cx="7809734" cy="2647316"/>
           </a:xfrm>
@@ -7812,7 +7946,7 @@
 </p:sld>
 </file>
 
-<file path=ppt/slides/slide13.xml><?xml version="1.0" encoding="utf-8"?>
+<file path=ppt/slides/slide14.xml><?xml version="1.0" encoding="utf-8"?>
 <p:sld xmlns:a="http://schemas.openxmlformats.org/drawingml/2006/main" xmlns:r="http://schemas.openxmlformats.org/officeDocument/2006/relationships" xmlns:p="http://schemas.openxmlformats.org/presentationml/2006/main">
   <p:cSld>
     <p:spTree>
@@ -10596,14 +10730,474 @@
       </p:grpSpPr>
       <p:sp>
         <p:nvSpPr>
+          <p:cNvPr id="34" name="正方形/長方形 33"/>
+          <p:cNvSpPr/>
+          <p:nvPr/>
+        </p:nvSpPr>
+        <p:spPr>
+          <a:xfrm>
+            <a:off x="3895827" y="2894964"/>
+            <a:ext cx="2130272" cy="2006970"/>
+          </a:xfrm>
+          <a:prstGeom prst="rect">
+            <a:avLst/>
+          </a:prstGeom>
+        </p:spPr>
+        <p:style>
+          <a:lnRef idx="1">
+            <a:schemeClr val="accent5"/>
+          </a:lnRef>
+          <a:fillRef idx="2">
+            <a:schemeClr val="accent5"/>
+          </a:fillRef>
+          <a:effectRef idx="1">
+            <a:schemeClr val="accent5"/>
+          </a:effectRef>
+          <a:fontRef idx="minor">
+            <a:schemeClr val="dk1"/>
+          </a:fontRef>
+        </p:style>
+        <p:txBody>
+          <a:bodyPr rtlCol="0" anchor="ctr"/>
+          <a:lstStyle/>
+          <a:p>
+            <a:pPr algn="ctr"/>
+            <a:endParaRPr kumimoji="1" lang="ja-JP" altLang="en-US"/>
+          </a:p>
+        </p:txBody>
+      </p:sp>
+      <p:sp>
+        <p:nvSpPr>
+          <p:cNvPr id="35" name="テキスト ボックス 34"/>
+          <p:cNvSpPr txBox="1"/>
+          <p:nvPr/>
+        </p:nvSpPr>
+        <p:spPr>
+          <a:xfrm>
+            <a:off x="3937867" y="2914083"/>
+            <a:ext cx="2160240" cy="369332"/>
+          </a:xfrm>
+          <a:prstGeom prst="rect">
+            <a:avLst/>
+          </a:prstGeom>
+          <a:noFill/>
+        </p:spPr>
+        <p:txBody>
+          <a:bodyPr wrap="square" rtlCol="0">
+            <a:spAutoFit/>
+          </a:bodyPr>
+          <a:lstStyle/>
+          <a:p>
+            <a:r>
+              <a:rPr kumimoji="1" lang="en-US" altLang="ja-JP" smtClean="0"/>
+              <a:t> </a:t>
+            </a:r>
+            <a:r>
+              <a:rPr kumimoji="1" lang="en-US" altLang="ja-JP" err="1" smtClean="0"/>
+              <a:t>PasswordValidator</a:t>
+            </a:r>
+            <a:endParaRPr kumimoji="1" lang="ja-JP" altLang="en-US"/>
+          </a:p>
+        </p:txBody>
+      </p:sp>
+      <p:sp>
+        <p:nvSpPr>
+          <p:cNvPr id="36" name="正方形/長方形 35"/>
+          <p:cNvSpPr/>
+          <p:nvPr/>
+        </p:nvSpPr>
+        <p:spPr>
+          <a:xfrm>
+            <a:off x="3253384" y="806732"/>
+            <a:ext cx="3450755" cy="1766690"/>
+          </a:xfrm>
+          <a:prstGeom prst="rect">
+            <a:avLst/>
+          </a:prstGeom>
+        </p:spPr>
+        <p:style>
+          <a:lnRef idx="1">
+            <a:schemeClr val="accent5"/>
+          </a:lnRef>
+          <a:fillRef idx="2">
+            <a:schemeClr val="accent5"/>
+          </a:fillRef>
+          <a:effectRef idx="1">
+            <a:schemeClr val="accent5"/>
+          </a:effectRef>
+          <a:fontRef idx="minor">
+            <a:schemeClr val="dk1"/>
+          </a:fontRef>
+        </p:style>
+        <p:txBody>
+          <a:bodyPr rtlCol="0" anchor="ctr"/>
+          <a:lstStyle/>
+          <a:p>
+            <a:pPr algn="ctr"/>
+            <a:endParaRPr kumimoji="1" lang="ja-JP" altLang="en-US"/>
+          </a:p>
+        </p:txBody>
+      </p:sp>
+      <p:sp>
+        <p:nvSpPr>
+          <p:cNvPr id="37" name="テキスト ボックス 36"/>
+          <p:cNvSpPr txBox="1"/>
+          <p:nvPr/>
+        </p:nvSpPr>
+        <p:spPr>
+          <a:xfrm>
+            <a:off x="4261497" y="806732"/>
+            <a:ext cx="1656184" cy="369332"/>
+          </a:xfrm>
+          <a:prstGeom prst="rect">
+            <a:avLst/>
+          </a:prstGeom>
+          <a:noFill/>
+        </p:spPr>
+        <p:txBody>
+          <a:bodyPr wrap="square" rtlCol="0">
+            <a:spAutoFit/>
+          </a:bodyPr>
+          <a:lstStyle/>
+          <a:p>
+            <a:r>
+              <a:rPr kumimoji="1" lang="en-US" altLang="ja-JP" dirty="0" err="1" smtClean="0"/>
+              <a:t>PasswordData</a:t>
+            </a:r>
+            <a:endParaRPr kumimoji="1" lang="ja-JP" altLang="en-US" dirty="0"/>
+          </a:p>
+        </p:txBody>
+      </p:sp>
+      <p:sp>
+        <p:nvSpPr>
+          <p:cNvPr id="38" name="テキスト ボックス 37"/>
+          <p:cNvSpPr txBox="1"/>
+          <p:nvPr/>
+        </p:nvSpPr>
+        <p:spPr>
+          <a:xfrm>
+            <a:off x="4204169" y="5579948"/>
+            <a:ext cx="1512168" cy="369332"/>
+          </a:xfrm>
+          <a:prstGeom prst="rect">
+            <a:avLst/>
+          </a:prstGeom>
+        </p:spPr>
+        <p:style>
+          <a:lnRef idx="1">
+            <a:schemeClr val="accent5"/>
+          </a:lnRef>
+          <a:fillRef idx="2">
+            <a:schemeClr val="accent5"/>
+          </a:fillRef>
+          <a:effectRef idx="1">
+            <a:schemeClr val="accent5"/>
+          </a:effectRef>
+          <a:fontRef idx="minor">
+            <a:schemeClr val="dk1"/>
+          </a:fontRef>
+        </p:style>
+        <p:txBody>
+          <a:bodyPr wrap="square" rtlCol="0">
+            <a:spAutoFit/>
+          </a:bodyPr>
+          <a:lstStyle/>
+          <a:p>
+            <a:pPr algn="ctr"/>
+            <a:r>
+              <a:rPr kumimoji="1" lang="en-US" altLang="ja-JP" dirty="0" err="1" smtClean="0"/>
+              <a:t>RuleResult</a:t>
+            </a:r>
+            <a:endParaRPr kumimoji="1" lang="ja-JP" altLang="en-US" dirty="0"/>
+          </a:p>
+        </p:txBody>
+      </p:sp>
+      <p:sp>
+        <p:nvSpPr>
+          <p:cNvPr id="39" name="角丸四角形 38"/>
+          <p:cNvSpPr/>
+          <p:nvPr/>
+        </p:nvSpPr>
+        <p:spPr>
+          <a:xfrm>
+            <a:off x="3417628" y="1275902"/>
+            <a:ext cx="1528092" cy="361907"/>
+          </a:xfrm>
+          <a:prstGeom prst="roundRect">
+            <a:avLst/>
+          </a:prstGeom>
+          <a:noFill/>
+          <a:ln>
+            <a:solidFill>
+              <a:schemeClr val="accent5">
+                <a:lumMod val="50000"/>
+              </a:schemeClr>
+            </a:solidFill>
+          </a:ln>
+        </p:spPr>
+        <p:style>
+          <a:lnRef idx="2">
+            <a:schemeClr val="accent6"/>
+          </a:lnRef>
+          <a:fillRef idx="1">
+            <a:schemeClr val="lt1"/>
+          </a:fillRef>
+          <a:effectRef idx="0">
+            <a:schemeClr val="accent6"/>
+          </a:effectRef>
+          <a:fontRef idx="minor">
+            <a:schemeClr val="dk1"/>
+          </a:fontRef>
+        </p:style>
+        <p:txBody>
+          <a:bodyPr rtlCol="0" anchor="ctr"/>
+          <a:lstStyle/>
+          <a:p>
+            <a:pPr algn="ctr"/>
+            <a:r>
+              <a:rPr lang="en-US" altLang="ja-JP" dirty="0" smtClean="0"/>
+              <a:t>password</a:t>
+            </a:r>
+            <a:endParaRPr kumimoji="1" lang="ja-JP" altLang="en-US" dirty="0"/>
+          </a:p>
+        </p:txBody>
+      </p:sp>
+      <p:sp>
+        <p:nvSpPr>
+          <p:cNvPr id="40" name="角丸四角形 39"/>
+          <p:cNvSpPr/>
+          <p:nvPr/>
+        </p:nvSpPr>
+        <p:spPr>
+          <a:xfrm>
+            <a:off x="5055590" y="1271997"/>
+            <a:ext cx="1532634" cy="361907"/>
+          </a:xfrm>
+          <a:prstGeom prst="roundRect">
+            <a:avLst/>
+          </a:prstGeom>
+          <a:noFill/>
+          <a:ln>
+            <a:solidFill>
+              <a:schemeClr val="accent5">
+                <a:lumMod val="50000"/>
+              </a:schemeClr>
+            </a:solidFill>
+          </a:ln>
+        </p:spPr>
+        <p:style>
+          <a:lnRef idx="2">
+            <a:schemeClr val="accent6"/>
+          </a:lnRef>
+          <a:fillRef idx="1">
+            <a:schemeClr val="lt1"/>
+          </a:fillRef>
+          <a:effectRef idx="0">
+            <a:schemeClr val="accent6"/>
+          </a:effectRef>
+          <a:fontRef idx="minor">
+            <a:schemeClr val="dk1"/>
+          </a:fontRef>
+        </p:style>
+        <p:txBody>
+          <a:bodyPr rtlCol="0" anchor="ctr"/>
+          <a:lstStyle/>
+          <a:p>
+            <a:pPr algn="ctr"/>
+            <a:r>
+              <a:rPr lang="en-US" altLang="ja-JP" dirty="0" smtClean="0"/>
+              <a:t>username</a:t>
+            </a:r>
+            <a:endParaRPr kumimoji="1" lang="ja-JP" altLang="en-US" dirty="0"/>
+          </a:p>
+        </p:txBody>
+      </p:sp>
+      <p:sp>
+        <p:nvSpPr>
+          <p:cNvPr id="41" name="角丸四角形 40"/>
+          <p:cNvSpPr/>
+          <p:nvPr/>
+        </p:nvSpPr>
+        <p:spPr>
+          <a:xfrm>
+            <a:off x="3417628" y="1774205"/>
+            <a:ext cx="3170596" cy="643702"/>
+          </a:xfrm>
+          <a:prstGeom prst="roundRect">
+            <a:avLst/>
+          </a:prstGeom>
+          <a:noFill/>
+          <a:ln>
+            <a:solidFill>
+              <a:schemeClr val="accent5">
+                <a:lumMod val="50000"/>
+              </a:schemeClr>
+            </a:solidFill>
+          </a:ln>
+        </p:spPr>
+        <p:style>
+          <a:lnRef idx="2">
+            <a:schemeClr val="accent6"/>
+          </a:lnRef>
+          <a:fillRef idx="1">
+            <a:schemeClr val="lt1"/>
+          </a:fillRef>
+          <a:effectRef idx="0">
+            <a:schemeClr val="accent6"/>
+          </a:effectRef>
+          <a:fontRef idx="minor">
+            <a:schemeClr val="dk1"/>
+          </a:fontRef>
+        </p:style>
+        <p:txBody>
+          <a:bodyPr rtlCol="0" anchor="ctr"/>
+          <a:lstStyle/>
+          <a:p>
+            <a:pPr algn="ctr"/>
+            <a:endParaRPr kumimoji="1" lang="ja-JP" altLang="en-US" b="1"/>
+          </a:p>
+        </p:txBody>
+      </p:sp>
+      <p:sp>
+        <p:nvSpPr>
+          <p:cNvPr id="42" name="正方形/長方形 41"/>
+          <p:cNvSpPr/>
+          <p:nvPr/>
+        </p:nvSpPr>
+        <p:spPr>
+          <a:xfrm>
+            <a:off x="3491880" y="1914793"/>
+            <a:ext cx="1152128" cy="371162"/>
+          </a:xfrm>
+          <a:prstGeom prst="rect">
+            <a:avLst/>
+          </a:prstGeom>
+        </p:spPr>
+        <p:style>
+          <a:lnRef idx="1">
+            <a:schemeClr val="accent1"/>
+          </a:lnRef>
+          <a:fillRef idx="2">
+            <a:schemeClr val="accent1"/>
+          </a:fillRef>
+          <a:effectRef idx="1">
+            <a:schemeClr val="accent1"/>
+          </a:effectRef>
+          <a:fontRef idx="minor">
+            <a:schemeClr val="dk1"/>
+          </a:fontRef>
+        </p:style>
+        <p:txBody>
+          <a:bodyPr rtlCol="0" anchor="ctr"/>
+          <a:lstStyle/>
+          <a:p>
+            <a:pPr algn="ctr"/>
+            <a:r>
+              <a:rPr kumimoji="1" lang="en-US" altLang="ja-JP" dirty="0" smtClean="0"/>
+              <a:t>Reference</a:t>
+            </a:r>
+            <a:endParaRPr kumimoji="1" lang="ja-JP" altLang="en-US" dirty="0"/>
+          </a:p>
+        </p:txBody>
+      </p:sp>
+      <p:sp>
+        <p:nvSpPr>
+          <p:cNvPr id="43" name="正方形/長方形 42"/>
+          <p:cNvSpPr/>
+          <p:nvPr/>
+        </p:nvSpPr>
+        <p:spPr>
+          <a:xfrm>
+            <a:off x="4693531" y="1916454"/>
+            <a:ext cx="1152128" cy="371162"/>
+          </a:xfrm>
+          <a:prstGeom prst="rect">
+            <a:avLst/>
+          </a:prstGeom>
+        </p:spPr>
+        <p:style>
+          <a:lnRef idx="1">
+            <a:schemeClr val="accent1"/>
+          </a:lnRef>
+          <a:fillRef idx="2">
+            <a:schemeClr val="accent1"/>
+          </a:fillRef>
+          <a:effectRef idx="1">
+            <a:schemeClr val="accent1"/>
+          </a:effectRef>
+          <a:fontRef idx="minor">
+            <a:schemeClr val="dk1"/>
+          </a:fontRef>
+        </p:style>
+        <p:txBody>
+          <a:bodyPr rtlCol="0" anchor="ctr"/>
+          <a:lstStyle/>
+          <a:p>
+            <a:pPr algn="ctr"/>
+            <a:r>
+              <a:rPr kumimoji="1" lang="en-US" altLang="ja-JP" smtClean="0"/>
+              <a:t>Reference</a:t>
+            </a:r>
+            <a:endParaRPr kumimoji="1" lang="ja-JP" altLang="en-US"/>
+          </a:p>
+        </p:txBody>
+      </p:sp>
+      <p:sp>
+        <p:nvSpPr>
+          <p:cNvPr id="45" name="角丸四角形 44"/>
+          <p:cNvSpPr/>
+          <p:nvPr/>
+        </p:nvSpPr>
+        <p:spPr>
+          <a:xfrm>
+            <a:off x="4081883" y="3418139"/>
+            <a:ext cx="1728192" cy="1368152"/>
+          </a:xfrm>
+          <a:prstGeom prst="roundRect">
+            <a:avLst/>
+          </a:prstGeom>
+          <a:noFill/>
+          <a:ln>
+            <a:solidFill>
+              <a:schemeClr val="accent5">
+                <a:lumMod val="50000"/>
+              </a:schemeClr>
+            </a:solidFill>
+          </a:ln>
+        </p:spPr>
+        <p:style>
+          <a:lnRef idx="2">
+            <a:schemeClr val="accent6"/>
+          </a:lnRef>
+          <a:fillRef idx="1">
+            <a:schemeClr val="lt1"/>
+          </a:fillRef>
+          <a:effectRef idx="0">
+            <a:schemeClr val="accent6"/>
+          </a:effectRef>
+          <a:fontRef idx="minor">
+            <a:schemeClr val="dk1"/>
+          </a:fontRef>
+        </p:style>
+        <p:txBody>
+          <a:bodyPr rtlCol="0" anchor="ctr"/>
+          <a:lstStyle/>
+          <a:p>
+            <a:pPr algn="ctr"/>
+            <a:endParaRPr kumimoji="1" lang="ja-JP" altLang="en-US" b="1"/>
+          </a:p>
+        </p:txBody>
+      </p:sp>
+      <p:sp>
+        <p:nvSpPr>
           <p:cNvPr id="46" name="正方形/長方形 45"/>
           <p:cNvSpPr/>
           <p:nvPr/>
         </p:nvSpPr>
         <p:spPr>
           <a:xfrm>
-            <a:off x="545821" y="2723678"/>
-            <a:ext cx="7914611" cy="2880320"/>
+            <a:off x="4306291" y="4354243"/>
+            <a:ext cx="1287760" cy="288032"/>
           </a:xfrm>
           <a:prstGeom prst="rect">
             <a:avLst/>
@@ -10611,13 +11205,13 @@
         </p:spPr>
         <p:style>
           <a:lnRef idx="1">
-            <a:schemeClr val="accent3"/>
+            <a:schemeClr val="accent1"/>
           </a:lnRef>
           <a:fillRef idx="2">
-            <a:schemeClr val="accent3"/>
+            <a:schemeClr val="accent1"/>
           </a:fillRef>
           <a:effectRef idx="1">
-            <a:schemeClr val="accent3"/>
+            <a:schemeClr val="accent1"/>
           </a:effectRef>
           <a:fontRef idx="minor">
             <a:schemeClr val="dk1"/>
@@ -10628,22 +11222,26 @@
           <a:lstStyle/>
           <a:p>
             <a:pPr algn="ctr"/>
-            <a:endParaRPr kumimoji="1" lang="ja-JP" altLang="en-US"/>
-          </a:p>
-        </p:txBody>
-      </p:sp>
-      <p:sp>
-        <p:nvSpPr>
-          <p:cNvPr id="4" name="角丸四角形 3"/>
+            <a:r>
+              <a:rPr kumimoji="1" lang="en-US" altLang="ja-JP" smtClean="0"/>
+              <a:t>Rule</a:t>
+            </a:r>
+            <a:endParaRPr kumimoji="1" lang="ja-JP" altLang="en-US"/>
+          </a:p>
+        </p:txBody>
+      </p:sp>
+      <p:sp>
+        <p:nvSpPr>
+          <p:cNvPr id="47" name="正方形/長方形 46"/>
           <p:cNvSpPr/>
           <p:nvPr/>
         </p:nvSpPr>
         <p:spPr>
           <a:xfrm>
-            <a:off x="395536" y="574558"/>
-            <a:ext cx="1080120" cy="432048"/>
-          </a:xfrm>
-          <a:prstGeom prst="roundRect">
+            <a:off x="4301840" y="3994203"/>
+            <a:ext cx="1287760" cy="288032"/>
+          </a:xfrm>
+          <a:prstGeom prst="rect">
             <a:avLst/>
           </a:prstGeom>
         </p:spPr>
@@ -10667,29 +11265,25 @@
           <a:p>
             <a:pPr algn="ctr"/>
             <a:r>
-              <a:rPr lang="en-US" altLang="ja-JP" smtClean="0"/>
-              <a:t>(1) L</a:t>
-            </a:r>
-            <a:r>
               <a:rPr kumimoji="1" lang="en-US" altLang="ja-JP" smtClean="0"/>
-              <a:t>ogin</a:t>
-            </a:r>
-            <a:endParaRPr kumimoji="1" lang="ja-JP" altLang="en-US"/>
-          </a:p>
-        </p:txBody>
-      </p:sp>
-      <p:sp>
-        <p:nvSpPr>
-          <p:cNvPr id="5" name="角丸四角形 4"/>
+              <a:t>Rule</a:t>
+            </a:r>
+            <a:endParaRPr kumimoji="1" lang="ja-JP" altLang="en-US"/>
+          </a:p>
+        </p:txBody>
+      </p:sp>
+      <p:sp>
+        <p:nvSpPr>
+          <p:cNvPr id="48" name="正方形/長方形 47"/>
           <p:cNvSpPr/>
           <p:nvPr/>
         </p:nvSpPr>
         <p:spPr>
           <a:xfrm>
-            <a:off x="1259632" y="3155726"/>
-            <a:ext cx="1080120" cy="432048"/>
-          </a:xfrm>
-          <a:prstGeom prst="roundRect">
+            <a:off x="4301840" y="3562155"/>
+            <a:ext cx="1287760" cy="324969"/>
+          </a:xfrm>
+          <a:prstGeom prst="rect">
             <a:avLst/>
           </a:prstGeom>
         </p:spPr>
@@ -10713,25 +11307,85 @@
           <a:p>
             <a:pPr algn="ctr"/>
             <a:r>
-              <a:rPr lang="en-US" altLang="ja-JP" smtClean="0"/>
-              <a:t>(2) Top</a:t>
-            </a:r>
-            <a:endParaRPr kumimoji="1" lang="ja-JP" altLang="en-US"/>
-          </a:p>
-        </p:txBody>
-      </p:sp>
-      <p:sp>
-        <p:nvSpPr>
-          <p:cNvPr id="6" name="角丸四角形 5"/>
+              <a:rPr kumimoji="1" lang="en-US" altLang="ja-JP" smtClean="0"/>
+              <a:t>Rule</a:t>
+            </a:r>
+            <a:endParaRPr kumimoji="1" lang="ja-JP" altLang="en-US"/>
+          </a:p>
+        </p:txBody>
+      </p:sp>
+      <p:sp>
+        <p:nvSpPr>
+          <p:cNvPr id="50" name="テキスト ボックス 49"/>
+          <p:cNvSpPr txBox="1"/>
+          <p:nvPr/>
+        </p:nvSpPr>
+        <p:spPr>
+          <a:xfrm>
+            <a:off x="1872844" y="1264572"/>
+            <a:ext cx="1151621" cy="369332"/>
+          </a:xfrm>
+          <a:prstGeom prst="rect">
+            <a:avLst/>
+          </a:prstGeom>
+          <a:noFill/>
+        </p:spPr>
+        <p:txBody>
+          <a:bodyPr wrap="square" rtlCol="0">
+            <a:spAutoFit/>
+          </a:bodyPr>
+          <a:lstStyle/>
+          <a:p>
+            <a:r>
+              <a:rPr kumimoji="1" lang="en-US" altLang="ja-JP" dirty="0" smtClean="0"/>
+              <a:t>(1) new</a:t>
+            </a:r>
+            <a:endParaRPr kumimoji="1" lang="ja-JP" altLang="en-US" dirty="0"/>
+          </a:p>
+        </p:txBody>
+      </p:sp>
+      <p:sp>
+        <p:nvSpPr>
+          <p:cNvPr id="56" name="テキスト ボックス 55"/>
+          <p:cNvSpPr txBox="1"/>
+          <p:nvPr/>
+        </p:nvSpPr>
+        <p:spPr>
+          <a:xfrm>
+            <a:off x="2314899" y="3487812"/>
+            <a:ext cx="1368152" cy="369332"/>
+          </a:xfrm>
+          <a:prstGeom prst="rect">
+            <a:avLst/>
+          </a:prstGeom>
+          <a:noFill/>
+        </p:spPr>
+        <p:txBody>
+          <a:bodyPr wrap="square" rtlCol="0">
+            <a:spAutoFit/>
+          </a:bodyPr>
+          <a:lstStyle/>
+          <a:p>
+            <a:r>
+              <a:rPr kumimoji="1" lang="en-US" altLang="ja-JP" dirty="0" smtClean="0"/>
+              <a:t>(2) validate</a:t>
+            </a:r>
+            <a:endParaRPr kumimoji="1" lang="ja-JP" altLang="en-US" dirty="0"/>
+          </a:p>
+        </p:txBody>
+      </p:sp>
+      <p:sp>
+        <p:nvSpPr>
+          <p:cNvPr id="58" name="正方形/長方形 57"/>
           <p:cNvSpPr/>
           <p:nvPr/>
         </p:nvSpPr>
         <p:spPr>
           <a:xfrm>
-            <a:off x="2915816" y="1539540"/>
-            <a:ext cx="2304256" cy="432048"/>
-          </a:xfrm>
-          <a:prstGeom prst="roundRect">
+            <a:off x="755576" y="3344794"/>
+            <a:ext cx="1397527" cy="1114639"/>
+          </a:xfrm>
+          <a:prstGeom prst="rect">
             <a:avLst/>
           </a:prstGeom>
         </p:spPr>
@@ -10755,363 +11409,44 @@
           <a:p>
             <a:pPr algn="ctr"/>
             <a:r>
-              <a:rPr lang="en-US" altLang="ja-JP" smtClean="0"/>
-              <a:t>(10) Reissue Password</a:t>
-            </a:r>
-            <a:endParaRPr kumimoji="1" lang="ja-JP" altLang="en-US"/>
-          </a:p>
-        </p:txBody>
-      </p:sp>
-      <p:sp>
-        <p:nvSpPr>
-          <p:cNvPr id="7" name="角丸四角形 6"/>
-          <p:cNvSpPr/>
-          <p:nvPr/>
-        </p:nvSpPr>
-        <p:spPr>
-          <a:xfrm>
-            <a:off x="2051720" y="511176"/>
-            <a:ext cx="3168352" cy="561306"/>
-          </a:xfrm>
-          <a:prstGeom prst="roundRect">
-            <a:avLst/>
-          </a:prstGeom>
-        </p:spPr>
-        <p:style>
-          <a:lnRef idx="1">
-            <a:schemeClr val="accent1"/>
-          </a:lnRef>
-          <a:fillRef idx="2">
-            <a:schemeClr val="accent1"/>
-          </a:fillRef>
-          <a:effectRef idx="1">
-            <a:schemeClr val="accent1"/>
-          </a:effectRef>
-          <a:fontRef idx="minor">
-            <a:schemeClr val="dk1"/>
-          </a:fontRef>
-        </p:style>
-        <p:txBody>
-          <a:bodyPr rtlCol="0" anchor="ctr"/>
-          <a:lstStyle/>
-          <a:p>
-            <a:pPr algn="ctr"/>
-            <a:r>
-              <a:rPr lang="en-US" altLang="ja-JP" smtClean="0"/>
-              <a:t>(8) Create</a:t>
-            </a:r>
-          </a:p>
-          <a:p>
-            <a:pPr algn="ctr"/>
-            <a:r>
-              <a:rPr lang="en-US" altLang="ja-JP" smtClean="0"/>
-              <a:t>Password Reissue Information</a:t>
-            </a:r>
-          </a:p>
-        </p:txBody>
-      </p:sp>
-      <p:sp>
-        <p:nvSpPr>
-          <p:cNvPr id="8" name="角丸四角形 7"/>
-          <p:cNvSpPr/>
-          <p:nvPr/>
-        </p:nvSpPr>
-        <p:spPr>
-          <a:xfrm>
-            <a:off x="1172755" y="4061186"/>
-            <a:ext cx="1247631" cy="432048"/>
-          </a:xfrm>
-          <a:prstGeom prst="roundRect">
-            <a:avLst/>
-          </a:prstGeom>
-        </p:spPr>
-        <p:style>
-          <a:lnRef idx="1">
-            <a:schemeClr val="accent1"/>
-          </a:lnRef>
-          <a:fillRef idx="2">
-            <a:schemeClr val="accent1"/>
-          </a:fillRef>
-          <a:effectRef idx="1">
-            <a:schemeClr val="accent1"/>
-          </a:effectRef>
-          <a:fontRef idx="minor">
-            <a:schemeClr val="dk1"/>
-          </a:fontRef>
-        </p:style>
-        <p:txBody>
-          <a:bodyPr rtlCol="0" anchor="ctr"/>
-          <a:lstStyle/>
-          <a:p>
-            <a:pPr algn="ctr"/>
-            <a:r>
-              <a:rPr lang="en-US" altLang="ja-JP" smtClean="0"/>
-              <a:t>(6) Unlock</a:t>
-            </a:r>
-            <a:endParaRPr kumimoji="1" lang="ja-JP" altLang="en-US"/>
-          </a:p>
-        </p:txBody>
-      </p:sp>
-      <p:sp>
-        <p:nvSpPr>
-          <p:cNvPr id="9" name="角丸四角形 8"/>
-          <p:cNvSpPr/>
-          <p:nvPr/>
-        </p:nvSpPr>
-        <p:spPr>
-          <a:xfrm>
-            <a:off x="3270230" y="4061186"/>
-            <a:ext cx="2160240" cy="432048"/>
-          </a:xfrm>
-          <a:prstGeom prst="roundRect">
-            <a:avLst/>
-          </a:prstGeom>
-        </p:spPr>
-        <p:style>
-          <a:lnRef idx="1">
-            <a:schemeClr val="accent1"/>
-          </a:lnRef>
-          <a:fillRef idx="2">
-            <a:schemeClr val="accent1"/>
-          </a:fillRef>
-          <a:effectRef idx="1">
-            <a:schemeClr val="accent1"/>
-          </a:effectRef>
-          <a:fontRef idx="minor">
-            <a:schemeClr val="dk1"/>
-          </a:fontRef>
-        </p:style>
-        <p:txBody>
-          <a:bodyPr rtlCol="0" anchor="ctr"/>
-          <a:lstStyle/>
-          <a:p>
-            <a:pPr algn="ctr"/>
-            <a:r>
-              <a:rPr lang="en-US" altLang="ja-JP" smtClean="0"/>
-              <a:t>(4) Change Password</a:t>
-            </a:r>
-            <a:endParaRPr kumimoji="1" lang="ja-JP" altLang="en-US"/>
-          </a:p>
-        </p:txBody>
-      </p:sp>
-      <p:sp>
-        <p:nvSpPr>
-          <p:cNvPr id="10" name="角丸四角形 9"/>
-          <p:cNvSpPr/>
-          <p:nvPr/>
-        </p:nvSpPr>
-        <p:spPr>
-          <a:xfrm>
-            <a:off x="2846566" y="3155726"/>
-            <a:ext cx="3015952" cy="432048"/>
-          </a:xfrm>
-          <a:prstGeom prst="roundRect">
-            <a:avLst/>
-          </a:prstGeom>
-        </p:spPr>
-        <p:style>
-          <a:lnRef idx="1">
-            <a:schemeClr val="accent1"/>
-          </a:lnRef>
-          <a:fillRef idx="2">
-            <a:schemeClr val="accent1"/>
-          </a:fillRef>
-          <a:effectRef idx="1">
-            <a:schemeClr val="accent1"/>
-          </a:effectRef>
-          <a:fontRef idx="minor">
-            <a:schemeClr val="dk1"/>
-          </a:fontRef>
-        </p:style>
-        <p:txBody>
-          <a:bodyPr rtlCol="0" anchor="ctr"/>
-          <a:lstStyle/>
-          <a:p>
-            <a:pPr algn="ctr"/>
-            <a:r>
-              <a:rPr lang="en-US" altLang="ja-JP" smtClean="0"/>
-              <a:t>(3) Show Account Information</a:t>
-            </a:r>
-            <a:endParaRPr kumimoji="1" lang="ja-JP" altLang="en-US"/>
-          </a:p>
-        </p:txBody>
-      </p:sp>
-      <p:sp>
-        <p:nvSpPr>
-          <p:cNvPr id="11" name="角丸四角形 10"/>
-          <p:cNvSpPr/>
-          <p:nvPr/>
-        </p:nvSpPr>
-        <p:spPr>
-          <a:xfrm>
-            <a:off x="5652120" y="1484784"/>
-            <a:ext cx="2808312" cy="544706"/>
-          </a:xfrm>
-          <a:prstGeom prst="roundRect">
-            <a:avLst/>
-          </a:prstGeom>
-        </p:spPr>
-        <p:style>
-          <a:lnRef idx="1">
-            <a:schemeClr val="accent1"/>
-          </a:lnRef>
-          <a:fillRef idx="2">
-            <a:schemeClr val="accent1"/>
-          </a:fillRef>
-          <a:effectRef idx="1">
-            <a:schemeClr val="accent1"/>
-          </a:effectRef>
-          <a:fontRef idx="minor">
-            <a:schemeClr val="dk1"/>
-          </a:fontRef>
-        </p:style>
-        <p:txBody>
-          <a:bodyPr rtlCol="0" anchor="ctr"/>
-          <a:lstStyle/>
-          <a:p>
-            <a:pPr algn="ctr"/>
-            <a:r>
-              <a:rPr lang="en-US" altLang="ja-JP" smtClean="0"/>
-              <a:t>(11) Reissue Password (Complete)</a:t>
-            </a:r>
-            <a:endParaRPr kumimoji="1" lang="ja-JP" altLang="en-US"/>
-          </a:p>
-        </p:txBody>
-      </p:sp>
-      <p:sp>
-        <p:nvSpPr>
-          <p:cNvPr id="12" name="角丸四角形 11"/>
-          <p:cNvSpPr/>
-          <p:nvPr/>
-        </p:nvSpPr>
-        <p:spPr>
-          <a:xfrm>
-            <a:off x="5652120" y="332656"/>
-            <a:ext cx="3168352" cy="921346"/>
-          </a:xfrm>
-          <a:prstGeom prst="roundRect">
-            <a:avLst/>
-          </a:prstGeom>
-        </p:spPr>
-        <p:style>
-          <a:lnRef idx="1">
-            <a:schemeClr val="accent1"/>
-          </a:lnRef>
-          <a:fillRef idx="2">
-            <a:schemeClr val="accent1"/>
-          </a:fillRef>
-          <a:effectRef idx="1">
-            <a:schemeClr val="accent1"/>
-          </a:effectRef>
-          <a:fontRef idx="minor">
-            <a:schemeClr val="dk1"/>
-          </a:fontRef>
-        </p:style>
-        <p:txBody>
-          <a:bodyPr rtlCol="0" anchor="ctr"/>
-          <a:lstStyle/>
-          <a:p>
-            <a:pPr algn="ctr"/>
-            <a:r>
-              <a:rPr lang="en-US" altLang="ja-JP" smtClean="0"/>
-              <a:t>(9) Create</a:t>
-            </a:r>
-          </a:p>
-          <a:p>
-            <a:pPr algn="ctr"/>
-            <a:r>
-              <a:rPr lang="en-US" altLang="ja-JP" smtClean="0"/>
-              <a:t>Password Reissue Information</a:t>
-            </a:r>
-          </a:p>
-          <a:p>
-            <a:pPr algn="ctr"/>
-            <a:r>
-              <a:rPr lang="en-US" altLang="ja-JP" smtClean="0"/>
-              <a:t>(Complete)</a:t>
-            </a:r>
-          </a:p>
-        </p:txBody>
-      </p:sp>
-      <p:sp>
-        <p:nvSpPr>
-          <p:cNvPr id="13" name="角丸四角形 12"/>
-          <p:cNvSpPr/>
-          <p:nvPr/>
-        </p:nvSpPr>
-        <p:spPr>
-          <a:xfrm>
-            <a:off x="6084168" y="3875806"/>
-            <a:ext cx="2232248" cy="812770"/>
-          </a:xfrm>
-          <a:prstGeom prst="roundRect">
-            <a:avLst/>
-          </a:prstGeom>
-        </p:spPr>
-        <p:style>
-          <a:lnRef idx="1">
-            <a:schemeClr val="accent1"/>
-          </a:lnRef>
-          <a:fillRef idx="2">
-            <a:schemeClr val="accent1"/>
-          </a:fillRef>
-          <a:effectRef idx="1">
-            <a:schemeClr val="accent1"/>
-          </a:effectRef>
-          <a:fontRef idx="minor">
-            <a:schemeClr val="dk1"/>
-          </a:fontRef>
-        </p:style>
-        <p:txBody>
-          <a:bodyPr rtlCol="0" anchor="ctr"/>
-          <a:lstStyle/>
-          <a:p>
-            <a:pPr algn="ctr"/>
-            <a:r>
-              <a:rPr lang="en-US" altLang="ja-JP" smtClean="0"/>
-              <a:t>(5) Change Password</a:t>
-            </a:r>
-          </a:p>
-          <a:p>
-            <a:pPr algn="ctr"/>
-            <a:r>
-              <a:rPr lang="en-US" altLang="ja-JP" smtClean="0"/>
-              <a:t> (Complete)</a:t>
-            </a:r>
-            <a:endParaRPr kumimoji="1" lang="ja-JP" altLang="en-US"/>
+              <a:rPr lang="en-US" altLang="ja-JP" dirty="0" smtClean="0"/>
+              <a:t>Application</a:t>
+            </a:r>
+            <a:endParaRPr lang="en-US" altLang="ja-JP" dirty="0"/>
           </a:p>
         </p:txBody>
       </p:sp>
       <p:cxnSp>
         <p:nvCxnSpPr>
-          <p:cNvPr id="17" name="直線矢印コネクタ 16"/>
+          <p:cNvPr id="20" name="カギ線コネクタ 19"/>
           <p:cNvCxnSpPr>
-            <a:stCxn id="7" idx="3"/>
-            <a:endCxn id="12" idx="1"/>
+            <a:stCxn id="58" idx="0"/>
+            <a:endCxn id="36" idx="1"/>
           </p:cNvCxnSpPr>
           <p:nvPr/>
         </p:nvCxnSpPr>
         <p:spPr>
-          <a:xfrm>
-            <a:off x="5220072" y="791829"/>
-            <a:ext cx="432048" cy="1500"/>
-          </a:xfrm>
-          <a:prstGeom prst="straightConnector1">
-            <a:avLst/>
-          </a:prstGeom>
-          <a:ln>
-            <a:tailEnd type="arrow"/>
+          <a:xfrm rot="5400000" flipH="1" flipV="1">
+            <a:off x="1526504" y="1617914"/>
+            <a:ext cx="1654717" cy="1799044"/>
+          </a:xfrm>
+          <a:prstGeom prst="bentConnector2">
+            <a:avLst/>
+          </a:prstGeom>
+          <a:ln w="38100">
+            <a:headEnd type="none" w="med" len="med"/>
+            <a:tailEnd type="triangle" w="med" len="med"/>
           </a:ln>
         </p:spPr>
         <p:style>
-          <a:lnRef idx="2">
-            <a:schemeClr val="dk1"/>
+          <a:lnRef idx="1">
+            <a:schemeClr val="accent1"/>
           </a:lnRef>
           <a:fillRef idx="0">
-            <a:schemeClr val="dk1"/>
-          </a:fillRef>
-          <a:effectRef idx="1">
-            <a:schemeClr val="dk1"/>
+            <a:schemeClr val="accent1"/>
+          </a:fillRef>
+          <a:effectRef idx="0">
+            <a:schemeClr val="accent1"/>
           </a:effectRef>
           <a:fontRef idx="minor">
             <a:schemeClr val="tx1"/>
@@ -11120,34 +11455,35 @@
       </p:cxnSp>
       <p:cxnSp>
         <p:nvCxnSpPr>
-          <p:cNvPr id="23" name="直線矢印コネクタ 22"/>
+          <p:cNvPr id="59" name="カギ線コネクタ 58"/>
           <p:cNvCxnSpPr>
-            <a:stCxn id="6" idx="3"/>
-            <a:endCxn id="11" idx="1"/>
+            <a:stCxn id="58" idx="3"/>
+            <a:endCxn id="34" idx="1"/>
           </p:cNvCxnSpPr>
           <p:nvPr/>
         </p:nvCxnSpPr>
         <p:spPr>
-          <a:xfrm>
-            <a:off x="5220072" y="1755564"/>
-            <a:ext cx="432048" cy="1573"/>
+          <a:xfrm flipV="1">
+            <a:off x="2153103" y="3898449"/>
+            <a:ext cx="1742724" cy="3665"/>
           </a:xfrm>
           <a:prstGeom prst="straightConnector1">
             <a:avLst/>
           </a:prstGeom>
-          <a:ln>
-            <a:tailEnd type="arrow"/>
+          <a:ln w="38100">
+            <a:headEnd type="none" w="med" len="med"/>
+            <a:tailEnd type="triangle" w="med" len="med"/>
           </a:ln>
         </p:spPr>
         <p:style>
-          <a:lnRef idx="2">
-            <a:schemeClr val="dk1"/>
+          <a:lnRef idx="1">
+            <a:schemeClr val="accent1"/>
           </a:lnRef>
           <a:fillRef idx="0">
-            <a:schemeClr val="dk1"/>
-          </a:fillRef>
-          <a:effectRef idx="1">
-            <a:schemeClr val="dk1"/>
+            <a:schemeClr val="accent1"/>
+          </a:fillRef>
+          <a:effectRef idx="0">
+            <a:schemeClr val="accent1"/>
           </a:effectRef>
           <a:fontRef idx="minor">
             <a:schemeClr val="tx1"/>
@@ -11156,930 +11492,54 @@
       </p:cxnSp>
       <p:cxnSp>
         <p:nvCxnSpPr>
-          <p:cNvPr id="27" name="直線矢印コネクタ 26"/>
+          <p:cNvPr id="60" name="カギ線コネクタ 58"/>
           <p:cNvCxnSpPr>
-            <a:stCxn id="10" idx="2"/>
-            <a:endCxn id="9" idx="0"/>
+            <a:stCxn id="45" idx="3"/>
+            <a:endCxn id="36" idx="3"/>
           </p:cNvCxnSpPr>
           <p:nvPr/>
         </p:nvCxnSpPr>
         <p:spPr>
-          <a:xfrm flipH="1">
-            <a:off x="4350350" y="3587774"/>
-            <a:ext cx="4192" cy="473412"/>
-          </a:xfrm>
-          <a:prstGeom prst="straightConnector1">
-            <a:avLst/>
-          </a:prstGeom>
-          <a:ln>
-            <a:tailEnd type="arrow"/>
+          <a:xfrm flipV="1">
+            <a:off x="5810075" y="1690077"/>
+            <a:ext cx="894064" cy="2412138"/>
+          </a:xfrm>
+          <a:prstGeom prst="curvedConnector3">
+            <a:avLst>
+              <a:gd name="adj1" fmla="val 168323"/>
+            </a:avLst>
+          </a:prstGeom>
+          <a:ln w="12700">
+            <a:prstDash val="dash"/>
+            <a:headEnd type="none" w="med" len="med"/>
+            <a:tailEnd type="triangle" w="med" len="med"/>
           </a:ln>
         </p:spPr>
         <p:style>
-          <a:lnRef idx="2">
-            <a:schemeClr val="dk1"/>
+          <a:lnRef idx="1">
+            <a:schemeClr val="accent1"/>
           </a:lnRef>
           <a:fillRef idx="0">
-            <a:schemeClr val="dk1"/>
-          </a:fillRef>
-          <a:effectRef idx="1">
-            <a:schemeClr val="dk1"/>
+            <a:schemeClr val="accent1"/>
+          </a:fillRef>
+          <a:effectRef idx="0">
+            <a:schemeClr val="accent1"/>
           </a:effectRef>
           <a:fontRef idx="minor">
             <a:schemeClr val="tx1"/>
           </a:fontRef>
         </p:style>
       </p:cxnSp>
-      <p:cxnSp>
-        <p:nvCxnSpPr>
-          <p:cNvPr id="29" name="直線矢印コネクタ 28"/>
-          <p:cNvCxnSpPr>
-            <a:stCxn id="9" idx="3"/>
-            <a:endCxn id="13" idx="1"/>
-          </p:cNvCxnSpPr>
-          <p:nvPr/>
-        </p:nvCxnSpPr>
-        <p:spPr>
-          <a:xfrm>
-            <a:off x="5430470" y="4277210"/>
-            <a:ext cx="653698" cy="4981"/>
-          </a:xfrm>
-          <a:prstGeom prst="straightConnector1">
-            <a:avLst/>
-          </a:prstGeom>
-          <a:ln>
-            <a:tailEnd type="arrow"/>
-          </a:ln>
-        </p:spPr>
-        <p:style>
-          <a:lnRef idx="2">
-            <a:schemeClr val="dk1"/>
-          </a:lnRef>
-          <a:fillRef idx="0">
-            <a:schemeClr val="dk1"/>
-          </a:fillRef>
-          <a:effectRef idx="1">
-            <a:schemeClr val="dk1"/>
-          </a:effectRef>
-          <a:fontRef idx="minor">
-            <a:schemeClr val="tx1"/>
-          </a:fontRef>
-        </p:style>
-      </p:cxnSp>
-      <p:cxnSp>
-        <p:nvCxnSpPr>
-          <p:cNvPr id="31" name="カギ線コネクタ 30"/>
-          <p:cNvCxnSpPr>
-            <a:stCxn id="13" idx="0"/>
-            <a:endCxn id="5" idx="0"/>
-          </p:cNvCxnSpPr>
-          <p:nvPr/>
-        </p:nvCxnSpPr>
-        <p:spPr>
-          <a:xfrm rot="16200000" flipV="1">
-            <a:off x="4139952" y="815466"/>
-            <a:ext cx="720080" cy="5400600"/>
-          </a:xfrm>
-          <a:prstGeom prst="bentConnector3">
-            <a:avLst>
-              <a:gd name="adj1" fmla="val 131746"/>
-            </a:avLst>
-          </a:prstGeom>
-          <a:ln>
-            <a:tailEnd type="arrow"/>
-          </a:ln>
-        </p:spPr>
-        <p:style>
-          <a:lnRef idx="2">
-            <a:schemeClr val="dk1"/>
-          </a:lnRef>
-          <a:fillRef idx="0">
-            <a:schemeClr val="dk1"/>
-          </a:fillRef>
-          <a:effectRef idx="1">
-            <a:schemeClr val="dk1"/>
-          </a:effectRef>
-          <a:fontRef idx="minor">
-            <a:schemeClr val="tx1"/>
-          </a:fontRef>
-        </p:style>
-      </p:cxnSp>
-      <p:sp>
-        <p:nvSpPr>
-          <p:cNvPr id="32" name="角丸四角形 31"/>
-          <p:cNvSpPr/>
-          <p:nvPr/>
-        </p:nvSpPr>
-        <p:spPr>
-          <a:xfrm>
-            <a:off x="1068629" y="4811910"/>
-            <a:ext cx="1452643" cy="576064"/>
-          </a:xfrm>
-          <a:prstGeom prst="roundRect">
-            <a:avLst/>
-          </a:prstGeom>
-        </p:spPr>
-        <p:style>
-          <a:lnRef idx="1">
-            <a:schemeClr val="accent1"/>
-          </a:lnRef>
-          <a:fillRef idx="2">
-            <a:schemeClr val="accent1"/>
-          </a:fillRef>
-          <a:effectRef idx="1">
-            <a:schemeClr val="accent1"/>
-          </a:effectRef>
-          <a:fontRef idx="minor">
-            <a:schemeClr val="dk1"/>
-          </a:fontRef>
-        </p:style>
-        <p:txBody>
-          <a:bodyPr rtlCol="0" anchor="ctr"/>
-          <a:lstStyle/>
-          <a:p>
-            <a:pPr algn="ctr"/>
-            <a:r>
-              <a:rPr lang="en-US" altLang="ja-JP" smtClean="0"/>
-              <a:t>(7) Unlock </a:t>
-            </a:r>
-          </a:p>
-          <a:p>
-            <a:pPr algn="ctr"/>
-            <a:r>
-              <a:rPr lang="en-US" altLang="ja-JP" smtClean="0"/>
-              <a:t>(Complete)</a:t>
-            </a:r>
-            <a:endParaRPr kumimoji="1" lang="ja-JP" altLang="en-US"/>
-          </a:p>
-        </p:txBody>
-      </p:sp>
-      <p:cxnSp>
-        <p:nvCxnSpPr>
-          <p:cNvPr id="34" name="直線矢印コネクタ 33"/>
-          <p:cNvCxnSpPr>
-            <a:stCxn id="8" idx="2"/>
-            <a:endCxn id="32" idx="0"/>
-          </p:cNvCxnSpPr>
-          <p:nvPr/>
-        </p:nvCxnSpPr>
-        <p:spPr>
-          <a:xfrm flipH="1">
-            <a:off x="1794951" y="4493234"/>
-            <a:ext cx="1620" cy="318676"/>
-          </a:xfrm>
-          <a:prstGeom prst="straightConnector1">
-            <a:avLst/>
-          </a:prstGeom>
-          <a:ln>
-            <a:tailEnd type="arrow"/>
-          </a:ln>
-        </p:spPr>
-        <p:style>
-          <a:lnRef idx="2">
-            <a:schemeClr val="dk1"/>
-          </a:lnRef>
-          <a:fillRef idx="0">
-            <a:schemeClr val="dk1"/>
-          </a:fillRef>
-          <a:effectRef idx="1">
-            <a:schemeClr val="dk1"/>
-          </a:effectRef>
-          <a:fontRef idx="minor">
-            <a:schemeClr val="tx1"/>
-          </a:fontRef>
-        </p:style>
-      </p:cxnSp>
-      <p:cxnSp>
-        <p:nvCxnSpPr>
-          <p:cNvPr id="36" name="カギ線コネクタ 35"/>
-          <p:cNvCxnSpPr>
-            <a:stCxn id="32" idx="1"/>
-            <a:endCxn id="5" idx="1"/>
-          </p:cNvCxnSpPr>
-          <p:nvPr/>
-        </p:nvCxnSpPr>
-        <p:spPr>
-          <a:xfrm rot="10800000" flipH="1">
-            <a:off x="1068628" y="3371750"/>
-            <a:ext cx="191003" cy="1728192"/>
-          </a:xfrm>
-          <a:prstGeom prst="bentConnector3">
-            <a:avLst>
-              <a:gd name="adj1" fmla="val -119684"/>
-            </a:avLst>
-          </a:prstGeom>
-          <a:ln>
-            <a:tailEnd type="arrow"/>
-          </a:ln>
-        </p:spPr>
-        <p:style>
-          <a:lnRef idx="2">
-            <a:schemeClr val="dk1"/>
-          </a:lnRef>
-          <a:fillRef idx="0">
-            <a:schemeClr val="dk1"/>
-          </a:fillRef>
-          <a:effectRef idx="1">
-            <a:schemeClr val="dk1"/>
-          </a:effectRef>
-          <a:fontRef idx="minor">
-            <a:schemeClr val="tx1"/>
-          </a:fontRef>
-        </p:style>
-      </p:cxnSp>
-      <p:cxnSp>
-        <p:nvCxnSpPr>
-          <p:cNvPr id="39" name="カギ線コネクタ 38"/>
-          <p:cNvCxnSpPr>
-            <a:stCxn id="4" idx="2"/>
-            <a:endCxn id="47" idx="0"/>
-          </p:cNvCxnSpPr>
-          <p:nvPr/>
-        </p:nvCxnSpPr>
-        <p:spPr>
-          <a:xfrm rot="16200000" flipH="1">
-            <a:off x="988477" y="953724"/>
-            <a:ext cx="766210" cy="871973"/>
-          </a:xfrm>
-          <a:prstGeom prst="bentConnector3">
-            <a:avLst>
-              <a:gd name="adj1" fmla="val 50000"/>
-            </a:avLst>
-          </a:prstGeom>
-          <a:ln>
-            <a:tailEnd type="arrow"/>
-          </a:ln>
-        </p:spPr>
-        <p:style>
-          <a:lnRef idx="2">
-            <a:schemeClr val="dk1"/>
-          </a:lnRef>
-          <a:fillRef idx="0">
-            <a:schemeClr val="dk1"/>
-          </a:fillRef>
-          <a:effectRef idx="1">
-            <a:schemeClr val="dk1"/>
-          </a:effectRef>
-          <a:fontRef idx="minor">
-            <a:schemeClr val="tx1"/>
-          </a:fontRef>
-        </p:style>
-      </p:cxnSp>
-      <p:cxnSp>
-        <p:nvCxnSpPr>
-          <p:cNvPr id="41" name="直線矢印コネクタ 40"/>
-          <p:cNvCxnSpPr>
-            <a:stCxn id="5" idx="2"/>
-            <a:endCxn id="8" idx="0"/>
-          </p:cNvCxnSpPr>
-          <p:nvPr/>
-        </p:nvCxnSpPr>
-        <p:spPr>
-          <a:xfrm flipH="1">
-            <a:off x="1796571" y="3587774"/>
-            <a:ext cx="3121" cy="473412"/>
-          </a:xfrm>
-          <a:prstGeom prst="straightConnector1">
-            <a:avLst/>
-          </a:prstGeom>
-          <a:ln>
-            <a:headEnd type="arrow"/>
-            <a:tailEnd type="arrow"/>
-          </a:ln>
-        </p:spPr>
-        <p:style>
-          <a:lnRef idx="2">
-            <a:schemeClr val="dk1"/>
-          </a:lnRef>
-          <a:fillRef idx="0">
-            <a:schemeClr val="dk1"/>
-          </a:fillRef>
-          <a:effectRef idx="1">
-            <a:schemeClr val="dk1"/>
-          </a:effectRef>
-          <a:fontRef idx="minor">
-            <a:schemeClr val="tx1"/>
-          </a:fontRef>
-        </p:style>
-      </p:cxnSp>
-      <p:cxnSp>
-        <p:nvCxnSpPr>
-          <p:cNvPr id="43" name="直線矢印コネクタ 42"/>
-          <p:cNvCxnSpPr>
-            <a:stCxn id="5" idx="3"/>
-            <a:endCxn id="10" idx="1"/>
-          </p:cNvCxnSpPr>
-          <p:nvPr/>
-        </p:nvCxnSpPr>
-        <p:spPr>
-          <a:xfrm>
-            <a:off x="2339752" y="3371750"/>
-            <a:ext cx="506814" cy="0"/>
-          </a:xfrm>
-          <a:prstGeom prst="straightConnector1">
-            <a:avLst/>
-          </a:prstGeom>
-          <a:ln>
-            <a:headEnd type="arrow"/>
-            <a:tailEnd type="arrow"/>
-          </a:ln>
-        </p:spPr>
-        <p:style>
-          <a:lnRef idx="2">
-            <a:schemeClr val="dk1"/>
-          </a:lnRef>
-          <a:fillRef idx="0">
-            <a:schemeClr val="dk1"/>
-          </a:fillRef>
-          <a:effectRef idx="1">
-            <a:schemeClr val="dk1"/>
-          </a:effectRef>
-          <a:fontRef idx="minor">
-            <a:schemeClr val="tx1"/>
-          </a:fontRef>
-        </p:style>
-      </p:cxnSp>
-      <p:sp>
-        <p:nvSpPr>
-          <p:cNvPr id="47" name="フローチャート : 判断 46"/>
-          <p:cNvSpPr/>
-          <p:nvPr/>
-        </p:nvSpPr>
-        <p:spPr>
-          <a:xfrm>
-            <a:off x="340780" y="1772816"/>
-            <a:ext cx="2933577" cy="878854"/>
-          </a:xfrm>
-          <a:prstGeom prst="flowChartDecision">
-            <a:avLst/>
-          </a:prstGeom>
-        </p:spPr>
-        <p:style>
-          <a:lnRef idx="2">
-            <a:schemeClr val="dk1"/>
-          </a:lnRef>
-          <a:fillRef idx="1">
-            <a:schemeClr val="lt1"/>
-          </a:fillRef>
-          <a:effectRef idx="0">
-            <a:schemeClr val="dk1"/>
-          </a:effectRef>
-          <a:fontRef idx="minor">
-            <a:schemeClr val="dk1"/>
-          </a:fontRef>
-        </p:style>
-        <p:txBody>
-          <a:bodyPr rtlCol="0" anchor="ctr"/>
-          <a:lstStyle/>
-          <a:p>
-            <a:pPr algn="ctr"/>
-            <a:endParaRPr kumimoji="1" lang="ja-JP" altLang="en-US"/>
-          </a:p>
-        </p:txBody>
-      </p:sp>
-      <p:cxnSp>
-        <p:nvCxnSpPr>
-          <p:cNvPr id="50" name="カギ線コネクタ 49"/>
-          <p:cNvCxnSpPr>
-            <a:stCxn id="47" idx="1"/>
-            <a:endCxn id="9" idx="2"/>
-          </p:cNvCxnSpPr>
-          <p:nvPr/>
-        </p:nvCxnSpPr>
-        <p:spPr>
-          <a:xfrm rot="10800000" flipH="1" flipV="1">
-            <a:off x="340780" y="2212242"/>
-            <a:ext cx="4009570" cy="2280991"/>
-          </a:xfrm>
-          <a:prstGeom prst="bentConnector4">
-            <a:avLst>
-              <a:gd name="adj1" fmla="val -2904"/>
-              <a:gd name="adj2" fmla="val 154270"/>
-            </a:avLst>
-          </a:prstGeom>
-          <a:ln>
-            <a:tailEnd type="arrow"/>
-          </a:ln>
-        </p:spPr>
-        <p:style>
-          <a:lnRef idx="2">
-            <a:schemeClr val="dk1"/>
-          </a:lnRef>
-          <a:fillRef idx="0">
-            <a:schemeClr val="dk1"/>
-          </a:fillRef>
-          <a:effectRef idx="1">
-            <a:schemeClr val="dk1"/>
-          </a:effectRef>
-          <a:fontRef idx="minor">
-            <a:schemeClr val="tx1"/>
-          </a:fontRef>
-        </p:style>
-      </p:cxnSp>
-      <p:cxnSp>
-        <p:nvCxnSpPr>
-          <p:cNvPr id="55" name="直線矢印コネクタ 54"/>
-          <p:cNvCxnSpPr>
-            <a:stCxn id="47" idx="2"/>
-            <a:endCxn id="5" idx="0"/>
-          </p:cNvCxnSpPr>
-          <p:nvPr/>
-        </p:nvCxnSpPr>
-        <p:spPr>
-          <a:xfrm flipH="1">
-            <a:off x="1799692" y="2651670"/>
-            <a:ext cx="7877" cy="504056"/>
-          </a:xfrm>
-          <a:prstGeom prst="straightConnector1">
-            <a:avLst/>
-          </a:prstGeom>
-          <a:ln>
-            <a:tailEnd type="arrow"/>
-          </a:ln>
-        </p:spPr>
-        <p:style>
-          <a:lnRef idx="2">
-            <a:schemeClr val="dk1"/>
-          </a:lnRef>
-          <a:fillRef idx="0">
-            <a:schemeClr val="dk1"/>
-          </a:fillRef>
-          <a:effectRef idx="1">
-            <a:schemeClr val="dk1"/>
-          </a:effectRef>
-          <a:fontRef idx="minor">
-            <a:schemeClr val="tx1"/>
-          </a:fontRef>
-        </p:style>
-      </p:cxnSp>
-      <p:sp>
-        <p:nvSpPr>
-          <p:cNvPr id="86" name="正方形/長方形 85"/>
-          <p:cNvSpPr/>
-          <p:nvPr/>
-        </p:nvSpPr>
-        <p:spPr>
-          <a:xfrm>
-            <a:off x="971600" y="3875806"/>
-            <a:ext cx="1660376" cy="1656184"/>
-          </a:xfrm>
-          <a:prstGeom prst="rect">
-            <a:avLst/>
-          </a:prstGeom>
-          <a:noFill/>
-        </p:spPr>
-        <p:style>
-          <a:lnRef idx="2">
-            <a:schemeClr val="accent6"/>
-          </a:lnRef>
-          <a:fillRef idx="1">
-            <a:schemeClr val="lt1"/>
-          </a:fillRef>
-          <a:effectRef idx="0">
-            <a:schemeClr val="accent6"/>
-          </a:effectRef>
-          <a:fontRef idx="minor">
-            <a:schemeClr val="dk1"/>
-          </a:fontRef>
-        </p:style>
-        <p:txBody>
-          <a:bodyPr rtlCol="0" anchor="ctr"/>
-          <a:lstStyle/>
-          <a:p>
-            <a:pPr algn="ctr"/>
-            <a:endParaRPr kumimoji="1" lang="ja-JP" altLang="en-US"/>
-          </a:p>
-        </p:txBody>
-      </p:sp>
-      <p:sp>
-        <p:nvSpPr>
-          <p:cNvPr id="87" name="テキスト ボックス 86"/>
+      <p:sp>
+        <p:nvSpPr>
+          <p:cNvPr id="64" name="テキスト ボックス 63"/>
           <p:cNvSpPr txBox="1"/>
           <p:nvPr/>
         </p:nvSpPr>
         <p:spPr>
           <a:xfrm>
-            <a:off x="728912" y="1933331"/>
-            <a:ext cx="2198039" cy="646331"/>
-          </a:xfrm>
-          <a:prstGeom prst="rect">
-            <a:avLst/>
-          </a:prstGeom>
-          <a:noFill/>
-        </p:spPr>
-        <p:txBody>
-          <a:bodyPr wrap="none" rtlCol="0">
-            <a:spAutoFit/>
-          </a:bodyPr>
-          <a:lstStyle/>
-          <a:p>
-            <a:pPr algn="ctr"/>
-            <a:r>
-              <a:rPr lang="en-US" altLang="ja-JP"/>
-              <a:t>S</a:t>
-            </a:r>
-            <a:r>
-              <a:rPr lang="en-US" altLang="ja-JP" smtClean="0"/>
-              <a:t>hould the password </a:t>
-            </a:r>
-          </a:p>
-          <a:p>
-            <a:pPr algn="ctr"/>
-            <a:r>
-              <a:rPr lang="en-US" altLang="ja-JP" smtClean="0"/>
-              <a:t>be changed?</a:t>
-            </a:r>
-          </a:p>
-        </p:txBody>
-      </p:sp>
-      <p:sp>
-        <p:nvSpPr>
-          <p:cNvPr id="108" name="角丸四角形 107"/>
-          <p:cNvSpPr/>
-          <p:nvPr/>
-        </p:nvSpPr>
-        <p:spPr>
-          <a:xfrm>
-            <a:off x="673667" y="6038540"/>
-            <a:ext cx="752698" cy="288032"/>
-          </a:xfrm>
-          <a:prstGeom prst="roundRect">
-            <a:avLst/>
-          </a:prstGeom>
-        </p:spPr>
-        <p:style>
-          <a:lnRef idx="1">
-            <a:schemeClr val="accent1"/>
-          </a:lnRef>
-          <a:fillRef idx="2">
-            <a:schemeClr val="accent1"/>
-          </a:fillRef>
-          <a:effectRef idx="1">
-            <a:schemeClr val="accent1"/>
-          </a:effectRef>
-          <a:fontRef idx="minor">
-            <a:schemeClr val="dk1"/>
-          </a:fontRef>
-        </p:style>
-        <p:txBody>
-          <a:bodyPr rtlCol="0" anchor="ctr"/>
-          <a:lstStyle/>
-          <a:p>
-            <a:pPr algn="ctr"/>
-            <a:endParaRPr kumimoji="1" lang="ja-JP" altLang="en-US"/>
-          </a:p>
-        </p:txBody>
-      </p:sp>
-      <p:sp>
-        <p:nvSpPr>
-          <p:cNvPr id="109" name="テキスト ボックス 108"/>
-          <p:cNvSpPr txBox="1"/>
-          <p:nvPr/>
-        </p:nvSpPr>
-        <p:spPr>
-          <a:xfrm>
-            <a:off x="1510747" y="5977492"/>
-            <a:ext cx="631455" cy="369332"/>
-          </a:xfrm>
-          <a:prstGeom prst="rect">
-            <a:avLst/>
-          </a:prstGeom>
-          <a:noFill/>
-        </p:spPr>
-        <p:txBody>
-          <a:bodyPr wrap="none" rtlCol="0">
-            <a:spAutoFit/>
-          </a:bodyPr>
-          <a:lstStyle/>
-          <a:p>
-            <a:r>
-              <a:rPr kumimoji="1" lang="en-US" altLang="ja-JP" smtClean="0"/>
-              <a:t>Page</a:t>
-            </a:r>
-            <a:endParaRPr kumimoji="1" lang="ja-JP" altLang="en-US"/>
-          </a:p>
-        </p:txBody>
-      </p:sp>
-      <p:cxnSp>
-        <p:nvCxnSpPr>
-          <p:cNvPr id="111" name="直線矢印コネクタ 110"/>
-          <p:cNvCxnSpPr/>
-          <p:nvPr/>
-        </p:nvCxnSpPr>
-        <p:spPr>
-          <a:xfrm>
-            <a:off x="634780" y="6614604"/>
-            <a:ext cx="816220" cy="0"/>
-          </a:xfrm>
-          <a:prstGeom prst="straightConnector1">
-            <a:avLst/>
-          </a:prstGeom>
-          <a:ln>
-            <a:tailEnd type="arrow"/>
-          </a:ln>
-        </p:spPr>
-        <p:style>
-          <a:lnRef idx="2">
-            <a:schemeClr val="dk1"/>
-          </a:lnRef>
-          <a:fillRef idx="0">
-            <a:schemeClr val="dk1"/>
-          </a:fillRef>
-          <a:effectRef idx="1">
-            <a:schemeClr val="dk1"/>
-          </a:effectRef>
-          <a:fontRef idx="minor">
-            <a:schemeClr val="tx1"/>
-          </a:fontRef>
-        </p:style>
-      </p:cxnSp>
-      <p:sp>
-        <p:nvSpPr>
-          <p:cNvPr id="112" name="テキスト ボックス 111"/>
-          <p:cNvSpPr txBox="1"/>
-          <p:nvPr/>
-        </p:nvSpPr>
-        <p:spPr>
-          <a:xfrm>
-            <a:off x="1494130" y="6372036"/>
-            <a:ext cx="1106585" cy="369332"/>
-          </a:xfrm>
-          <a:prstGeom prst="rect">
-            <a:avLst/>
-          </a:prstGeom>
-          <a:noFill/>
-        </p:spPr>
-        <p:txBody>
-          <a:bodyPr wrap="none" rtlCol="0">
-            <a:spAutoFit/>
-          </a:bodyPr>
-          <a:lstStyle/>
-          <a:p>
-            <a:r>
-              <a:rPr kumimoji="1" lang="en-US" altLang="ja-JP" smtClean="0"/>
-              <a:t>Transition</a:t>
-            </a:r>
-            <a:endParaRPr kumimoji="1" lang="ja-JP" altLang="en-US"/>
-          </a:p>
-        </p:txBody>
-      </p:sp>
-      <p:sp>
-        <p:nvSpPr>
-          <p:cNvPr id="113" name="正方形/長方形 112"/>
-          <p:cNvSpPr/>
-          <p:nvPr/>
-        </p:nvSpPr>
-        <p:spPr>
-          <a:xfrm>
-            <a:off x="2805861" y="5977493"/>
-            <a:ext cx="859541" cy="344686"/>
-          </a:xfrm>
-          <a:prstGeom prst="rect">
-            <a:avLst/>
-          </a:prstGeom>
-        </p:spPr>
-        <p:style>
-          <a:lnRef idx="1">
-            <a:schemeClr val="accent3"/>
-          </a:lnRef>
-          <a:fillRef idx="2">
-            <a:schemeClr val="accent3"/>
-          </a:fillRef>
-          <a:effectRef idx="1">
-            <a:schemeClr val="accent3"/>
-          </a:effectRef>
-          <a:fontRef idx="minor">
-            <a:schemeClr val="dk1"/>
-          </a:fontRef>
-        </p:style>
-        <p:txBody>
-          <a:bodyPr rtlCol="0" anchor="ctr"/>
-          <a:lstStyle/>
-          <a:p>
-            <a:pPr algn="ctr"/>
-            <a:endParaRPr kumimoji="1" lang="ja-JP" altLang="en-US"/>
-          </a:p>
-        </p:txBody>
-      </p:sp>
-      <p:sp>
-        <p:nvSpPr>
-          <p:cNvPr id="114" name="テキスト ボックス 113"/>
-          <p:cNvSpPr txBox="1"/>
-          <p:nvPr/>
-        </p:nvSpPr>
-        <p:spPr>
-          <a:xfrm>
-            <a:off x="3686248" y="5957906"/>
-            <a:ext cx="1519327" cy="369332"/>
-          </a:xfrm>
-          <a:prstGeom prst="rect">
-            <a:avLst/>
-          </a:prstGeom>
-          <a:noFill/>
-        </p:spPr>
-        <p:txBody>
-          <a:bodyPr wrap="none" rtlCol="0">
-            <a:spAutoFit/>
-          </a:bodyPr>
-          <a:lstStyle/>
-          <a:p>
-            <a:r>
-              <a:rPr kumimoji="1" lang="en-US" altLang="ja-JP" smtClean="0"/>
-              <a:t>Authenticated</a:t>
-            </a:r>
-            <a:endParaRPr kumimoji="1" lang="ja-JP" altLang="en-US"/>
-          </a:p>
-        </p:txBody>
-      </p:sp>
-      <p:sp>
-        <p:nvSpPr>
-          <p:cNvPr id="115" name="正方形/長方形 114"/>
-          <p:cNvSpPr/>
-          <p:nvPr/>
-        </p:nvSpPr>
-        <p:spPr>
-          <a:xfrm>
-            <a:off x="2798143" y="6407206"/>
-            <a:ext cx="865611" cy="296416"/>
-          </a:xfrm>
-          <a:prstGeom prst="rect">
-            <a:avLst/>
-          </a:prstGeom>
-          <a:noFill/>
-        </p:spPr>
-        <p:style>
-          <a:lnRef idx="2">
-            <a:schemeClr val="accent6"/>
-          </a:lnRef>
-          <a:fillRef idx="1">
-            <a:schemeClr val="lt1"/>
-          </a:fillRef>
-          <a:effectRef idx="0">
-            <a:schemeClr val="accent6"/>
-          </a:effectRef>
-          <a:fontRef idx="minor">
-            <a:schemeClr val="dk1"/>
-          </a:fontRef>
-        </p:style>
-        <p:txBody>
-          <a:bodyPr rtlCol="0" anchor="ctr"/>
-          <a:lstStyle/>
-          <a:p>
-            <a:pPr algn="ctr"/>
-            <a:endParaRPr kumimoji="1" lang="ja-JP" altLang="en-US"/>
-          </a:p>
-        </p:txBody>
-      </p:sp>
-      <p:sp>
-        <p:nvSpPr>
-          <p:cNvPr id="116" name="テキスト ボックス 115"/>
-          <p:cNvSpPr txBox="1"/>
-          <p:nvPr/>
-        </p:nvSpPr>
-        <p:spPr>
-          <a:xfrm>
-            <a:off x="3686248" y="6354784"/>
-            <a:ext cx="1216615" cy="369332"/>
-          </a:xfrm>
-          <a:prstGeom prst="rect">
-            <a:avLst/>
-          </a:prstGeom>
-          <a:noFill/>
-        </p:spPr>
-        <p:txBody>
-          <a:bodyPr wrap="none" rtlCol="0">
-            <a:spAutoFit/>
-          </a:bodyPr>
-          <a:lstStyle/>
-          <a:p>
-            <a:r>
-              <a:rPr kumimoji="1" lang="en-US" altLang="ja-JP" smtClean="0"/>
-              <a:t>Authorized</a:t>
-            </a:r>
-            <a:endParaRPr kumimoji="1" lang="ja-JP" altLang="en-US"/>
-          </a:p>
-        </p:txBody>
-      </p:sp>
-      <p:sp>
-        <p:nvSpPr>
-          <p:cNvPr id="117" name="フローチャート : 判断 116"/>
-          <p:cNvSpPr/>
-          <p:nvPr/>
-        </p:nvSpPr>
-        <p:spPr>
-          <a:xfrm>
-            <a:off x="5339432" y="6021288"/>
-            <a:ext cx="1001836" cy="300891"/>
-          </a:xfrm>
-          <a:prstGeom prst="flowChartDecision">
-            <a:avLst/>
-          </a:prstGeom>
-        </p:spPr>
-        <p:style>
-          <a:lnRef idx="2">
-            <a:schemeClr val="dk1"/>
-          </a:lnRef>
-          <a:fillRef idx="1">
-            <a:schemeClr val="lt1"/>
-          </a:fillRef>
-          <a:effectRef idx="0">
-            <a:schemeClr val="dk1"/>
-          </a:effectRef>
-          <a:fontRef idx="minor">
-            <a:schemeClr val="dk1"/>
-          </a:fontRef>
-        </p:style>
-        <p:txBody>
-          <a:bodyPr rtlCol="0" anchor="ctr"/>
-          <a:lstStyle/>
-          <a:p>
-            <a:pPr algn="ctr"/>
-            <a:endParaRPr kumimoji="1" lang="ja-JP" altLang="en-US"/>
-          </a:p>
-        </p:txBody>
-      </p:sp>
-      <p:sp>
-        <p:nvSpPr>
-          <p:cNvPr id="118" name="テキスト ボックス 117"/>
-          <p:cNvSpPr txBox="1"/>
-          <p:nvPr/>
-        </p:nvSpPr>
-        <p:spPr>
-          <a:xfrm>
-            <a:off x="6347544" y="5977492"/>
-            <a:ext cx="1968872" cy="369332"/>
-          </a:xfrm>
-          <a:prstGeom prst="rect">
-            <a:avLst/>
-          </a:prstGeom>
-          <a:noFill/>
-        </p:spPr>
-        <p:txBody>
-          <a:bodyPr wrap="none" rtlCol="0">
-            <a:spAutoFit/>
-          </a:bodyPr>
-          <a:lstStyle/>
-          <a:p>
-            <a:r>
-              <a:rPr kumimoji="1" lang="en-US" altLang="ja-JP" smtClean="0"/>
-              <a:t>Conditional Branch</a:t>
-            </a:r>
-            <a:endParaRPr kumimoji="1" lang="ja-JP" altLang="en-US"/>
-          </a:p>
-        </p:txBody>
-      </p:sp>
-      <p:sp>
-        <p:nvSpPr>
-          <p:cNvPr id="119" name="正方形/長方形 118"/>
-          <p:cNvSpPr/>
-          <p:nvPr/>
-        </p:nvSpPr>
-        <p:spPr>
-          <a:xfrm>
-            <a:off x="514896" y="5877272"/>
-            <a:ext cx="7801520" cy="864096"/>
-          </a:xfrm>
-          <a:prstGeom prst="rect">
-            <a:avLst/>
-          </a:prstGeom>
-          <a:noFill/>
-          <a:ln w="12700"/>
-        </p:spPr>
-        <p:style>
-          <a:lnRef idx="2">
-            <a:schemeClr val="accent1">
-              <a:shade val="50000"/>
-            </a:schemeClr>
-          </a:lnRef>
-          <a:fillRef idx="1">
-            <a:schemeClr val="accent1"/>
-          </a:fillRef>
-          <a:effectRef idx="0">
-            <a:schemeClr val="accent1"/>
-          </a:effectRef>
-          <a:fontRef idx="minor">
-            <a:schemeClr val="lt1"/>
-          </a:fontRef>
-        </p:style>
-        <p:txBody>
-          <a:bodyPr rtlCol="0" anchor="ctr"/>
-          <a:lstStyle/>
-          <a:p>
-            <a:pPr algn="ctr"/>
-            <a:endParaRPr kumimoji="1" lang="ja-JP" altLang="en-US"/>
-          </a:p>
-        </p:txBody>
-      </p:sp>
-      <p:sp>
-        <p:nvSpPr>
-          <p:cNvPr id="136" name="テキスト ボックス 135"/>
-          <p:cNvSpPr txBox="1"/>
-          <p:nvPr/>
-        </p:nvSpPr>
-        <p:spPr>
-          <a:xfrm>
-            <a:off x="179512" y="1844824"/>
-            <a:ext cx="449717" cy="369332"/>
+            <a:off x="6372200" y="2822956"/>
+            <a:ext cx="1526648" cy="369332"/>
           </a:xfrm>
           <a:prstGeom prst="rect">
             <a:avLst/>
@@ -12093,23 +11553,68 @@
           <a:lstStyle/>
           <a:p>
             <a:r>
-              <a:rPr kumimoji="1" lang="en-US" altLang="ja-JP" smtClean="0"/>
-              <a:t>Y</a:t>
-            </a:r>
-            <a:endParaRPr kumimoji="1" lang="ja-JP" altLang="en-US"/>
-          </a:p>
-        </p:txBody>
-      </p:sp>
-      <p:sp>
-        <p:nvSpPr>
-          <p:cNvPr id="137" name="テキスト ボックス 136"/>
+              <a:rPr kumimoji="1" lang="en-US" altLang="ja-JP" dirty="0" smtClean="0"/>
+              <a:t>(2’)</a:t>
+            </a:r>
+            <a:r>
+              <a:rPr lang="ja-JP" altLang="en-US" dirty="0" smtClean="0"/>
+              <a:t> </a:t>
+            </a:r>
+            <a:r>
+              <a:rPr lang="en-US" altLang="ja-JP" dirty="0" smtClean="0"/>
+              <a:t>reference</a:t>
+            </a:r>
+            <a:endParaRPr kumimoji="1" lang="ja-JP" altLang="en-US" dirty="0"/>
+          </a:p>
+        </p:txBody>
+      </p:sp>
+      <p:cxnSp>
+        <p:nvCxnSpPr>
+          <p:cNvPr id="69" name="カギ線コネクタ 58"/>
+          <p:cNvCxnSpPr>
+            <a:stCxn id="34" idx="2"/>
+            <a:endCxn id="38" idx="0"/>
+          </p:cNvCxnSpPr>
+          <p:nvPr/>
+        </p:nvCxnSpPr>
+        <p:spPr>
+          <a:xfrm flipH="1">
+            <a:off x="4960253" y="4901934"/>
+            <a:ext cx="710" cy="678014"/>
+          </a:xfrm>
+          <a:prstGeom prst="straightConnector1">
+            <a:avLst/>
+          </a:prstGeom>
+          <a:ln w="38100">
+            <a:headEnd type="none" w="med" len="med"/>
+            <a:tailEnd type="triangle" w="med" len="med"/>
+          </a:ln>
+        </p:spPr>
+        <p:style>
+          <a:lnRef idx="1">
+            <a:schemeClr val="accent1"/>
+          </a:lnRef>
+          <a:fillRef idx="0">
+            <a:schemeClr val="accent1"/>
+          </a:fillRef>
+          <a:effectRef idx="0">
+            <a:schemeClr val="accent1"/>
+          </a:effectRef>
+          <a:fontRef idx="minor">
+            <a:schemeClr val="tx1"/>
+          </a:fontRef>
+        </p:style>
+      </p:cxnSp>
+      <p:sp>
+        <p:nvSpPr>
+          <p:cNvPr id="72" name="テキスト ボックス 71"/>
           <p:cNvSpPr txBox="1"/>
           <p:nvPr/>
         </p:nvSpPr>
         <p:spPr>
           <a:xfrm>
-            <a:off x="1475656" y="2564904"/>
-            <a:ext cx="449717" cy="369332"/>
+            <a:off x="5046792" y="5054427"/>
+            <a:ext cx="1151621" cy="369332"/>
           </a:xfrm>
           <a:prstGeom prst="rect">
             <a:avLst/>
@@ -12123,92 +11628,175 @@
           <a:lstStyle/>
           <a:p>
             <a:r>
-              <a:rPr lang="en-US" altLang="ja-JP" smtClean="0"/>
-              <a:t>N</a:t>
-            </a:r>
-            <a:endParaRPr kumimoji="1" lang="ja-JP" altLang="en-US"/>
+              <a:rPr kumimoji="1" lang="en-US" altLang="ja-JP" dirty="0" smtClean="0"/>
+              <a:t>(3) new</a:t>
+            </a:r>
+            <a:endParaRPr kumimoji="1" lang="ja-JP" altLang="en-US" dirty="0"/>
           </a:p>
         </p:txBody>
       </p:sp>
       <p:cxnSp>
         <p:nvCxnSpPr>
-          <p:cNvPr id="146" name="直線矢印コネクタ 145"/>
+          <p:cNvPr id="74" name="カギ線コネクタ 73"/>
           <p:cNvCxnSpPr>
-            <a:stCxn id="4" idx="3"/>
-            <a:endCxn id="7" idx="1"/>
+            <a:stCxn id="58" idx="2"/>
+            <a:endCxn id="38" idx="1"/>
           </p:cNvCxnSpPr>
           <p:nvPr/>
         </p:nvCxnSpPr>
         <p:spPr>
-          <a:xfrm>
-            <a:off x="1475656" y="790582"/>
-            <a:ext cx="576064" cy="1247"/>
-          </a:xfrm>
-          <a:prstGeom prst="straightConnector1">
-            <a:avLst/>
-          </a:prstGeom>
-          <a:ln>
-            <a:tailEnd type="arrow"/>
+          <a:xfrm rot="16200000" flipH="1">
+            <a:off x="2176664" y="3737108"/>
+            <a:ext cx="1305181" cy="2749829"/>
+          </a:xfrm>
+          <a:prstGeom prst="bentConnector2">
+            <a:avLst/>
+          </a:prstGeom>
+          <a:ln w="38100">
+            <a:headEnd type="none" w="med" len="med"/>
+            <a:tailEnd type="triangle" w="med" len="med"/>
           </a:ln>
         </p:spPr>
         <p:style>
-          <a:lnRef idx="2">
+          <a:lnRef idx="1">
+            <a:schemeClr val="accent1"/>
+          </a:lnRef>
+          <a:fillRef idx="0">
+            <a:schemeClr val="accent1"/>
+          </a:fillRef>
+          <a:effectRef idx="0">
+            <a:schemeClr val="accent1"/>
+          </a:effectRef>
+          <a:fontRef idx="minor">
+            <a:schemeClr val="tx1"/>
+          </a:fontRef>
+        </p:style>
+      </p:cxnSp>
+      <p:sp>
+        <p:nvSpPr>
+          <p:cNvPr id="80" name="テキスト ボックス 79"/>
+          <p:cNvSpPr txBox="1"/>
+          <p:nvPr/>
+        </p:nvSpPr>
+        <p:spPr>
+          <a:xfrm>
+            <a:off x="1885233" y="5325878"/>
+            <a:ext cx="1368152" cy="369332"/>
+          </a:xfrm>
+          <a:prstGeom prst="rect">
+            <a:avLst/>
+          </a:prstGeom>
+          <a:noFill/>
+        </p:spPr>
+        <p:txBody>
+          <a:bodyPr wrap="square" rtlCol="0">
+            <a:spAutoFit/>
+          </a:bodyPr>
+          <a:lstStyle/>
+          <a:p>
+            <a:r>
+              <a:rPr kumimoji="1" lang="en-US" altLang="ja-JP" dirty="0" smtClean="0"/>
+              <a:t>(4) </a:t>
+            </a:r>
+            <a:r>
+              <a:rPr kumimoji="1" lang="en-US" altLang="ja-JP" dirty="0" err="1" smtClean="0"/>
+              <a:t>isValid</a:t>
+            </a:r>
+            <a:endParaRPr kumimoji="1" lang="ja-JP" altLang="en-US" dirty="0"/>
+          </a:p>
+        </p:txBody>
+      </p:sp>
+      <p:sp>
+        <p:nvSpPr>
+          <p:cNvPr id="83" name="正方形/長方形 82"/>
+          <p:cNvSpPr/>
+          <p:nvPr/>
+        </p:nvSpPr>
+        <p:spPr>
+          <a:xfrm>
+            <a:off x="5890629" y="1916454"/>
+            <a:ext cx="576064" cy="371162"/>
+          </a:xfrm>
+          <a:prstGeom prst="rect">
+            <a:avLst/>
+          </a:prstGeom>
+        </p:spPr>
+        <p:style>
+          <a:lnRef idx="1">
+            <a:schemeClr val="accent1"/>
+          </a:lnRef>
+          <a:fillRef idx="2">
+            <a:schemeClr val="accent1"/>
+          </a:fillRef>
+          <a:effectRef idx="1">
+            <a:schemeClr val="accent1"/>
+          </a:effectRef>
+          <a:fontRef idx="minor">
             <a:schemeClr val="dk1"/>
-          </a:lnRef>
-          <a:fillRef idx="0">
+          </a:fontRef>
+        </p:style>
+        <p:txBody>
+          <a:bodyPr rtlCol="0" anchor="ctr"/>
+          <a:lstStyle/>
+          <a:p>
+            <a:pPr algn="ctr"/>
+            <a:r>
+              <a:rPr lang="ja-JP" altLang="en-US" dirty="0"/>
+              <a:t>・・・</a:t>
+            </a:r>
+            <a:endParaRPr kumimoji="1" lang="ja-JP" altLang="en-US" dirty="0"/>
+          </a:p>
+        </p:txBody>
+      </p:sp>
+      <p:sp>
+        <p:nvSpPr>
+          <p:cNvPr id="87" name="角丸四角形吹き出し 86"/>
+          <p:cNvSpPr/>
+          <p:nvPr/>
+        </p:nvSpPr>
+        <p:spPr>
+          <a:xfrm>
+            <a:off x="2193491" y="2287616"/>
+            <a:ext cx="1224137" cy="657282"/>
+          </a:xfrm>
+          <a:prstGeom prst="wedgeRoundRectCallout">
+            <a:avLst>
+              <a:gd name="adj1" fmla="val 70415"/>
+              <a:gd name="adj2" fmla="val -49151"/>
+              <a:gd name="adj3" fmla="val 16667"/>
+            </a:avLst>
+          </a:prstGeom>
+        </p:spPr>
+        <p:style>
+          <a:lnRef idx="1">
+            <a:schemeClr val="accent5"/>
+          </a:lnRef>
+          <a:fillRef idx="2">
+            <a:schemeClr val="accent5"/>
+          </a:fillRef>
+          <a:effectRef idx="1">
+            <a:schemeClr val="accent5"/>
+          </a:effectRef>
+          <a:fontRef idx="minor">
             <a:schemeClr val="dk1"/>
-          </a:fillRef>
-          <a:effectRef idx="1">
-            <a:schemeClr val="dk1"/>
-          </a:effectRef>
-          <a:fontRef idx="minor">
-            <a:schemeClr val="tx1"/>
-          </a:fontRef>
-        </p:style>
-      </p:cxnSp>
-      <p:cxnSp>
-        <p:nvCxnSpPr>
-          <p:cNvPr id="149" name="カギ線コネクタ 148"/>
-          <p:cNvCxnSpPr>
-            <a:stCxn id="11" idx="3"/>
-            <a:endCxn id="4" idx="0"/>
-          </p:cNvCxnSpPr>
-          <p:nvPr/>
-        </p:nvCxnSpPr>
-        <p:spPr>
-          <a:xfrm flipH="1" flipV="1">
-            <a:off x="935596" y="574558"/>
-            <a:ext cx="7524836" cy="1182579"/>
-          </a:xfrm>
-          <a:prstGeom prst="bentConnector4">
-            <a:avLst>
-              <a:gd name="adj1" fmla="val -6706"/>
-              <a:gd name="adj2" fmla="val 132461"/>
-            </a:avLst>
-          </a:prstGeom>
-          <a:ln>
-            <a:tailEnd type="arrow"/>
-          </a:ln>
-        </p:spPr>
-        <p:style>
-          <a:lnRef idx="2">
-            <a:schemeClr val="dk1"/>
-          </a:lnRef>
-          <a:fillRef idx="0">
-            <a:schemeClr val="dk1"/>
-          </a:fillRef>
-          <a:effectRef idx="1">
-            <a:schemeClr val="dk1"/>
-          </a:effectRef>
-          <a:fontRef idx="minor">
-            <a:schemeClr val="tx1"/>
-          </a:fontRef>
-        </p:style>
-      </p:cxnSp>
+          </a:fontRef>
+        </p:style>
+        <p:txBody>
+          <a:bodyPr rtlCol="0" anchor="ctr"/>
+          <a:lstStyle/>
+          <a:p>
+            <a:pPr algn="ctr"/>
+            <a:r>
+              <a:rPr lang="en-US" altLang="ja-JP" dirty="0" smtClean="0"/>
+              <a:t>Histories …</a:t>
+            </a:r>
+          </a:p>
+        </p:txBody>
+      </p:sp>
     </p:spTree>
     <p:extLst>
       <p:ext uri="{BB962C8B-B14F-4D97-AF65-F5344CB8AC3E}">
-        <p14:creationId xmlns:p14="http://schemas.microsoft.com/office/powerpoint/2010/main" val="2270594040"/>
+        <p14:creationId xmlns:p14="http://schemas.microsoft.com/office/powerpoint/2010/main" val="3680990523"/>
       </p:ext>
     </p:extLst>
   </p:cSld>
@@ -12242,6 +11830,1654 @@
           <a:chExt cx="0" cy="0"/>
         </a:xfrm>
       </p:grpSpPr>
+      <p:sp>
+        <p:nvSpPr>
+          <p:cNvPr id="46" name="正方形/長方形 45"/>
+          <p:cNvSpPr/>
+          <p:nvPr/>
+        </p:nvSpPr>
+        <p:spPr>
+          <a:xfrm>
+            <a:off x="545821" y="2723678"/>
+            <a:ext cx="7914611" cy="2880320"/>
+          </a:xfrm>
+          <a:prstGeom prst="rect">
+            <a:avLst/>
+          </a:prstGeom>
+        </p:spPr>
+        <p:style>
+          <a:lnRef idx="1">
+            <a:schemeClr val="accent3"/>
+          </a:lnRef>
+          <a:fillRef idx="2">
+            <a:schemeClr val="accent3"/>
+          </a:fillRef>
+          <a:effectRef idx="1">
+            <a:schemeClr val="accent3"/>
+          </a:effectRef>
+          <a:fontRef idx="minor">
+            <a:schemeClr val="dk1"/>
+          </a:fontRef>
+        </p:style>
+        <p:txBody>
+          <a:bodyPr rtlCol="0" anchor="ctr"/>
+          <a:lstStyle/>
+          <a:p>
+            <a:pPr algn="ctr"/>
+            <a:endParaRPr kumimoji="1" lang="ja-JP" altLang="en-US"/>
+          </a:p>
+        </p:txBody>
+      </p:sp>
+      <p:sp>
+        <p:nvSpPr>
+          <p:cNvPr id="4" name="角丸四角形 3"/>
+          <p:cNvSpPr/>
+          <p:nvPr/>
+        </p:nvSpPr>
+        <p:spPr>
+          <a:xfrm>
+            <a:off x="395536" y="574558"/>
+            <a:ext cx="1080120" cy="432048"/>
+          </a:xfrm>
+          <a:prstGeom prst="roundRect">
+            <a:avLst/>
+          </a:prstGeom>
+        </p:spPr>
+        <p:style>
+          <a:lnRef idx="1">
+            <a:schemeClr val="accent1"/>
+          </a:lnRef>
+          <a:fillRef idx="2">
+            <a:schemeClr val="accent1"/>
+          </a:fillRef>
+          <a:effectRef idx="1">
+            <a:schemeClr val="accent1"/>
+          </a:effectRef>
+          <a:fontRef idx="minor">
+            <a:schemeClr val="dk1"/>
+          </a:fontRef>
+        </p:style>
+        <p:txBody>
+          <a:bodyPr rtlCol="0" anchor="ctr"/>
+          <a:lstStyle/>
+          <a:p>
+            <a:pPr algn="ctr"/>
+            <a:r>
+              <a:rPr lang="en-US" altLang="ja-JP" smtClean="0"/>
+              <a:t>(1) L</a:t>
+            </a:r>
+            <a:r>
+              <a:rPr kumimoji="1" lang="en-US" altLang="ja-JP" smtClean="0"/>
+              <a:t>ogin</a:t>
+            </a:r>
+            <a:endParaRPr kumimoji="1" lang="ja-JP" altLang="en-US"/>
+          </a:p>
+        </p:txBody>
+      </p:sp>
+      <p:sp>
+        <p:nvSpPr>
+          <p:cNvPr id="5" name="角丸四角形 4"/>
+          <p:cNvSpPr/>
+          <p:nvPr/>
+        </p:nvSpPr>
+        <p:spPr>
+          <a:xfrm>
+            <a:off x="1259632" y="3155726"/>
+            <a:ext cx="1080120" cy="432048"/>
+          </a:xfrm>
+          <a:prstGeom prst="roundRect">
+            <a:avLst/>
+          </a:prstGeom>
+        </p:spPr>
+        <p:style>
+          <a:lnRef idx="1">
+            <a:schemeClr val="accent1"/>
+          </a:lnRef>
+          <a:fillRef idx="2">
+            <a:schemeClr val="accent1"/>
+          </a:fillRef>
+          <a:effectRef idx="1">
+            <a:schemeClr val="accent1"/>
+          </a:effectRef>
+          <a:fontRef idx="minor">
+            <a:schemeClr val="dk1"/>
+          </a:fontRef>
+        </p:style>
+        <p:txBody>
+          <a:bodyPr rtlCol="0" anchor="ctr"/>
+          <a:lstStyle/>
+          <a:p>
+            <a:pPr algn="ctr"/>
+            <a:r>
+              <a:rPr lang="en-US" altLang="ja-JP" smtClean="0"/>
+              <a:t>(2) Top</a:t>
+            </a:r>
+            <a:endParaRPr kumimoji="1" lang="ja-JP" altLang="en-US"/>
+          </a:p>
+        </p:txBody>
+      </p:sp>
+      <p:sp>
+        <p:nvSpPr>
+          <p:cNvPr id="6" name="角丸四角形 5"/>
+          <p:cNvSpPr/>
+          <p:nvPr/>
+        </p:nvSpPr>
+        <p:spPr>
+          <a:xfrm>
+            <a:off x="2915816" y="1539540"/>
+            <a:ext cx="2304256" cy="432048"/>
+          </a:xfrm>
+          <a:prstGeom prst="roundRect">
+            <a:avLst/>
+          </a:prstGeom>
+        </p:spPr>
+        <p:style>
+          <a:lnRef idx="1">
+            <a:schemeClr val="accent1"/>
+          </a:lnRef>
+          <a:fillRef idx="2">
+            <a:schemeClr val="accent1"/>
+          </a:fillRef>
+          <a:effectRef idx="1">
+            <a:schemeClr val="accent1"/>
+          </a:effectRef>
+          <a:fontRef idx="minor">
+            <a:schemeClr val="dk1"/>
+          </a:fontRef>
+        </p:style>
+        <p:txBody>
+          <a:bodyPr rtlCol="0" anchor="ctr"/>
+          <a:lstStyle/>
+          <a:p>
+            <a:pPr algn="ctr"/>
+            <a:r>
+              <a:rPr lang="en-US" altLang="ja-JP" smtClean="0"/>
+              <a:t>(10) Reissue Password</a:t>
+            </a:r>
+            <a:endParaRPr kumimoji="1" lang="ja-JP" altLang="en-US"/>
+          </a:p>
+        </p:txBody>
+      </p:sp>
+      <p:sp>
+        <p:nvSpPr>
+          <p:cNvPr id="7" name="角丸四角形 6"/>
+          <p:cNvSpPr/>
+          <p:nvPr/>
+        </p:nvSpPr>
+        <p:spPr>
+          <a:xfrm>
+            <a:off x="2051720" y="511176"/>
+            <a:ext cx="3168352" cy="561306"/>
+          </a:xfrm>
+          <a:prstGeom prst="roundRect">
+            <a:avLst/>
+          </a:prstGeom>
+        </p:spPr>
+        <p:style>
+          <a:lnRef idx="1">
+            <a:schemeClr val="accent1"/>
+          </a:lnRef>
+          <a:fillRef idx="2">
+            <a:schemeClr val="accent1"/>
+          </a:fillRef>
+          <a:effectRef idx="1">
+            <a:schemeClr val="accent1"/>
+          </a:effectRef>
+          <a:fontRef idx="minor">
+            <a:schemeClr val="dk1"/>
+          </a:fontRef>
+        </p:style>
+        <p:txBody>
+          <a:bodyPr rtlCol="0" anchor="ctr"/>
+          <a:lstStyle/>
+          <a:p>
+            <a:pPr algn="ctr"/>
+            <a:r>
+              <a:rPr lang="en-US" altLang="ja-JP" smtClean="0"/>
+              <a:t>(8) Create</a:t>
+            </a:r>
+          </a:p>
+          <a:p>
+            <a:pPr algn="ctr"/>
+            <a:r>
+              <a:rPr lang="en-US" altLang="ja-JP" smtClean="0"/>
+              <a:t>Password Reissue Information</a:t>
+            </a:r>
+          </a:p>
+        </p:txBody>
+      </p:sp>
+      <p:sp>
+        <p:nvSpPr>
+          <p:cNvPr id="8" name="角丸四角形 7"/>
+          <p:cNvSpPr/>
+          <p:nvPr/>
+        </p:nvSpPr>
+        <p:spPr>
+          <a:xfrm>
+            <a:off x="1172755" y="4061186"/>
+            <a:ext cx="1247631" cy="432048"/>
+          </a:xfrm>
+          <a:prstGeom prst="roundRect">
+            <a:avLst/>
+          </a:prstGeom>
+        </p:spPr>
+        <p:style>
+          <a:lnRef idx="1">
+            <a:schemeClr val="accent1"/>
+          </a:lnRef>
+          <a:fillRef idx="2">
+            <a:schemeClr val="accent1"/>
+          </a:fillRef>
+          <a:effectRef idx="1">
+            <a:schemeClr val="accent1"/>
+          </a:effectRef>
+          <a:fontRef idx="minor">
+            <a:schemeClr val="dk1"/>
+          </a:fontRef>
+        </p:style>
+        <p:txBody>
+          <a:bodyPr rtlCol="0" anchor="ctr"/>
+          <a:lstStyle/>
+          <a:p>
+            <a:pPr algn="ctr"/>
+            <a:r>
+              <a:rPr lang="en-US" altLang="ja-JP" smtClean="0"/>
+              <a:t>(6) Unlock</a:t>
+            </a:r>
+            <a:endParaRPr kumimoji="1" lang="ja-JP" altLang="en-US"/>
+          </a:p>
+        </p:txBody>
+      </p:sp>
+      <p:sp>
+        <p:nvSpPr>
+          <p:cNvPr id="9" name="角丸四角形 8"/>
+          <p:cNvSpPr/>
+          <p:nvPr/>
+        </p:nvSpPr>
+        <p:spPr>
+          <a:xfrm>
+            <a:off x="3270230" y="4061186"/>
+            <a:ext cx="2160240" cy="432048"/>
+          </a:xfrm>
+          <a:prstGeom prst="roundRect">
+            <a:avLst/>
+          </a:prstGeom>
+        </p:spPr>
+        <p:style>
+          <a:lnRef idx="1">
+            <a:schemeClr val="accent1"/>
+          </a:lnRef>
+          <a:fillRef idx="2">
+            <a:schemeClr val="accent1"/>
+          </a:fillRef>
+          <a:effectRef idx="1">
+            <a:schemeClr val="accent1"/>
+          </a:effectRef>
+          <a:fontRef idx="minor">
+            <a:schemeClr val="dk1"/>
+          </a:fontRef>
+        </p:style>
+        <p:txBody>
+          <a:bodyPr rtlCol="0" anchor="ctr"/>
+          <a:lstStyle/>
+          <a:p>
+            <a:pPr algn="ctr"/>
+            <a:r>
+              <a:rPr lang="en-US" altLang="ja-JP" smtClean="0"/>
+              <a:t>(4) Change Password</a:t>
+            </a:r>
+            <a:endParaRPr kumimoji="1" lang="ja-JP" altLang="en-US"/>
+          </a:p>
+        </p:txBody>
+      </p:sp>
+      <p:sp>
+        <p:nvSpPr>
+          <p:cNvPr id="10" name="角丸四角形 9"/>
+          <p:cNvSpPr/>
+          <p:nvPr/>
+        </p:nvSpPr>
+        <p:spPr>
+          <a:xfrm>
+            <a:off x="2846566" y="3155726"/>
+            <a:ext cx="3015952" cy="432048"/>
+          </a:xfrm>
+          <a:prstGeom prst="roundRect">
+            <a:avLst/>
+          </a:prstGeom>
+        </p:spPr>
+        <p:style>
+          <a:lnRef idx="1">
+            <a:schemeClr val="accent1"/>
+          </a:lnRef>
+          <a:fillRef idx="2">
+            <a:schemeClr val="accent1"/>
+          </a:fillRef>
+          <a:effectRef idx="1">
+            <a:schemeClr val="accent1"/>
+          </a:effectRef>
+          <a:fontRef idx="minor">
+            <a:schemeClr val="dk1"/>
+          </a:fontRef>
+        </p:style>
+        <p:txBody>
+          <a:bodyPr rtlCol="0" anchor="ctr"/>
+          <a:lstStyle/>
+          <a:p>
+            <a:pPr algn="ctr"/>
+            <a:r>
+              <a:rPr lang="en-US" altLang="ja-JP" smtClean="0"/>
+              <a:t>(3) Show Account Information</a:t>
+            </a:r>
+            <a:endParaRPr kumimoji="1" lang="ja-JP" altLang="en-US"/>
+          </a:p>
+        </p:txBody>
+      </p:sp>
+      <p:sp>
+        <p:nvSpPr>
+          <p:cNvPr id="11" name="角丸四角形 10"/>
+          <p:cNvSpPr/>
+          <p:nvPr/>
+        </p:nvSpPr>
+        <p:spPr>
+          <a:xfrm>
+            <a:off x="5652120" y="1484784"/>
+            <a:ext cx="2808312" cy="544706"/>
+          </a:xfrm>
+          <a:prstGeom prst="roundRect">
+            <a:avLst/>
+          </a:prstGeom>
+        </p:spPr>
+        <p:style>
+          <a:lnRef idx="1">
+            <a:schemeClr val="accent1"/>
+          </a:lnRef>
+          <a:fillRef idx="2">
+            <a:schemeClr val="accent1"/>
+          </a:fillRef>
+          <a:effectRef idx="1">
+            <a:schemeClr val="accent1"/>
+          </a:effectRef>
+          <a:fontRef idx="minor">
+            <a:schemeClr val="dk1"/>
+          </a:fontRef>
+        </p:style>
+        <p:txBody>
+          <a:bodyPr rtlCol="0" anchor="ctr"/>
+          <a:lstStyle/>
+          <a:p>
+            <a:pPr algn="ctr"/>
+            <a:r>
+              <a:rPr lang="en-US" altLang="ja-JP" smtClean="0"/>
+              <a:t>(11) Reissue Password (Complete)</a:t>
+            </a:r>
+            <a:endParaRPr kumimoji="1" lang="ja-JP" altLang="en-US"/>
+          </a:p>
+        </p:txBody>
+      </p:sp>
+      <p:sp>
+        <p:nvSpPr>
+          <p:cNvPr id="12" name="角丸四角形 11"/>
+          <p:cNvSpPr/>
+          <p:nvPr/>
+        </p:nvSpPr>
+        <p:spPr>
+          <a:xfrm>
+            <a:off x="5652120" y="332656"/>
+            <a:ext cx="3168352" cy="921346"/>
+          </a:xfrm>
+          <a:prstGeom prst="roundRect">
+            <a:avLst/>
+          </a:prstGeom>
+        </p:spPr>
+        <p:style>
+          <a:lnRef idx="1">
+            <a:schemeClr val="accent1"/>
+          </a:lnRef>
+          <a:fillRef idx="2">
+            <a:schemeClr val="accent1"/>
+          </a:fillRef>
+          <a:effectRef idx="1">
+            <a:schemeClr val="accent1"/>
+          </a:effectRef>
+          <a:fontRef idx="minor">
+            <a:schemeClr val="dk1"/>
+          </a:fontRef>
+        </p:style>
+        <p:txBody>
+          <a:bodyPr rtlCol="0" anchor="ctr"/>
+          <a:lstStyle/>
+          <a:p>
+            <a:pPr algn="ctr"/>
+            <a:r>
+              <a:rPr lang="en-US" altLang="ja-JP" smtClean="0"/>
+              <a:t>(9) Create</a:t>
+            </a:r>
+          </a:p>
+          <a:p>
+            <a:pPr algn="ctr"/>
+            <a:r>
+              <a:rPr lang="en-US" altLang="ja-JP" smtClean="0"/>
+              <a:t>Password Reissue Information</a:t>
+            </a:r>
+          </a:p>
+          <a:p>
+            <a:pPr algn="ctr"/>
+            <a:r>
+              <a:rPr lang="en-US" altLang="ja-JP" smtClean="0"/>
+              <a:t>(Complete)</a:t>
+            </a:r>
+          </a:p>
+        </p:txBody>
+      </p:sp>
+      <p:sp>
+        <p:nvSpPr>
+          <p:cNvPr id="13" name="角丸四角形 12"/>
+          <p:cNvSpPr/>
+          <p:nvPr/>
+        </p:nvSpPr>
+        <p:spPr>
+          <a:xfrm>
+            <a:off x="6084168" y="3875806"/>
+            <a:ext cx="2232248" cy="812770"/>
+          </a:xfrm>
+          <a:prstGeom prst="roundRect">
+            <a:avLst/>
+          </a:prstGeom>
+        </p:spPr>
+        <p:style>
+          <a:lnRef idx="1">
+            <a:schemeClr val="accent1"/>
+          </a:lnRef>
+          <a:fillRef idx="2">
+            <a:schemeClr val="accent1"/>
+          </a:fillRef>
+          <a:effectRef idx="1">
+            <a:schemeClr val="accent1"/>
+          </a:effectRef>
+          <a:fontRef idx="minor">
+            <a:schemeClr val="dk1"/>
+          </a:fontRef>
+        </p:style>
+        <p:txBody>
+          <a:bodyPr rtlCol="0" anchor="ctr"/>
+          <a:lstStyle/>
+          <a:p>
+            <a:pPr algn="ctr"/>
+            <a:r>
+              <a:rPr lang="en-US" altLang="ja-JP" smtClean="0"/>
+              <a:t>(5) Change Password</a:t>
+            </a:r>
+          </a:p>
+          <a:p>
+            <a:pPr algn="ctr"/>
+            <a:r>
+              <a:rPr lang="en-US" altLang="ja-JP" smtClean="0"/>
+              <a:t> (Complete)</a:t>
+            </a:r>
+            <a:endParaRPr kumimoji="1" lang="ja-JP" altLang="en-US"/>
+          </a:p>
+        </p:txBody>
+      </p:sp>
+      <p:cxnSp>
+        <p:nvCxnSpPr>
+          <p:cNvPr id="17" name="直線矢印コネクタ 16"/>
+          <p:cNvCxnSpPr>
+            <a:stCxn id="7" idx="3"/>
+            <a:endCxn id="12" idx="1"/>
+          </p:cNvCxnSpPr>
+          <p:nvPr/>
+        </p:nvCxnSpPr>
+        <p:spPr>
+          <a:xfrm>
+            <a:off x="5220072" y="791829"/>
+            <a:ext cx="432048" cy="1500"/>
+          </a:xfrm>
+          <a:prstGeom prst="straightConnector1">
+            <a:avLst/>
+          </a:prstGeom>
+          <a:ln>
+            <a:tailEnd type="arrow"/>
+          </a:ln>
+        </p:spPr>
+        <p:style>
+          <a:lnRef idx="2">
+            <a:schemeClr val="dk1"/>
+          </a:lnRef>
+          <a:fillRef idx="0">
+            <a:schemeClr val="dk1"/>
+          </a:fillRef>
+          <a:effectRef idx="1">
+            <a:schemeClr val="dk1"/>
+          </a:effectRef>
+          <a:fontRef idx="minor">
+            <a:schemeClr val="tx1"/>
+          </a:fontRef>
+        </p:style>
+      </p:cxnSp>
+      <p:cxnSp>
+        <p:nvCxnSpPr>
+          <p:cNvPr id="23" name="直線矢印コネクタ 22"/>
+          <p:cNvCxnSpPr>
+            <a:stCxn id="6" idx="3"/>
+            <a:endCxn id="11" idx="1"/>
+          </p:cNvCxnSpPr>
+          <p:nvPr/>
+        </p:nvCxnSpPr>
+        <p:spPr>
+          <a:xfrm>
+            <a:off x="5220072" y="1755564"/>
+            <a:ext cx="432048" cy="1573"/>
+          </a:xfrm>
+          <a:prstGeom prst="straightConnector1">
+            <a:avLst/>
+          </a:prstGeom>
+          <a:ln>
+            <a:tailEnd type="arrow"/>
+          </a:ln>
+        </p:spPr>
+        <p:style>
+          <a:lnRef idx="2">
+            <a:schemeClr val="dk1"/>
+          </a:lnRef>
+          <a:fillRef idx="0">
+            <a:schemeClr val="dk1"/>
+          </a:fillRef>
+          <a:effectRef idx="1">
+            <a:schemeClr val="dk1"/>
+          </a:effectRef>
+          <a:fontRef idx="minor">
+            <a:schemeClr val="tx1"/>
+          </a:fontRef>
+        </p:style>
+      </p:cxnSp>
+      <p:cxnSp>
+        <p:nvCxnSpPr>
+          <p:cNvPr id="27" name="直線矢印コネクタ 26"/>
+          <p:cNvCxnSpPr>
+            <a:stCxn id="10" idx="2"/>
+            <a:endCxn id="9" idx="0"/>
+          </p:cNvCxnSpPr>
+          <p:nvPr/>
+        </p:nvCxnSpPr>
+        <p:spPr>
+          <a:xfrm flipH="1">
+            <a:off x="4350350" y="3587774"/>
+            <a:ext cx="4192" cy="473412"/>
+          </a:xfrm>
+          <a:prstGeom prst="straightConnector1">
+            <a:avLst/>
+          </a:prstGeom>
+          <a:ln>
+            <a:tailEnd type="arrow"/>
+          </a:ln>
+        </p:spPr>
+        <p:style>
+          <a:lnRef idx="2">
+            <a:schemeClr val="dk1"/>
+          </a:lnRef>
+          <a:fillRef idx="0">
+            <a:schemeClr val="dk1"/>
+          </a:fillRef>
+          <a:effectRef idx="1">
+            <a:schemeClr val="dk1"/>
+          </a:effectRef>
+          <a:fontRef idx="minor">
+            <a:schemeClr val="tx1"/>
+          </a:fontRef>
+        </p:style>
+      </p:cxnSp>
+      <p:cxnSp>
+        <p:nvCxnSpPr>
+          <p:cNvPr id="29" name="直線矢印コネクタ 28"/>
+          <p:cNvCxnSpPr>
+            <a:stCxn id="9" idx="3"/>
+            <a:endCxn id="13" idx="1"/>
+          </p:cNvCxnSpPr>
+          <p:nvPr/>
+        </p:nvCxnSpPr>
+        <p:spPr>
+          <a:xfrm>
+            <a:off x="5430470" y="4277210"/>
+            <a:ext cx="653698" cy="4981"/>
+          </a:xfrm>
+          <a:prstGeom prst="straightConnector1">
+            <a:avLst/>
+          </a:prstGeom>
+          <a:ln>
+            <a:tailEnd type="arrow"/>
+          </a:ln>
+        </p:spPr>
+        <p:style>
+          <a:lnRef idx="2">
+            <a:schemeClr val="dk1"/>
+          </a:lnRef>
+          <a:fillRef idx="0">
+            <a:schemeClr val="dk1"/>
+          </a:fillRef>
+          <a:effectRef idx="1">
+            <a:schemeClr val="dk1"/>
+          </a:effectRef>
+          <a:fontRef idx="minor">
+            <a:schemeClr val="tx1"/>
+          </a:fontRef>
+        </p:style>
+      </p:cxnSp>
+      <p:cxnSp>
+        <p:nvCxnSpPr>
+          <p:cNvPr id="31" name="カギ線コネクタ 30"/>
+          <p:cNvCxnSpPr>
+            <a:stCxn id="13" idx="0"/>
+            <a:endCxn id="5" idx="0"/>
+          </p:cNvCxnSpPr>
+          <p:nvPr/>
+        </p:nvCxnSpPr>
+        <p:spPr>
+          <a:xfrm rot="16200000" flipV="1">
+            <a:off x="4139952" y="815466"/>
+            <a:ext cx="720080" cy="5400600"/>
+          </a:xfrm>
+          <a:prstGeom prst="bentConnector3">
+            <a:avLst>
+              <a:gd name="adj1" fmla="val 131746"/>
+            </a:avLst>
+          </a:prstGeom>
+          <a:ln>
+            <a:tailEnd type="arrow"/>
+          </a:ln>
+        </p:spPr>
+        <p:style>
+          <a:lnRef idx="2">
+            <a:schemeClr val="dk1"/>
+          </a:lnRef>
+          <a:fillRef idx="0">
+            <a:schemeClr val="dk1"/>
+          </a:fillRef>
+          <a:effectRef idx="1">
+            <a:schemeClr val="dk1"/>
+          </a:effectRef>
+          <a:fontRef idx="minor">
+            <a:schemeClr val="tx1"/>
+          </a:fontRef>
+        </p:style>
+      </p:cxnSp>
+      <p:sp>
+        <p:nvSpPr>
+          <p:cNvPr id="32" name="角丸四角形 31"/>
+          <p:cNvSpPr/>
+          <p:nvPr/>
+        </p:nvSpPr>
+        <p:spPr>
+          <a:xfrm>
+            <a:off x="1068629" y="4811910"/>
+            <a:ext cx="1452643" cy="576064"/>
+          </a:xfrm>
+          <a:prstGeom prst="roundRect">
+            <a:avLst/>
+          </a:prstGeom>
+        </p:spPr>
+        <p:style>
+          <a:lnRef idx="1">
+            <a:schemeClr val="accent1"/>
+          </a:lnRef>
+          <a:fillRef idx="2">
+            <a:schemeClr val="accent1"/>
+          </a:fillRef>
+          <a:effectRef idx="1">
+            <a:schemeClr val="accent1"/>
+          </a:effectRef>
+          <a:fontRef idx="minor">
+            <a:schemeClr val="dk1"/>
+          </a:fontRef>
+        </p:style>
+        <p:txBody>
+          <a:bodyPr rtlCol="0" anchor="ctr"/>
+          <a:lstStyle/>
+          <a:p>
+            <a:pPr algn="ctr"/>
+            <a:r>
+              <a:rPr lang="en-US" altLang="ja-JP" smtClean="0"/>
+              <a:t>(7) Unlock </a:t>
+            </a:r>
+          </a:p>
+          <a:p>
+            <a:pPr algn="ctr"/>
+            <a:r>
+              <a:rPr lang="en-US" altLang="ja-JP" smtClean="0"/>
+              <a:t>(Complete)</a:t>
+            </a:r>
+            <a:endParaRPr kumimoji="1" lang="ja-JP" altLang="en-US"/>
+          </a:p>
+        </p:txBody>
+      </p:sp>
+      <p:cxnSp>
+        <p:nvCxnSpPr>
+          <p:cNvPr id="34" name="直線矢印コネクタ 33"/>
+          <p:cNvCxnSpPr>
+            <a:stCxn id="8" idx="2"/>
+            <a:endCxn id="32" idx="0"/>
+          </p:cNvCxnSpPr>
+          <p:nvPr/>
+        </p:nvCxnSpPr>
+        <p:spPr>
+          <a:xfrm flipH="1">
+            <a:off x="1794951" y="4493234"/>
+            <a:ext cx="1620" cy="318676"/>
+          </a:xfrm>
+          <a:prstGeom prst="straightConnector1">
+            <a:avLst/>
+          </a:prstGeom>
+          <a:ln>
+            <a:tailEnd type="arrow"/>
+          </a:ln>
+        </p:spPr>
+        <p:style>
+          <a:lnRef idx="2">
+            <a:schemeClr val="dk1"/>
+          </a:lnRef>
+          <a:fillRef idx="0">
+            <a:schemeClr val="dk1"/>
+          </a:fillRef>
+          <a:effectRef idx="1">
+            <a:schemeClr val="dk1"/>
+          </a:effectRef>
+          <a:fontRef idx="minor">
+            <a:schemeClr val="tx1"/>
+          </a:fontRef>
+        </p:style>
+      </p:cxnSp>
+      <p:cxnSp>
+        <p:nvCxnSpPr>
+          <p:cNvPr id="36" name="カギ線コネクタ 35"/>
+          <p:cNvCxnSpPr>
+            <a:stCxn id="32" idx="1"/>
+            <a:endCxn id="5" idx="1"/>
+          </p:cNvCxnSpPr>
+          <p:nvPr/>
+        </p:nvCxnSpPr>
+        <p:spPr>
+          <a:xfrm rot="10800000" flipH="1">
+            <a:off x="1068628" y="3371750"/>
+            <a:ext cx="191003" cy="1728192"/>
+          </a:xfrm>
+          <a:prstGeom prst="bentConnector3">
+            <a:avLst>
+              <a:gd name="adj1" fmla="val -119684"/>
+            </a:avLst>
+          </a:prstGeom>
+          <a:ln>
+            <a:tailEnd type="arrow"/>
+          </a:ln>
+        </p:spPr>
+        <p:style>
+          <a:lnRef idx="2">
+            <a:schemeClr val="dk1"/>
+          </a:lnRef>
+          <a:fillRef idx="0">
+            <a:schemeClr val="dk1"/>
+          </a:fillRef>
+          <a:effectRef idx="1">
+            <a:schemeClr val="dk1"/>
+          </a:effectRef>
+          <a:fontRef idx="minor">
+            <a:schemeClr val="tx1"/>
+          </a:fontRef>
+        </p:style>
+      </p:cxnSp>
+      <p:cxnSp>
+        <p:nvCxnSpPr>
+          <p:cNvPr id="39" name="カギ線コネクタ 38"/>
+          <p:cNvCxnSpPr>
+            <a:stCxn id="4" idx="2"/>
+            <a:endCxn id="47" idx="0"/>
+          </p:cNvCxnSpPr>
+          <p:nvPr/>
+        </p:nvCxnSpPr>
+        <p:spPr>
+          <a:xfrm rot="16200000" flipH="1">
+            <a:off x="988477" y="953724"/>
+            <a:ext cx="766210" cy="871973"/>
+          </a:xfrm>
+          <a:prstGeom prst="bentConnector3">
+            <a:avLst>
+              <a:gd name="adj1" fmla="val 50000"/>
+            </a:avLst>
+          </a:prstGeom>
+          <a:ln>
+            <a:tailEnd type="arrow"/>
+          </a:ln>
+        </p:spPr>
+        <p:style>
+          <a:lnRef idx="2">
+            <a:schemeClr val="dk1"/>
+          </a:lnRef>
+          <a:fillRef idx="0">
+            <a:schemeClr val="dk1"/>
+          </a:fillRef>
+          <a:effectRef idx="1">
+            <a:schemeClr val="dk1"/>
+          </a:effectRef>
+          <a:fontRef idx="minor">
+            <a:schemeClr val="tx1"/>
+          </a:fontRef>
+        </p:style>
+      </p:cxnSp>
+      <p:cxnSp>
+        <p:nvCxnSpPr>
+          <p:cNvPr id="41" name="直線矢印コネクタ 40"/>
+          <p:cNvCxnSpPr>
+            <a:stCxn id="5" idx="2"/>
+            <a:endCxn id="8" idx="0"/>
+          </p:cNvCxnSpPr>
+          <p:nvPr/>
+        </p:nvCxnSpPr>
+        <p:spPr>
+          <a:xfrm flipH="1">
+            <a:off x="1796571" y="3587774"/>
+            <a:ext cx="3121" cy="473412"/>
+          </a:xfrm>
+          <a:prstGeom prst="straightConnector1">
+            <a:avLst/>
+          </a:prstGeom>
+          <a:ln>
+            <a:headEnd type="arrow"/>
+            <a:tailEnd type="arrow"/>
+          </a:ln>
+        </p:spPr>
+        <p:style>
+          <a:lnRef idx="2">
+            <a:schemeClr val="dk1"/>
+          </a:lnRef>
+          <a:fillRef idx="0">
+            <a:schemeClr val="dk1"/>
+          </a:fillRef>
+          <a:effectRef idx="1">
+            <a:schemeClr val="dk1"/>
+          </a:effectRef>
+          <a:fontRef idx="minor">
+            <a:schemeClr val="tx1"/>
+          </a:fontRef>
+        </p:style>
+      </p:cxnSp>
+      <p:cxnSp>
+        <p:nvCxnSpPr>
+          <p:cNvPr id="43" name="直線矢印コネクタ 42"/>
+          <p:cNvCxnSpPr>
+            <a:stCxn id="5" idx="3"/>
+            <a:endCxn id="10" idx="1"/>
+          </p:cNvCxnSpPr>
+          <p:nvPr/>
+        </p:nvCxnSpPr>
+        <p:spPr>
+          <a:xfrm>
+            <a:off x="2339752" y="3371750"/>
+            <a:ext cx="506814" cy="0"/>
+          </a:xfrm>
+          <a:prstGeom prst="straightConnector1">
+            <a:avLst/>
+          </a:prstGeom>
+          <a:ln>
+            <a:headEnd type="arrow"/>
+            <a:tailEnd type="arrow"/>
+          </a:ln>
+        </p:spPr>
+        <p:style>
+          <a:lnRef idx="2">
+            <a:schemeClr val="dk1"/>
+          </a:lnRef>
+          <a:fillRef idx="0">
+            <a:schemeClr val="dk1"/>
+          </a:fillRef>
+          <a:effectRef idx="1">
+            <a:schemeClr val="dk1"/>
+          </a:effectRef>
+          <a:fontRef idx="minor">
+            <a:schemeClr val="tx1"/>
+          </a:fontRef>
+        </p:style>
+      </p:cxnSp>
+      <p:sp>
+        <p:nvSpPr>
+          <p:cNvPr id="47" name="フローチャート : 判断 46"/>
+          <p:cNvSpPr/>
+          <p:nvPr/>
+        </p:nvSpPr>
+        <p:spPr>
+          <a:xfrm>
+            <a:off x="340780" y="1772816"/>
+            <a:ext cx="2933577" cy="878854"/>
+          </a:xfrm>
+          <a:prstGeom prst="flowChartDecision">
+            <a:avLst/>
+          </a:prstGeom>
+        </p:spPr>
+        <p:style>
+          <a:lnRef idx="2">
+            <a:schemeClr val="dk1"/>
+          </a:lnRef>
+          <a:fillRef idx="1">
+            <a:schemeClr val="lt1"/>
+          </a:fillRef>
+          <a:effectRef idx="0">
+            <a:schemeClr val="dk1"/>
+          </a:effectRef>
+          <a:fontRef idx="minor">
+            <a:schemeClr val="dk1"/>
+          </a:fontRef>
+        </p:style>
+        <p:txBody>
+          <a:bodyPr rtlCol="0" anchor="ctr"/>
+          <a:lstStyle/>
+          <a:p>
+            <a:pPr algn="ctr"/>
+            <a:endParaRPr kumimoji="1" lang="ja-JP" altLang="en-US"/>
+          </a:p>
+        </p:txBody>
+      </p:sp>
+      <p:cxnSp>
+        <p:nvCxnSpPr>
+          <p:cNvPr id="50" name="カギ線コネクタ 49"/>
+          <p:cNvCxnSpPr>
+            <a:stCxn id="47" idx="1"/>
+            <a:endCxn id="9" idx="2"/>
+          </p:cNvCxnSpPr>
+          <p:nvPr/>
+        </p:nvCxnSpPr>
+        <p:spPr>
+          <a:xfrm rot="10800000" flipH="1" flipV="1">
+            <a:off x="340780" y="2212242"/>
+            <a:ext cx="4009570" cy="2280991"/>
+          </a:xfrm>
+          <a:prstGeom prst="bentConnector4">
+            <a:avLst>
+              <a:gd name="adj1" fmla="val -2904"/>
+              <a:gd name="adj2" fmla="val 154270"/>
+            </a:avLst>
+          </a:prstGeom>
+          <a:ln>
+            <a:tailEnd type="arrow"/>
+          </a:ln>
+        </p:spPr>
+        <p:style>
+          <a:lnRef idx="2">
+            <a:schemeClr val="dk1"/>
+          </a:lnRef>
+          <a:fillRef idx="0">
+            <a:schemeClr val="dk1"/>
+          </a:fillRef>
+          <a:effectRef idx="1">
+            <a:schemeClr val="dk1"/>
+          </a:effectRef>
+          <a:fontRef idx="minor">
+            <a:schemeClr val="tx1"/>
+          </a:fontRef>
+        </p:style>
+      </p:cxnSp>
+      <p:cxnSp>
+        <p:nvCxnSpPr>
+          <p:cNvPr id="55" name="直線矢印コネクタ 54"/>
+          <p:cNvCxnSpPr>
+            <a:stCxn id="47" idx="2"/>
+            <a:endCxn id="5" idx="0"/>
+          </p:cNvCxnSpPr>
+          <p:nvPr/>
+        </p:nvCxnSpPr>
+        <p:spPr>
+          <a:xfrm flipH="1">
+            <a:off x="1799692" y="2651670"/>
+            <a:ext cx="7877" cy="504056"/>
+          </a:xfrm>
+          <a:prstGeom prst="straightConnector1">
+            <a:avLst/>
+          </a:prstGeom>
+          <a:ln>
+            <a:tailEnd type="arrow"/>
+          </a:ln>
+        </p:spPr>
+        <p:style>
+          <a:lnRef idx="2">
+            <a:schemeClr val="dk1"/>
+          </a:lnRef>
+          <a:fillRef idx="0">
+            <a:schemeClr val="dk1"/>
+          </a:fillRef>
+          <a:effectRef idx="1">
+            <a:schemeClr val="dk1"/>
+          </a:effectRef>
+          <a:fontRef idx="minor">
+            <a:schemeClr val="tx1"/>
+          </a:fontRef>
+        </p:style>
+      </p:cxnSp>
+      <p:sp>
+        <p:nvSpPr>
+          <p:cNvPr id="86" name="正方形/長方形 85"/>
+          <p:cNvSpPr/>
+          <p:nvPr/>
+        </p:nvSpPr>
+        <p:spPr>
+          <a:xfrm>
+            <a:off x="971600" y="3875806"/>
+            <a:ext cx="1660376" cy="1656184"/>
+          </a:xfrm>
+          <a:prstGeom prst="rect">
+            <a:avLst/>
+          </a:prstGeom>
+          <a:noFill/>
+        </p:spPr>
+        <p:style>
+          <a:lnRef idx="2">
+            <a:schemeClr val="accent6"/>
+          </a:lnRef>
+          <a:fillRef idx="1">
+            <a:schemeClr val="lt1"/>
+          </a:fillRef>
+          <a:effectRef idx="0">
+            <a:schemeClr val="accent6"/>
+          </a:effectRef>
+          <a:fontRef idx="minor">
+            <a:schemeClr val="dk1"/>
+          </a:fontRef>
+        </p:style>
+        <p:txBody>
+          <a:bodyPr rtlCol="0" anchor="ctr"/>
+          <a:lstStyle/>
+          <a:p>
+            <a:pPr algn="ctr"/>
+            <a:endParaRPr kumimoji="1" lang="ja-JP" altLang="en-US"/>
+          </a:p>
+        </p:txBody>
+      </p:sp>
+      <p:sp>
+        <p:nvSpPr>
+          <p:cNvPr id="87" name="テキスト ボックス 86"/>
+          <p:cNvSpPr txBox="1"/>
+          <p:nvPr/>
+        </p:nvSpPr>
+        <p:spPr>
+          <a:xfrm>
+            <a:off x="728912" y="1933331"/>
+            <a:ext cx="2198039" cy="646331"/>
+          </a:xfrm>
+          <a:prstGeom prst="rect">
+            <a:avLst/>
+          </a:prstGeom>
+          <a:noFill/>
+        </p:spPr>
+        <p:txBody>
+          <a:bodyPr wrap="none" rtlCol="0">
+            <a:spAutoFit/>
+          </a:bodyPr>
+          <a:lstStyle/>
+          <a:p>
+            <a:pPr algn="ctr"/>
+            <a:r>
+              <a:rPr lang="en-US" altLang="ja-JP"/>
+              <a:t>S</a:t>
+            </a:r>
+            <a:r>
+              <a:rPr lang="en-US" altLang="ja-JP" smtClean="0"/>
+              <a:t>hould the password </a:t>
+            </a:r>
+          </a:p>
+          <a:p>
+            <a:pPr algn="ctr"/>
+            <a:r>
+              <a:rPr lang="en-US" altLang="ja-JP" smtClean="0"/>
+              <a:t>be changed?</a:t>
+            </a:r>
+          </a:p>
+        </p:txBody>
+      </p:sp>
+      <p:sp>
+        <p:nvSpPr>
+          <p:cNvPr id="108" name="角丸四角形 107"/>
+          <p:cNvSpPr/>
+          <p:nvPr/>
+        </p:nvSpPr>
+        <p:spPr>
+          <a:xfrm>
+            <a:off x="673667" y="6038540"/>
+            <a:ext cx="752698" cy="288032"/>
+          </a:xfrm>
+          <a:prstGeom prst="roundRect">
+            <a:avLst/>
+          </a:prstGeom>
+        </p:spPr>
+        <p:style>
+          <a:lnRef idx="1">
+            <a:schemeClr val="accent1"/>
+          </a:lnRef>
+          <a:fillRef idx="2">
+            <a:schemeClr val="accent1"/>
+          </a:fillRef>
+          <a:effectRef idx="1">
+            <a:schemeClr val="accent1"/>
+          </a:effectRef>
+          <a:fontRef idx="minor">
+            <a:schemeClr val="dk1"/>
+          </a:fontRef>
+        </p:style>
+        <p:txBody>
+          <a:bodyPr rtlCol="0" anchor="ctr"/>
+          <a:lstStyle/>
+          <a:p>
+            <a:pPr algn="ctr"/>
+            <a:endParaRPr kumimoji="1" lang="ja-JP" altLang="en-US"/>
+          </a:p>
+        </p:txBody>
+      </p:sp>
+      <p:sp>
+        <p:nvSpPr>
+          <p:cNvPr id="109" name="テキスト ボックス 108"/>
+          <p:cNvSpPr txBox="1"/>
+          <p:nvPr/>
+        </p:nvSpPr>
+        <p:spPr>
+          <a:xfrm>
+            <a:off x="1510747" y="5977492"/>
+            <a:ext cx="631455" cy="369332"/>
+          </a:xfrm>
+          <a:prstGeom prst="rect">
+            <a:avLst/>
+          </a:prstGeom>
+          <a:noFill/>
+        </p:spPr>
+        <p:txBody>
+          <a:bodyPr wrap="none" rtlCol="0">
+            <a:spAutoFit/>
+          </a:bodyPr>
+          <a:lstStyle/>
+          <a:p>
+            <a:r>
+              <a:rPr kumimoji="1" lang="en-US" altLang="ja-JP" smtClean="0"/>
+              <a:t>Page</a:t>
+            </a:r>
+            <a:endParaRPr kumimoji="1" lang="ja-JP" altLang="en-US"/>
+          </a:p>
+        </p:txBody>
+      </p:sp>
+      <p:cxnSp>
+        <p:nvCxnSpPr>
+          <p:cNvPr id="111" name="直線矢印コネクタ 110"/>
+          <p:cNvCxnSpPr/>
+          <p:nvPr/>
+        </p:nvCxnSpPr>
+        <p:spPr>
+          <a:xfrm>
+            <a:off x="634780" y="6614604"/>
+            <a:ext cx="816220" cy="0"/>
+          </a:xfrm>
+          <a:prstGeom prst="straightConnector1">
+            <a:avLst/>
+          </a:prstGeom>
+          <a:ln>
+            <a:tailEnd type="arrow"/>
+          </a:ln>
+        </p:spPr>
+        <p:style>
+          <a:lnRef idx="2">
+            <a:schemeClr val="dk1"/>
+          </a:lnRef>
+          <a:fillRef idx="0">
+            <a:schemeClr val="dk1"/>
+          </a:fillRef>
+          <a:effectRef idx="1">
+            <a:schemeClr val="dk1"/>
+          </a:effectRef>
+          <a:fontRef idx="minor">
+            <a:schemeClr val="tx1"/>
+          </a:fontRef>
+        </p:style>
+      </p:cxnSp>
+      <p:sp>
+        <p:nvSpPr>
+          <p:cNvPr id="112" name="テキスト ボックス 111"/>
+          <p:cNvSpPr txBox="1"/>
+          <p:nvPr/>
+        </p:nvSpPr>
+        <p:spPr>
+          <a:xfrm>
+            <a:off x="1494130" y="6372036"/>
+            <a:ext cx="1106585" cy="369332"/>
+          </a:xfrm>
+          <a:prstGeom prst="rect">
+            <a:avLst/>
+          </a:prstGeom>
+          <a:noFill/>
+        </p:spPr>
+        <p:txBody>
+          <a:bodyPr wrap="none" rtlCol="0">
+            <a:spAutoFit/>
+          </a:bodyPr>
+          <a:lstStyle/>
+          <a:p>
+            <a:r>
+              <a:rPr kumimoji="1" lang="en-US" altLang="ja-JP" smtClean="0"/>
+              <a:t>Transition</a:t>
+            </a:r>
+            <a:endParaRPr kumimoji="1" lang="ja-JP" altLang="en-US"/>
+          </a:p>
+        </p:txBody>
+      </p:sp>
+      <p:sp>
+        <p:nvSpPr>
+          <p:cNvPr id="113" name="正方形/長方形 112"/>
+          <p:cNvSpPr/>
+          <p:nvPr/>
+        </p:nvSpPr>
+        <p:spPr>
+          <a:xfrm>
+            <a:off x="2805861" y="5977493"/>
+            <a:ext cx="859541" cy="344686"/>
+          </a:xfrm>
+          <a:prstGeom prst="rect">
+            <a:avLst/>
+          </a:prstGeom>
+        </p:spPr>
+        <p:style>
+          <a:lnRef idx="1">
+            <a:schemeClr val="accent3"/>
+          </a:lnRef>
+          <a:fillRef idx="2">
+            <a:schemeClr val="accent3"/>
+          </a:fillRef>
+          <a:effectRef idx="1">
+            <a:schemeClr val="accent3"/>
+          </a:effectRef>
+          <a:fontRef idx="minor">
+            <a:schemeClr val="dk1"/>
+          </a:fontRef>
+        </p:style>
+        <p:txBody>
+          <a:bodyPr rtlCol="0" anchor="ctr"/>
+          <a:lstStyle/>
+          <a:p>
+            <a:pPr algn="ctr"/>
+            <a:endParaRPr kumimoji="1" lang="ja-JP" altLang="en-US"/>
+          </a:p>
+        </p:txBody>
+      </p:sp>
+      <p:sp>
+        <p:nvSpPr>
+          <p:cNvPr id="114" name="テキスト ボックス 113"/>
+          <p:cNvSpPr txBox="1"/>
+          <p:nvPr/>
+        </p:nvSpPr>
+        <p:spPr>
+          <a:xfrm>
+            <a:off x="3686248" y="5957906"/>
+            <a:ext cx="1519327" cy="369332"/>
+          </a:xfrm>
+          <a:prstGeom prst="rect">
+            <a:avLst/>
+          </a:prstGeom>
+          <a:noFill/>
+        </p:spPr>
+        <p:txBody>
+          <a:bodyPr wrap="none" rtlCol="0">
+            <a:spAutoFit/>
+          </a:bodyPr>
+          <a:lstStyle/>
+          <a:p>
+            <a:r>
+              <a:rPr kumimoji="1" lang="en-US" altLang="ja-JP" smtClean="0"/>
+              <a:t>Authenticated</a:t>
+            </a:r>
+            <a:endParaRPr kumimoji="1" lang="ja-JP" altLang="en-US"/>
+          </a:p>
+        </p:txBody>
+      </p:sp>
+      <p:sp>
+        <p:nvSpPr>
+          <p:cNvPr id="115" name="正方形/長方形 114"/>
+          <p:cNvSpPr/>
+          <p:nvPr/>
+        </p:nvSpPr>
+        <p:spPr>
+          <a:xfrm>
+            <a:off x="2798143" y="6407206"/>
+            <a:ext cx="865611" cy="296416"/>
+          </a:xfrm>
+          <a:prstGeom prst="rect">
+            <a:avLst/>
+          </a:prstGeom>
+          <a:noFill/>
+        </p:spPr>
+        <p:style>
+          <a:lnRef idx="2">
+            <a:schemeClr val="accent6"/>
+          </a:lnRef>
+          <a:fillRef idx="1">
+            <a:schemeClr val="lt1"/>
+          </a:fillRef>
+          <a:effectRef idx="0">
+            <a:schemeClr val="accent6"/>
+          </a:effectRef>
+          <a:fontRef idx="minor">
+            <a:schemeClr val="dk1"/>
+          </a:fontRef>
+        </p:style>
+        <p:txBody>
+          <a:bodyPr rtlCol="0" anchor="ctr"/>
+          <a:lstStyle/>
+          <a:p>
+            <a:pPr algn="ctr"/>
+            <a:endParaRPr kumimoji="1" lang="ja-JP" altLang="en-US"/>
+          </a:p>
+        </p:txBody>
+      </p:sp>
+      <p:sp>
+        <p:nvSpPr>
+          <p:cNvPr id="116" name="テキスト ボックス 115"/>
+          <p:cNvSpPr txBox="1"/>
+          <p:nvPr/>
+        </p:nvSpPr>
+        <p:spPr>
+          <a:xfrm>
+            <a:off x="3686248" y="6354784"/>
+            <a:ext cx="1216615" cy="369332"/>
+          </a:xfrm>
+          <a:prstGeom prst="rect">
+            <a:avLst/>
+          </a:prstGeom>
+          <a:noFill/>
+        </p:spPr>
+        <p:txBody>
+          <a:bodyPr wrap="none" rtlCol="0">
+            <a:spAutoFit/>
+          </a:bodyPr>
+          <a:lstStyle/>
+          <a:p>
+            <a:r>
+              <a:rPr kumimoji="1" lang="en-US" altLang="ja-JP" smtClean="0"/>
+              <a:t>Authorized</a:t>
+            </a:r>
+            <a:endParaRPr kumimoji="1" lang="ja-JP" altLang="en-US"/>
+          </a:p>
+        </p:txBody>
+      </p:sp>
+      <p:sp>
+        <p:nvSpPr>
+          <p:cNvPr id="117" name="フローチャート : 判断 116"/>
+          <p:cNvSpPr/>
+          <p:nvPr/>
+        </p:nvSpPr>
+        <p:spPr>
+          <a:xfrm>
+            <a:off x="5339432" y="6021288"/>
+            <a:ext cx="1001836" cy="300891"/>
+          </a:xfrm>
+          <a:prstGeom prst="flowChartDecision">
+            <a:avLst/>
+          </a:prstGeom>
+        </p:spPr>
+        <p:style>
+          <a:lnRef idx="2">
+            <a:schemeClr val="dk1"/>
+          </a:lnRef>
+          <a:fillRef idx="1">
+            <a:schemeClr val="lt1"/>
+          </a:fillRef>
+          <a:effectRef idx="0">
+            <a:schemeClr val="dk1"/>
+          </a:effectRef>
+          <a:fontRef idx="minor">
+            <a:schemeClr val="dk1"/>
+          </a:fontRef>
+        </p:style>
+        <p:txBody>
+          <a:bodyPr rtlCol="0" anchor="ctr"/>
+          <a:lstStyle/>
+          <a:p>
+            <a:pPr algn="ctr"/>
+            <a:endParaRPr kumimoji="1" lang="ja-JP" altLang="en-US"/>
+          </a:p>
+        </p:txBody>
+      </p:sp>
+      <p:sp>
+        <p:nvSpPr>
+          <p:cNvPr id="118" name="テキスト ボックス 117"/>
+          <p:cNvSpPr txBox="1"/>
+          <p:nvPr/>
+        </p:nvSpPr>
+        <p:spPr>
+          <a:xfrm>
+            <a:off x="6347544" y="5977492"/>
+            <a:ext cx="1968872" cy="369332"/>
+          </a:xfrm>
+          <a:prstGeom prst="rect">
+            <a:avLst/>
+          </a:prstGeom>
+          <a:noFill/>
+        </p:spPr>
+        <p:txBody>
+          <a:bodyPr wrap="none" rtlCol="0">
+            <a:spAutoFit/>
+          </a:bodyPr>
+          <a:lstStyle/>
+          <a:p>
+            <a:r>
+              <a:rPr kumimoji="1" lang="en-US" altLang="ja-JP" smtClean="0"/>
+              <a:t>Conditional Branch</a:t>
+            </a:r>
+            <a:endParaRPr kumimoji="1" lang="ja-JP" altLang="en-US"/>
+          </a:p>
+        </p:txBody>
+      </p:sp>
+      <p:sp>
+        <p:nvSpPr>
+          <p:cNvPr id="119" name="正方形/長方形 118"/>
+          <p:cNvSpPr/>
+          <p:nvPr/>
+        </p:nvSpPr>
+        <p:spPr>
+          <a:xfrm>
+            <a:off x="514896" y="5877272"/>
+            <a:ext cx="7801520" cy="864096"/>
+          </a:xfrm>
+          <a:prstGeom prst="rect">
+            <a:avLst/>
+          </a:prstGeom>
+          <a:noFill/>
+          <a:ln w="12700"/>
+        </p:spPr>
+        <p:style>
+          <a:lnRef idx="2">
+            <a:schemeClr val="accent1">
+              <a:shade val="50000"/>
+            </a:schemeClr>
+          </a:lnRef>
+          <a:fillRef idx="1">
+            <a:schemeClr val="accent1"/>
+          </a:fillRef>
+          <a:effectRef idx="0">
+            <a:schemeClr val="accent1"/>
+          </a:effectRef>
+          <a:fontRef idx="minor">
+            <a:schemeClr val="lt1"/>
+          </a:fontRef>
+        </p:style>
+        <p:txBody>
+          <a:bodyPr rtlCol="0" anchor="ctr"/>
+          <a:lstStyle/>
+          <a:p>
+            <a:pPr algn="ctr"/>
+            <a:endParaRPr kumimoji="1" lang="ja-JP" altLang="en-US"/>
+          </a:p>
+        </p:txBody>
+      </p:sp>
+      <p:sp>
+        <p:nvSpPr>
+          <p:cNvPr id="136" name="テキスト ボックス 135"/>
+          <p:cNvSpPr txBox="1"/>
+          <p:nvPr/>
+        </p:nvSpPr>
+        <p:spPr>
+          <a:xfrm>
+            <a:off x="179512" y="1844824"/>
+            <a:ext cx="449717" cy="369332"/>
+          </a:xfrm>
+          <a:prstGeom prst="rect">
+            <a:avLst/>
+          </a:prstGeom>
+          <a:noFill/>
+        </p:spPr>
+        <p:txBody>
+          <a:bodyPr wrap="square" rtlCol="0">
+            <a:spAutoFit/>
+          </a:bodyPr>
+          <a:lstStyle/>
+          <a:p>
+            <a:r>
+              <a:rPr kumimoji="1" lang="en-US" altLang="ja-JP" smtClean="0"/>
+              <a:t>Y</a:t>
+            </a:r>
+            <a:endParaRPr kumimoji="1" lang="ja-JP" altLang="en-US"/>
+          </a:p>
+        </p:txBody>
+      </p:sp>
+      <p:sp>
+        <p:nvSpPr>
+          <p:cNvPr id="137" name="テキスト ボックス 136"/>
+          <p:cNvSpPr txBox="1"/>
+          <p:nvPr/>
+        </p:nvSpPr>
+        <p:spPr>
+          <a:xfrm>
+            <a:off x="1475656" y="2564904"/>
+            <a:ext cx="449717" cy="369332"/>
+          </a:xfrm>
+          <a:prstGeom prst="rect">
+            <a:avLst/>
+          </a:prstGeom>
+          <a:noFill/>
+        </p:spPr>
+        <p:txBody>
+          <a:bodyPr wrap="square" rtlCol="0">
+            <a:spAutoFit/>
+          </a:bodyPr>
+          <a:lstStyle/>
+          <a:p>
+            <a:r>
+              <a:rPr lang="en-US" altLang="ja-JP" smtClean="0"/>
+              <a:t>N</a:t>
+            </a:r>
+            <a:endParaRPr kumimoji="1" lang="ja-JP" altLang="en-US"/>
+          </a:p>
+        </p:txBody>
+      </p:sp>
+      <p:cxnSp>
+        <p:nvCxnSpPr>
+          <p:cNvPr id="146" name="直線矢印コネクタ 145"/>
+          <p:cNvCxnSpPr>
+            <a:stCxn id="4" idx="3"/>
+            <a:endCxn id="7" idx="1"/>
+          </p:cNvCxnSpPr>
+          <p:nvPr/>
+        </p:nvCxnSpPr>
+        <p:spPr>
+          <a:xfrm>
+            <a:off x="1475656" y="790582"/>
+            <a:ext cx="576064" cy="1247"/>
+          </a:xfrm>
+          <a:prstGeom prst="straightConnector1">
+            <a:avLst/>
+          </a:prstGeom>
+          <a:ln>
+            <a:tailEnd type="arrow"/>
+          </a:ln>
+        </p:spPr>
+        <p:style>
+          <a:lnRef idx="2">
+            <a:schemeClr val="dk1"/>
+          </a:lnRef>
+          <a:fillRef idx="0">
+            <a:schemeClr val="dk1"/>
+          </a:fillRef>
+          <a:effectRef idx="1">
+            <a:schemeClr val="dk1"/>
+          </a:effectRef>
+          <a:fontRef idx="minor">
+            <a:schemeClr val="tx1"/>
+          </a:fontRef>
+        </p:style>
+      </p:cxnSp>
+      <p:cxnSp>
+        <p:nvCxnSpPr>
+          <p:cNvPr id="149" name="カギ線コネクタ 148"/>
+          <p:cNvCxnSpPr>
+            <a:stCxn id="11" idx="3"/>
+            <a:endCxn id="4" idx="0"/>
+          </p:cNvCxnSpPr>
+          <p:nvPr/>
+        </p:nvCxnSpPr>
+        <p:spPr>
+          <a:xfrm flipH="1" flipV="1">
+            <a:off x="935596" y="574558"/>
+            <a:ext cx="7524836" cy="1182579"/>
+          </a:xfrm>
+          <a:prstGeom prst="bentConnector4">
+            <a:avLst>
+              <a:gd name="adj1" fmla="val -6706"/>
+              <a:gd name="adj2" fmla="val 132461"/>
+            </a:avLst>
+          </a:prstGeom>
+          <a:ln>
+            <a:tailEnd type="arrow"/>
+          </a:ln>
+        </p:spPr>
+        <p:style>
+          <a:lnRef idx="2">
+            <a:schemeClr val="dk1"/>
+          </a:lnRef>
+          <a:fillRef idx="0">
+            <a:schemeClr val="dk1"/>
+          </a:fillRef>
+          <a:effectRef idx="1">
+            <a:schemeClr val="dk1"/>
+          </a:effectRef>
+          <a:fontRef idx="minor">
+            <a:schemeClr val="tx1"/>
+          </a:fontRef>
+        </p:style>
+      </p:cxnSp>
+    </p:spTree>
+    <p:extLst>
+      <p:ext uri="{BB962C8B-B14F-4D97-AF65-F5344CB8AC3E}">
+        <p14:creationId xmlns:p14="http://schemas.microsoft.com/office/powerpoint/2010/main" val="2270594040"/>
+      </p:ext>
+    </p:extLst>
+  </p:cSld>
+  <p:clrMapOvr>
+    <a:masterClrMapping/>
+  </p:clrMapOvr>
+  <p:timing>
+    <p:tnLst>
+      <p:par>
+        <p:cTn id="1" dur="indefinite" restart="never" nodeType="tmRoot"/>
+      </p:par>
+    </p:tnLst>
+  </p:timing>
+</p:sld>
+</file>
+
+<file path=ppt/slides/slide6.xml><?xml version="1.0" encoding="utf-8"?>
+<p:sld xmlns:a="http://schemas.openxmlformats.org/drawingml/2006/main" xmlns:r="http://schemas.openxmlformats.org/officeDocument/2006/relationships" xmlns:p="http://schemas.openxmlformats.org/presentationml/2006/main">
+  <p:cSld>
+    <p:spTree>
+      <p:nvGrpSpPr>
+        <p:cNvPr id="1" name=""/>
+        <p:cNvGrpSpPr/>
+        <p:nvPr/>
+      </p:nvGrpSpPr>
+      <p:grpSpPr>
+        <a:xfrm>
+          <a:off x="0" y="0"/>
+          <a:ext cx="0" cy="0"/>
+          <a:chOff x="0" y="0"/>
+          <a:chExt cx="0" cy="0"/>
+        </a:xfrm>
+      </p:grpSpPr>
       <p:pic>
         <p:nvPicPr>
           <p:cNvPr id="1026" name="Picture 2"/>
@@ -12591,280 +13827,6 @@
     <p:extLst>
       <p:ext uri="{BB962C8B-B14F-4D97-AF65-F5344CB8AC3E}">
         <p14:creationId xmlns:p14="http://schemas.microsoft.com/office/powerpoint/2010/main" val="4170630669"/>
-      </p:ext>
-    </p:extLst>
-  </p:cSld>
-  <p:clrMapOvr>
-    <a:masterClrMapping/>
-  </p:clrMapOvr>
-</p:sld>
-</file>
-
-<file path=ppt/slides/slide6.xml><?xml version="1.0" encoding="utf-8"?>
-<p:sld xmlns:a="http://schemas.openxmlformats.org/drawingml/2006/main" xmlns:r="http://schemas.openxmlformats.org/officeDocument/2006/relationships" xmlns:p="http://schemas.openxmlformats.org/presentationml/2006/main">
-  <p:cSld>
-    <p:spTree>
-      <p:nvGrpSpPr>
-        <p:cNvPr id="1" name=""/>
-        <p:cNvGrpSpPr/>
-        <p:nvPr/>
-      </p:nvGrpSpPr>
-      <p:grpSpPr>
-        <a:xfrm>
-          <a:off x="0" y="0"/>
-          <a:ext cx="0" cy="0"/>
-          <a:chOff x="0" y="0"/>
-          <a:chExt cx="0" cy="0"/>
-        </a:xfrm>
-      </p:grpSpPr>
-      <p:pic>
-        <p:nvPicPr>
-          <p:cNvPr id="2050" name="Picture 2"/>
-          <p:cNvPicPr>
-            <a:picLocks noChangeAspect="1" noChangeArrowheads="1"/>
-          </p:cNvPicPr>
-          <p:nvPr/>
-        </p:nvPicPr>
-        <p:blipFill>
-          <a:blip r:embed="rId2">
-            <a:extLst>
-              <a:ext uri="{28A0092B-C50C-407E-A947-70E740481C1C}">
-                <a14:useLocalDpi xmlns:a14="http://schemas.microsoft.com/office/drawing/2010/main" val="0"/>
-              </a:ext>
-            </a:extLst>
-          </a:blip>
-          <a:srcRect/>
-          <a:stretch>
-            <a:fillRect/>
-          </a:stretch>
-        </p:blipFill>
-        <p:spPr bwMode="auto">
-          <a:xfrm>
-            <a:off x="637242" y="3540968"/>
-            <a:ext cx="7896225" cy="3200400"/>
-          </a:xfrm>
-          <a:prstGeom prst="rect">
-            <a:avLst/>
-          </a:prstGeom>
-          <a:noFill/>
-          <a:ln>
-            <a:noFill/>
-          </a:ln>
-          <a:extLst>
-            <a:ext uri="{909E8E84-426E-40DD-AFC4-6F175D3DCCD1}">
-              <a14:hiddenFill xmlns:a14="http://schemas.microsoft.com/office/drawing/2010/main">
-                <a:solidFill>
-                  <a:schemeClr val="accent1"/>
-                </a:solidFill>
-              </a14:hiddenFill>
-            </a:ext>
-            <a:ext uri="{91240B29-F687-4F45-9708-019B960494DF}">
-              <a14:hiddenLine xmlns:a14="http://schemas.microsoft.com/office/drawing/2010/main" w="9525">
-                <a:solidFill>
-                  <a:schemeClr val="tx1"/>
-                </a:solidFill>
-                <a:miter lim="800000"/>
-                <a:headEnd/>
-                <a:tailEnd/>
-              </a14:hiddenLine>
-            </a:ext>
-          </a:extLst>
-        </p:spPr>
-      </p:pic>
-      <p:pic>
-        <p:nvPicPr>
-          <p:cNvPr id="2051" name="Picture 3"/>
-          <p:cNvPicPr>
-            <a:picLocks noChangeAspect="1" noChangeArrowheads="1"/>
-          </p:cNvPicPr>
-          <p:nvPr/>
-        </p:nvPicPr>
-        <p:blipFill>
-          <a:blip r:embed="rId3">
-            <a:extLst>
-              <a:ext uri="{28A0092B-C50C-407E-A947-70E740481C1C}">
-                <a14:useLocalDpi xmlns:a14="http://schemas.microsoft.com/office/drawing/2010/main" val="0"/>
-              </a:ext>
-            </a:extLst>
-          </a:blip>
-          <a:srcRect/>
-          <a:stretch>
-            <a:fillRect/>
-          </a:stretch>
-        </p:blipFill>
-        <p:spPr bwMode="auto">
-          <a:xfrm>
-            <a:off x="1619672" y="188501"/>
-            <a:ext cx="5400675" cy="2790825"/>
-          </a:xfrm>
-          <a:prstGeom prst="rect">
-            <a:avLst/>
-          </a:prstGeom>
-          <a:noFill/>
-          <a:ln>
-            <a:noFill/>
-          </a:ln>
-          <a:extLst>
-            <a:ext uri="{909E8E84-426E-40DD-AFC4-6F175D3DCCD1}">
-              <a14:hiddenFill xmlns:a14="http://schemas.microsoft.com/office/drawing/2010/main">
-                <a:solidFill>
-                  <a:schemeClr val="accent1"/>
-                </a:solidFill>
-              </a14:hiddenFill>
-            </a:ext>
-            <a:ext uri="{91240B29-F687-4F45-9708-019B960494DF}">
-              <a14:hiddenLine xmlns:a14="http://schemas.microsoft.com/office/drawing/2010/main" w="9525">
-                <a:solidFill>
-                  <a:schemeClr val="tx1"/>
-                </a:solidFill>
-                <a:miter lim="800000"/>
-                <a:headEnd/>
-                <a:tailEnd/>
-              </a14:hiddenLine>
-            </a:ext>
-          </a:extLst>
-        </p:spPr>
-      </p:pic>
-      <p:sp>
-        <p:nvSpPr>
-          <p:cNvPr id="4" name="下矢印 3"/>
-          <p:cNvSpPr/>
-          <p:nvPr/>
-        </p:nvSpPr>
-        <p:spPr>
-          <a:xfrm>
-            <a:off x="3995936" y="2979326"/>
-            <a:ext cx="720080" cy="561642"/>
-          </a:xfrm>
-          <a:prstGeom prst="downArrow">
-            <a:avLst/>
-          </a:prstGeom>
-        </p:spPr>
-        <p:style>
-          <a:lnRef idx="2">
-            <a:schemeClr val="accent1">
-              <a:shade val="50000"/>
-            </a:schemeClr>
-          </a:lnRef>
-          <a:fillRef idx="1">
-            <a:schemeClr val="accent1"/>
-          </a:fillRef>
-          <a:effectRef idx="0">
-            <a:schemeClr val="accent1"/>
-          </a:effectRef>
-          <a:fontRef idx="minor">
-            <a:schemeClr val="lt1"/>
-          </a:fontRef>
-        </p:style>
-        <p:txBody>
-          <a:bodyPr rtlCol="0" anchor="ctr"/>
-          <a:lstStyle/>
-          <a:p>
-            <a:pPr algn="ctr"/>
-            <a:endParaRPr kumimoji="1" lang="ja-JP" altLang="en-US"/>
-          </a:p>
-        </p:txBody>
-      </p:sp>
-      <p:sp>
-        <p:nvSpPr>
-          <p:cNvPr id="5" name="角丸四角形吹き出し 4"/>
-          <p:cNvSpPr/>
-          <p:nvPr/>
-        </p:nvSpPr>
-        <p:spPr>
-          <a:xfrm>
-            <a:off x="6300192" y="1531289"/>
-            <a:ext cx="1728192" cy="470352"/>
-          </a:xfrm>
-          <a:prstGeom prst="wedgeRoundRectCallout">
-            <a:avLst>
-              <a:gd name="adj1" fmla="val -62164"/>
-              <a:gd name="adj2" fmla="val -34669"/>
-              <a:gd name="adj3" fmla="val 16667"/>
-            </a:avLst>
-          </a:prstGeom>
-        </p:spPr>
-        <p:style>
-          <a:lnRef idx="2">
-            <a:schemeClr val="accent6">
-              <a:shade val="50000"/>
-            </a:schemeClr>
-          </a:lnRef>
-          <a:fillRef idx="1">
-            <a:schemeClr val="accent6"/>
-          </a:fillRef>
-          <a:effectRef idx="0">
-            <a:schemeClr val="accent6"/>
-          </a:effectRef>
-          <a:fontRef idx="minor">
-            <a:schemeClr val="lt1"/>
-          </a:fontRef>
-        </p:style>
-        <p:txBody>
-          <a:bodyPr rtlCol="0" anchor="ctr"/>
-          <a:lstStyle/>
-          <a:p>
-            <a:pPr algn="ctr"/>
-            <a:r>
-              <a:rPr lang="en-US" altLang="ja-JP" smtClean="0"/>
-              <a:t>weak password</a:t>
-            </a:r>
-            <a:endParaRPr kumimoji="1" lang="ja-JP" altLang="en-US"/>
-          </a:p>
-        </p:txBody>
-      </p:sp>
-      <p:sp>
-        <p:nvSpPr>
-          <p:cNvPr id="8" name="角丸四角形吹き出し 7"/>
-          <p:cNvSpPr/>
-          <p:nvPr/>
-        </p:nvSpPr>
-        <p:spPr>
-          <a:xfrm>
-            <a:off x="5444547" y="4005064"/>
-            <a:ext cx="1728192" cy="470352"/>
-          </a:xfrm>
-          <a:prstGeom prst="wedgeRoundRectCallout">
-            <a:avLst>
-              <a:gd name="adj1" fmla="val -38704"/>
-              <a:gd name="adj2" fmla="val 73539"/>
-              <a:gd name="adj3" fmla="val 16667"/>
-            </a:avLst>
-          </a:prstGeom>
-        </p:spPr>
-        <p:style>
-          <a:lnRef idx="2">
-            <a:schemeClr val="accent6">
-              <a:shade val="50000"/>
-            </a:schemeClr>
-          </a:lnRef>
-          <a:fillRef idx="1">
-            <a:schemeClr val="accent6"/>
-          </a:fillRef>
-          <a:effectRef idx="0">
-            <a:schemeClr val="accent6"/>
-          </a:effectRef>
-          <a:fontRef idx="minor">
-            <a:schemeClr val="lt1"/>
-          </a:fontRef>
-        </p:style>
-        <p:txBody>
-          <a:bodyPr rtlCol="0" anchor="ctr"/>
-          <a:lstStyle/>
-          <a:p>
-            <a:pPr algn="ctr"/>
-            <a:r>
-              <a:rPr lang="en-US" altLang="ja-JP" smtClean="0"/>
-              <a:t>show messages</a:t>
-            </a:r>
-            <a:endParaRPr kumimoji="1" lang="ja-JP" altLang="en-US"/>
-          </a:p>
-        </p:txBody>
-      </p:sp>
-    </p:spTree>
-    <p:extLst>
-      <p:ext uri="{BB962C8B-B14F-4D97-AF65-F5344CB8AC3E}">
-        <p14:creationId xmlns:p14="http://schemas.microsoft.com/office/powerpoint/2010/main" val="3975350909"/>
       </p:ext>
     </p:extLst>
   </p:cSld>
@@ -12893,7 +13855,7 @@
       </p:grpSpPr>
       <p:pic>
         <p:nvPicPr>
-          <p:cNvPr id="3074" name="Picture 2"/>
+          <p:cNvPr id="2050" name="Picture 2"/>
           <p:cNvPicPr>
             <a:picLocks noChangeAspect="1" noChangeArrowheads="1"/>
           </p:cNvPicPr>
@@ -12914,8 +13876,8 @@
         </p:blipFill>
         <p:spPr bwMode="auto">
           <a:xfrm>
-            <a:off x="1403648" y="260648"/>
-            <a:ext cx="5343525" cy="2838450"/>
+            <a:off x="637242" y="3540968"/>
+            <a:ext cx="7896225" cy="3200400"/>
           </a:xfrm>
           <a:prstGeom prst="rect">
             <a:avLst/>
@@ -12947,7 +13909,7 @@
       </p:pic>
       <p:pic>
         <p:nvPicPr>
-          <p:cNvPr id="3075" name="Picture 3"/>
+          <p:cNvPr id="2051" name="Picture 3"/>
           <p:cNvPicPr>
             <a:picLocks noChangeAspect="1" noChangeArrowheads="1"/>
           </p:cNvPicPr>
@@ -12968,8 +13930,8 @@
         </p:blipFill>
         <p:spPr bwMode="auto">
           <a:xfrm>
-            <a:off x="1526959" y="3861048"/>
-            <a:ext cx="5248275" cy="2762250"/>
+            <a:off x="1619672" y="188501"/>
+            <a:ext cx="5400675" cy="2790825"/>
           </a:xfrm>
           <a:prstGeom prst="rect">
             <a:avLst/>
@@ -13001,13 +13963,13 @@
       </p:pic>
       <p:sp>
         <p:nvSpPr>
-          <p:cNvPr id="6" name="下矢印 5"/>
+          <p:cNvPr id="4" name="下矢印 3"/>
           <p:cNvSpPr/>
           <p:nvPr/>
         </p:nvSpPr>
         <p:spPr>
           <a:xfrm>
-            <a:off x="3610155" y="3155390"/>
+            <a:off x="3995936" y="2979326"/>
             <a:ext cx="720080" cy="561642"/>
           </a:xfrm>
           <a:prstGeom prst="downArrow">
@@ -13041,19 +14003,19 @@
       </p:sp>
       <p:sp>
         <p:nvSpPr>
-          <p:cNvPr id="7" name="角丸四角形吹き出し 6"/>
+          <p:cNvPr id="5" name="角丸四角形吹き出し 4"/>
           <p:cNvSpPr/>
           <p:nvPr/>
         </p:nvSpPr>
         <p:spPr>
           <a:xfrm>
-            <a:off x="6850514" y="620688"/>
-            <a:ext cx="1897949" cy="576064"/>
+            <a:off x="6300192" y="1531289"/>
+            <a:ext cx="1728192" cy="470352"/>
           </a:xfrm>
           <a:prstGeom prst="wedgeRoundRectCallout">
             <a:avLst>
-              <a:gd name="adj1" fmla="val -60167"/>
-              <a:gd name="adj2" fmla="val 16684"/>
+              <a:gd name="adj1" fmla="val -62164"/>
+              <a:gd name="adj2" fmla="val -34669"/>
               <a:gd name="adj3" fmla="val 16667"/>
             </a:avLst>
           </a:prstGeom>
@@ -13081,14 +14043,7 @@
             <a:pPr algn="ctr"/>
             <a:r>
               <a:rPr lang="en-US" altLang="ja-JP" smtClean="0"/>
-              <a:t>many times </a:t>
-            </a:r>
-          </a:p>
-          <a:p>
-            <a:pPr algn="ctr"/>
-            <a:r>
-              <a:rPr lang="en-US" altLang="ja-JP" smtClean="0"/>
-              <a:t>in a short period</a:t>
+              <a:t>weak password</a:t>
             </a:r>
             <a:endParaRPr kumimoji="1" lang="ja-JP" altLang="en-US"/>
           </a:p>
@@ -13102,13 +14057,13 @@
         </p:nvSpPr>
         <p:spPr>
           <a:xfrm>
-            <a:off x="6922523" y="4077072"/>
-            <a:ext cx="1728192" cy="576064"/>
+            <a:off x="5444547" y="4005064"/>
+            <a:ext cx="1728192" cy="470352"/>
           </a:xfrm>
           <a:prstGeom prst="wedgeRoundRectCallout">
             <a:avLst>
-              <a:gd name="adj1" fmla="val -60167"/>
-              <a:gd name="adj2" fmla="val 16684"/>
+              <a:gd name="adj1" fmla="val -38704"/>
+              <a:gd name="adj2" fmla="val 73539"/>
               <a:gd name="adj3" fmla="val 16667"/>
             </a:avLst>
           </a:prstGeom>
@@ -13136,7 +14091,7 @@
             <a:pPr algn="ctr"/>
             <a:r>
               <a:rPr lang="en-US" altLang="ja-JP" smtClean="0"/>
-              <a:t>account has been locked</a:t>
+              <a:t>show messages</a:t>
             </a:r>
             <a:endParaRPr kumimoji="1" lang="ja-JP" altLang="en-US"/>
           </a:p>
@@ -13145,7 +14100,7 @@
     </p:spTree>
     <p:extLst>
       <p:ext uri="{BB962C8B-B14F-4D97-AF65-F5344CB8AC3E}">
-        <p14:creationId xmlns:p14="http://schemas.microsoft.com/office/powerpoint/2010/main" val="1658150286"/>
+        <p14:creationId xmlns:p14="http://schemas.microsoft.com/office/powerpoint/2010/main" val="3975350909"/>
       </p:ext>
     </p:extLst>
   </p:cSld>
@@ -13174,7 +14129,7 @@
       </p:grpSpPr>
       <p:pic>
         <p:nvPicPr>
-          <p:cNvPr id="4098" name="Picture 2"/>
+          <p:cNvPr id="3074" name="Picture 2"/>
           <p:cNvPicPr>
             <a:picLocks noChangeAspect="1" noChangeArrowheads="1"/>
           </p:cNvPicPr>
@@ -13195,8 +14150,8 @@
         </p:blipFill>
         <p:spPr bwMode="auto">
           <a:xfrm>
-            <a:off x="169882" y="3067669"/>
-            <a:ext cx="4618143" cy="1758510"/>
+            <a:off x="1403648" y="260648"/>
+            <a:ext cx="5343525" cy="2838450"/>
           </a:xfrm>
           <a:prstGeom prst="rect">
             <a:avLst/>
@@ -13228,7 +14183,7 @@
       </p:pic>
       <p:pic>
         <p:nvPicPr>
-          <p:cNvPr id="4099" name="Picture 3"/>
+          <p:cNvPr id="3075" name="Picture 3"/>
           <p:cNvPicPr>
             <a:picLocks noChangeAspect="1" noChangeArrowheads="1"/>
           </p:cNvPicPr>
@@ -13249,8 +14204,8 @@
         </p:blipFill>
         <p:spPr bwMode="auto">
           <a:xfrm>
-            <a:off x="4067944" y="3067669"/>
-            <a:ext cx="4846265" cy="1801491"/>
+            <a:off x="1526959" y="3861048"/>
+            <a:ext cx="5248275" cy="2762250"/>
           </a:xfrm>
           <a:prstGeom prst="rect">
             <a:avLst/>
@@ -13280,70 +14235,16 @@
           </a:extLst>
         </p:spPr>
       </p:pic>
-      <p:pic>
-        <p:nvPicPr>
-          <p:cNvPr id="4100" name="Picture 4"/>
-          <p:cNvPicPr>
-            <a:picLocks noChangeAspect="1" noChangeArrowheads="1"/>
-          </p:cNvPicPr>
-          <p:nvPr/>
-        </p:nvPicPr>
-        <p:blipFill>
-          <a:blip r:embed="rId4">
-            <a:extLst>
-              <a:ext uri="{28A0092B-C50C-407E-A947-70E740481C1C}">
-                <a14:useLocalDpi xmlns:a14="http://schemas.microsoft.com/office/drawing/2010/main" val="0"/>
-              </a:ext>
-            </a:extLst>
-          </a:blip>
-          <a:srcRect/>
-          <a:stretch>
-            <a:fillRect/>
-          </a:stretch>
-        </p:blipFill>
-        <p:spPr bwMode="auto">
-          <a:xfrm>
-            <a:off x="179513" y="260648"/>
-            <a:ext cx="4608512" cy="2070965"/>
-          </a:xfrm>
-          <a:prstGeom prst="rect">
-            <a:avLst/>
-          </a:prstGeom>
-          <a:noFill/>
-          <a:ln>
-            <a:noFill/>
-          </a:ln>
-          <a:extLst>
-            <a:ext uri="{909E8E84-426E-40DD-AFC4-6F175D3DCCD1}">
-              <a14:hiddenFill xmlns:a14="http://schemas.microsoft.com/office/drawing/2010/main">
-                <a:solidFill>
-                  <a:schemeClr val="accent1"/>
-                </a:solidFill>
-              </a14:hiddenFill>
-            </a:ext>
-            <a:ext uri="{91240B29-F687-4F45-9708-019B960494DF}">
-              <a14:hiddenLine xmlns:a14="http://schemas.microsoft.com/office/drawing/2010/main" w="9525">
-                <a:solidFill>
-                  <a:schemeClr val="tx1"/>
-                </a:solidFill>
-                <a:miter lim="800000"/>
-                <a:headEnd/>
-                <a:tailEnd/>
-              </a14:hiddenLine>
-            </a:ext>
-          </a:extLst>
-        </p:spPr>
-      </p:pic>
-      <p:sp>
-        <p:nvSpPr>
-          <p:cNvPr id="4" name="下矢印 3"/>
+      <p:sp>
+        <p:nvSpPr>
+          <p:cNvPr id="6" name="下矢印 5"/>
           <p:cNvSpPr/>
           <p:nvPr/>
         </p:nvSpPr>
         <p:spPr>
           <a:xfrm>
-            <a:off x="1619672" y="2420888"/>
-            <a:ext cx="1080120" cy="504056"/>
+            <a:off x="3610155" y="3155390"/>
+            <a:ext cx="720080" cy="561642"/>
           </a:xfrm>
           <a:prstGeom prst="downArrow">
             <a:avLst/>
@@ -13376,92 +14277,13 @@
       </p:sp>
       <p:sp>
         <p:nvSpPr>
-          <p:cNvPr id="5" name="右矢印 4"/>
+          <p:cNvPr id="7" name="角丸四角形吹き出し 6"/>
           <p:cNvSpPr/>
           <p:nvPr/>
         </p:nvSpPr>
         <p:spPr>
           <a:xfrm>
-            <a:off x="3275856" y="3412010"/>
-            <a:ext cx="648072" cy="720080"/>
-          </a:xfrm>
-          <a:prstGeom prst="rightArrow">
-            <a:avLst/>
-          </a:prstGeom>
-        </p:spPr>
-        <p:style>
-          <a:lnRef idx="2">
-            <a:schemeClr val="accent1">
-              <a:shade val="50000"/>
-            </a:schemeClr>
-          </a:lnRef>
-          <a:fillRef idx="1">
-            <a:schemeClr val="accent1"/>
-          </a:fillRef>
-          <a:effectRef idx="0">
-            <a:schemeClr val="accent1"/>
-          </a:effectRef>
-          <a:fontRef idx="minor">
-            <a:schemeClr val="lt1"/>
-          </a:fontRef>
-        </p:style>
-        <p:txBody>
-          <a:bodyPr rtlCol="0" anchor="ctr"/>
-          <a:lstStyle/>
-          <a:p>
-            <a:pPr algn="ctr"/>
-            <a:endParaRPr kumimoji="1" lang="ja-JP" altLang="en-US"/>
-          </a:p>
-        </p:txBody>
-      </p:sp>
-      <p:sp>
-        <p:nvSpPr>
-          <p:cNvPr id="6" name="角丸四角形 5"/>
-          <p:cNvSpPr/>
-          <p:nvPr/>
-        </p:nvSpPr>
-        <p:spPr>
-          <a:xfrm>
-            <a:off x="179513" y="4169332"/>
-            <a:ext cx="1008111" cy="288032"/>
-          </a:xfrm>
-          <a:prstGeom prst="roundRect">
-            <a:avLst/>
-          </a:prstGeom>
-          <a:noFill/>
-        </p:spPr>
-        <p:style>
-          <a:lnRef idx="2">
-            <a:schemeClr val="accent6"/>
-          </a:lnRef>
-          <a:fillRef idx="1">
-            <a:schemeClr val="lt1"/>
-          </a:fillRef>
-          <a:effectRef idx="0">
-            <a:schemeClr val="accent6"/>
-          </a:effectRef>
-          <a:fontRef idx="minor">
-            <a:schemeClr val="dk1"/>
-          </a:fontRef>
-        </p:style>
-        <p:txBody>
-          <a:bodyPr rtlCol="0" anchor="ctr"/>
-          <a:lstStyle/>
-          <a:p>
-            <a:pPr algn="ctr"/>
-            <a:endParaRPr kumimoji="1" lang="ja-JP" altLang="en-US"/>
-          </a:p>
-        </p:txBody>
-      </p:sp>
-      <p:sp>
-        <p:nvSpPr>
-          <p:cNvPr id="13" name="角丸四角形吹き出し 12"/>
-          <p:cNvSpPr/>
-          <p:nvPr/>
-        </p:nvSpPr>
-        <p:spPr>
-          <a:xfrm>
-            <a:off x="3599892" y="404664"/>
+            <a:off x="6850514" y="620688"/>
             <a:ext cx="1897949" cy="576064"/>
           </a:xfrm>
           <a:prstGeom prst="wedgeRoundRectCallout">
@@ -13495,7 +14317,62 @@
             <a:pPr algn="ctr"/>
             <a:r>
               <a:rPr lang="en-US" altLang="ja-JP" smtClean="0"/>
-              <a:t>login as administrator</a:t>
+              <a:t>many times </a:t>
+            </a:r>
+          </a:p>
+          <a:p>
+            <a:pPr algn="ctr"/>
+            <a:r>
+              <a:rPr lang="en-US" altLang="ja-JP" smtClean="0"/>
+              <a:t>in a short period</a:t>
+            </a:r>
+            <a:endParaRPr kumimoji="1" lang="ja-JP" altLang="en-US"/>
+          </a:p>
+        </p:txBody>
+      </p:sp>
+      <p:sp>
+        <p:nvSpPr>
+          <p:cNvPr id="8" name="角丸四角形吹き出し 7"/>
+          <p:cNvSpPr/>
+          <p:nvPr/>
+        </p:nvSpPr>
+        <p:spPr>
+          <a:xfrm>
+            <a:off x="6922523" y="4077072"/>
+            <a:ext cx="1728192" cy="576064"/>
+          </a:xfrm>
+          <a:prstGeom prst="wedgeRoundRectCallout">
+            <a:avLst>
+              <a:gd name="adj1" fmla="val -60167"/>
+              <a:gd name="adj2" fmla="val 16684"/>
+              <a:gd name="adj3" fmla="val 16667"/>
+            </a:avLst>
+          </a:prstGeom>
+        </p:spPr>
+        <p:style>
+          <a:lnRef idx="2">
+            <a:schemeClr val="accent6">
+              <a:shade val="50000"/>
+            </a:schemeClr>
+          </a:lnRef>
+          <a:fillRef idx="1">
+            <a:schemeClr val="accent6"/>
+          </a:fillRef>
+          <a:effectRef idx="0">
+            <a:schemeClr val="accent6"/>
+          </a:effectRef>
+          <a:fontRef idx="minor">
+            <a:schemeClr val="lt1"/>
+          </a:fontRef>
+        </p:style>
+        <p:txBody>
+          <a:bodyPr rtlCol="0" anchor="ctr"/>
+          <a:lstStyle/>
+          <a:p>
+            <a:pPr algn="ctr"/>
+            <a:r>
+              <a:rPr lang="en-US" altLang="ja-JP" smtClean="0"/>
+              <a:t>account has been locked</a:t>
             </a:r>
             <a:endParaRPr kumimoji="1" lang="ja-JP" altLang="en-US"/>
           </a:p>
@@ -13504,7 +14381,7 @@
     </p:spTree>
     <p:extLst>
       <p:ext uri="{BB962C8B-B14F-4D97-AF65-F5344CB8AC3E}">
-        <p14:creationId xmlns:p14="http://schemas.microsoft.com/office/powerpoint/2010/main" val="2009559569"/>
+        <p14:creationId xmlns:p14="http://schemas.microsoft.com/office/powerpoint/2010/main" val="1658150286"/>
       </p:ext>
     </p:extLst>
   </p:cSld>
@@ -13533,7 +14410,7 @@
       </p:grpSpPr>
       <p:pic>
         <p:nvPicPr>
-          <p:cNvPr id="5122" name="Picture 2"/>
+          <p:cNvPr id="4098" name="Picture 2"/>
           <p:cNvPicPr>
             <a:picLocks noChangeAspect="1" noChangeArrowheads="1"/>
           </p:cNvPicPr>
@@ -13554,8 +14431,8 @@
         </p:blipFill>
         <p:spPr bwMode="auto">
           <a:xfrm>
-            <a:off x="2014538" y="2366963"/>
-            <a:ext cx="5114925" cy="2124075"/>
+            <a:off x="169882" y="3067669"/>
+            <a:ext cx="4618143" cy="1758510"/>
           </a:xfrm>
           <a:prstGeom prst="rect">
             <a:avLst/>
@@ -13585,16 +14462,243 @@
           </a:extLst>
         </p:spPr>
       </p:pic>
-      <p:sp>
-        <p:nvSpPr>
-          <p:cNvPr id="6" name="角丸四角形吹き出し 5"/>
+      <p:pic>
+        <p:nvPicPr>
+          <p:cNvPr id="4099" name="Picture 3"/>
+          <p:cNvPicPr>
+            <a:picLocks noChangeAspect="1" noChangeArrowheads="1"/>
+          </p:cNvPicPr>
+          <p:nvPr/>
+        </p:nvPicPr>
+        <p:blipFill>
+          <a:blip r:embed="rId3">
+            <a:extLst>
+              <a:ext uri="{28A0092B-C50C-407E-A947-70E740481C1C}">
+                <a14:useLocalDpi xmlns:a14="http://schemas.microsoft.com/office/drawing/2010/main" val="0"/>
+              </a:ext>
+            </a:extLst>
+          </a:blip>
+          <a:srcRect/>
+          <a:stretch>
+            <a:fillRect/>
+          </a:stretch>
+        </p:blipFill>
+        <p:spPr bwMode="auto">
+          <a:xfrm>
+            <a:off x="4067944" y="3067669"/>
+            <a:ext cx="4846265" cy="1801491"/>
+          </a:xfrm>
+          <a:prstGeom prst="rect">
+            <a:avLst/>
+          </a:prstGeom>
+          <a:noFill/>
+          <a:ln>
+            <a:noFill/>
+          </a:ln>
+          <a:extLst>
+            <a:ext uri="{909E8E84-426E-40DD-AFC4-6F175D3DCCD1}">
+              <a14:hiddenFill xmlns:a14="http://schemas.microsoft.com/office/drawing/2010/main">
+                <a:solidFill>
+                  <a:schemeClr val="accent1"/>
+                </a:solidFill>
+              </a14:hiddenFill>
+            </a:ext>
+            <a:ext uri="{91240B29-F687-4F45-9708-019B960494DF}">
+              <a14:hiddenLine xmlns:a14="http://schemas.microsoft.com/office/drawing/2010/main" w="9525">
+                <a:solidFill>
+                  <a:schemeClr val="tx1"/>
+                </a:solidFill>
+                <a:miter lim="800000"/>
+                <a:headEnd/>
+                <a:tailEnd/>
+              </a14:hiddenLine>
+            </a:ext>
+          </a:extLst>
+        </p:spPr>
+      </p:pic>
+      <p:pic>
+        <p:nvPicPr>
+          <p:cNvPr id="4100" name="Picture 4"/>
+          <p:cNvPicPr>
+            <a:picLocks noChangeAspect="1" noChangeArrowheads="1"/>
+          </p:cNvPicPr>
+          <p:nvPr/>
+        </p:nvPicPr>
+        <p:blipFill>
+          <a:blip r:embed="rId4">
+            <a:extLst>
+              <a:ext uri="{28A0092B-C50C-407E-A947-70E740481C1C}">
+                <a14:useLocalDpi xmlns:a14="http://schemas.microsoft.com/office/drawing/2010/main" val="0"/>
+              </a:ext>
+            </a:extLst>
+          </a:blip>
+          <a:srcRect/>
+          <a:stretch>
+            <a:fillRect/>
+          </a:stretch>
+        </p:blipFill>
+        <p:spPr bwMode="auto">
+          <a:xfrm>
+            <a:off x="179513" y="260648"/>
+            <a:ext cx="4608512" cy="2070965"/>
+          </a:xfrm>
+          <a:prstGeom prst="rect">
+            <a:avLst/>
+          </a:prstGeom>
+          <a:noFill/>
+          <a:ln>
+            <a:noFill/>
+          </a:ln>
+          <a:extLst>
+            <a:ext uri="{909E8E84-426E-40DD-AFC4-6F175D3DCCD1}">
+              <a14:hiddenFill xmlns:a14="http://schemas.microsoft.com/office/drawing/2010/main">
+                <a:solidFill>
+                  <a:schemeClr val="accent1"/>
+                </a:solidFill>
+              </a14:hiddenFill>
+            </a:ext>
+            <a:ext uri="{91240B29-F687-4F45-9708-019B960494DF}">
+              <a14:hiddenLine xmlns:a14="http://schemas.microsoft.com/office/drawing/2010/main" w="9525">
+                <a:solidFill>
+                  <a:schemeClr val="tx1"/>
+                </a:solidFill>
+                <a:miter lim="800000"/>
+                <a:headEnd/>
+                <a:tailEnd/>
+              </a14:hiddenLine>
+            </a:ext>
+          </a:extLst>
+        </p:spPr>
+      </p:pic>
+      <p:sp>
+        <p:nvSpPr>
+          <p:cNvPr id="4" name="下矢印 3"/>
           <p:cNvSpPr/>
           <p:nvPr/>
         </p:nvSpPr>
         <p:spPr>
           <a:xfrm>
-            <a:off x="4788024" y="3067643"/>
-            <a:ext cx="2520280" cy="360040"/>
+            <a:off x="1619672" y="2420888"/>
+            <a:ext cx="1080120" cy="504056"/>
+          </a:xfrm>
+          <a:prstGeom prst="downArrow">
+            <a:avLst/>
+          </a:prstGeom>
+        </p:spPr>
+        <p:style>
+          <a:lnRef idx="2">
+            <a:schemeClr val="accent1">
+              <a:shade val="50000"/>
+            </a:schemeClr>
+          </a:lnRef>
+          <a:fillRef idx="1">
+            <a:schemeClr val="accent1"/>
+          </a:fillRef>
+          <a:effectRef idx="0">
+            <a:schemeClr val="accent1"/>
+          </a:effectRef>
+          <a:fontRef idx="minor">
+            <a:schemeClr val="lt1"/>
+          </a:fontRef>
+        </p:style>
+        <p:txBody>
+          <a:bodyPr rtlCol="0" anchor="ctr"/>
+          <a:lstStyle/>
+          <a:p>
+            <a:pPr algn="ctr"/>
+            <a:endParaRPr kumimoji="1" lang="ja-JP" altLang="en-US"/>
+          </a:p>
+        </p:txBody>
+      </p:sp>
+      <p:sp>
+        <p:nvSpPr>
+          <p:cNvPr id="5" name="右矢印 4"/>
+          <p:cNvSpPr/>
+          <p:nvPr/>
+        </p:nvSpPr>
+        <p:spPr>
+          <a:xfrm>
+            <a:off x="3275856" y="3412010"/>
+            <a:ext cx="648072" cy="720080"/>
+          </a:xfrm>
+          <a:prstGeom prst="rightArrow">
+            <a:avLst/>
+          </a:prstGeom>
+        </p:spPr>
+        <p:style>
+          <a:lnRef idx="2">
+            <a:schemeClr val="accent1">
+              <a:shade val="50000"/>
+            </a:schemeClr>
+          </a:lnRef>
+          <a:fillRef idx="1">
+            <a:schemeClr val="accent1"/>
+          </a:fillRef>
+          <a:effectRef idx="0">
+            <a:schemeClr val="accent1"/>
+          </a:effectRef>
+          <a:fontRef idx="minor">
+            <a:schemeClr val="lt1"/>
+          </a:fontRef>
+        </p:style>
+        <p:txBody>
+          <a:bodyPr rtlCol="0" anchor="ctr"/>
+          <a:lstStyle/>
+          <a:p>
+            <a:pPr algn="ctr"/>
+            <a:endParaRPr kumimoji="1" lang="ja-JP" altLang="en-US"/>
+          </a:p>
+        </p:txBody>
+      </p:sp>
+      <p:sp>
+        <p:nvSpPr>
+          <p:cNvPr id="6" name="角丸四角形 5"/>
+          <p:cNvSpPr/>
+          <p:nvPr/>
+        </p:nvSpPr>
+        <p:spPr>
+          <a:xfrm>
+            <a:off x="179513" y="4169332"/>
+            <a:ext cx="1008111" cy="288032"/>
+          </a:xfrm>
+          <a:prstGeom prst="roundRect">
+            <a:avLst/>
+          </a:prstGeom>
+          <a:noFill/>
+        </p:spPr>
+        <p:style>
+          <a:lnRef idx="2">
+            <a:schemeClr val="accent6"/>
+          </a:lnRef>
+          <a:fillRef idx="1">
+            <a:schemeClr val="lt1"/>
+          </a:fillRef>
+          <a:effectRef idx="0">
+            <a:schemeClr val="accent6"/>
+          </a:effectRef>
+          <a:fontRef idx="minor">
+            <a:schemeClr val="dk1"/>
+          </a:fontRef>
+        </p:style>
+        <p:txBody>
+          <a:bodyPr rtlCol="0" anchor="ctr"/>
+          <a:lstStyle/>
+          <a:p>
+            <a:pPr algn="ctr"/>
+            <a:endParaRPr kumimoji="1" lang="ja-JP" altLang="en-US"/>
+          </a:p>
+        </p:txBody>
+      </p:sp>
+      <p:sp>
+        <p:nvSpPr>
+          <p:cNvPr id="13" name="角丸四角形吹き出し 12"/>
+          <p:cNvSpPr/>
+          <p:nvPr/>
+        </p:nvSpPr>
+        <p:spPr>
+          <a:xfrm>
+            <a:off x="3599892" y="404664"/>
+            <a:ext cx="1897949" cy="576064"/>
           </a:xfrm>
           <a:prstGeom prst="wedgeRoundRectCallout">
             <a:avLst>
@@ -13627,7 +14731,7 @@
             <a:pPr algn="ctr"/>
             <a:r>
               <a:rPr lang="en-US" altLang="ja-JP" smtClean="0"/>
-              <a:t>show last login date</a:t>
+              <a:t>login as administrator</a:t>
             </a:r>
             <a:endParaRPr kumimoji="1" lang="ja-JP" altLang="en-US"/>
           </a:p>
@@ -13636,7 +14740,7 @@
     </p:spTree>
     <p:extLst>
       <p:ext uri="{BB962C8B-B14F-4D97-AF65-F5344CB8AC3E}">
-        <p14:creationId xmlns:p14="http://schemas.microsoft.com/office/powerpoint/2010/main" val="3849552348"/>
+        <p14:creationId xmlns:p14="http://schemas.microsoft.com/office/powerpoint/2010/main" val="2009559569"/>
       </p:ext>
     </p:extLst>
   </p:cSld>
